--- a/Capstone1_presentation.pptx
+++ b/Capstone1_presentation.pptx
@@ -5,7 +5,7 @@
     <p:sldMasterId id="2147483648" r:id="rId1"/>
   </p:sldMasterIdLst>
   <p:notesMasterIdLst>
-    <p:notesMasterId r:id="rId18"/>
+    <p:notesMasterId r:id="rId25"/>
   </p:notesMasterIdLst>
   <p:sldIdLst>
     <p:sldId id="256" r:id="rId2"/>
@@ -21,9 +21,16 @@
     <p:sldId id="313" r:id="rId12"/>
     <p:sldId id="314" r:id="rId13"/>
     <p:sldId id="315" r:id="rId14"/>
-    <p:sldId id="316" r:id="rId15"/>
-    <p:sldId id="317" r:id="rId16"/>
-    <p:sldId id="318" r:id="rId17"/>
+    <p:sldId id="319" r:id="rId15"/>
+    <p:sldId id="316" r:id="rId16"/>
+    <p:sldId id="320" r:id="rId17"/>
+    <p:sldId id="322" r:id="rId18"/>
+    <p:sldId id="323" r:id="rId19"/>
+    <p:sldId id="324" r:id="rId20"/>
+    <p:sldId id="325" r:id="rId21"/>
+    <p:sldId id="321" r:id="rId22"/>
+    <p:sldId id="317" r:id="rId23"/>
+    <p:sldId id="318" r:id="rId24"/>
   </p:sldIdLst>
   <p:sldSz cx="12192000" cy="6858000"/>
   <p:notesSz cx="6858000" cy="9144000"/>
@@ -122,6 +129,11 @@
       </a:defRPr>
     </a:lvl9pPr>
   </p:defaultTextStyle>
+  <p:extLst>
+    <p:ext uri="{EFAFB233-063F-42B5-8137-9DF3F51BA10A}">
+      <p15:sldGuideLst xmlns:p15="http://schemas.microsoft.com/office/powerpoint/2012/main"/>
+    </p:ext>
+  </p:extLst>
 </p:presentation>
 </file>
 
@@ -3486,14 +3498,14 @@
       </dgm:t>
     </dgm:pt>
     <dgm:pt modelId="{4A0CC9E3-9F34-4C6E-A95C-5D5B86AB9299}">
-      <dgm:prSet/>
+      <dgm:prSet custT="1"/>
       <dgm:spPr/>
       <dgm:t>
         <a:bodyPr/>
         <a:lstStyle/>
         <a:p>
           <a:r>
-            <a:rPr lang="en-US" dirty="0">
+            <a:rPr lang="en-US" sz="2000" dirty="0">
               <a:latin typeface="Arial" panose="020B0604020202020204" pitchFamily="34" charset="0"/>
               <a:cs typeface="Arial" panose="020B0604020202020204" pitchFamily="34" charset="0"/>
             </a:rPr>
@@ -3531,14 +3543,14 @@
       </dgm:t>
     </dgm:pt>
     <dgm:pt modelId="{A94AD0A1-CEF7-42C6-98CB-217AE604B529}">
-      <dgm:prSet/>
+      <dgm:prSet custT="1"/>
       <dgm:spPr/>
       <dgm:t>
         <a:bodyPr/>
         <a:lstStyle/>
         <a:p>
           <a:r>
-            <a:rPr lang="en-US" dirty="0">
+            <a:rPr lang="en-US" sz="2000" dirty="0">
               <a:latin typeface="Arial" panose="020B0604020202020204" pitchFamily="34" charset="0"/>
               <a:cs typeface="Arial" panose="020B0604020202020204" pitchFamily="34" charset="0"/>
             </a:rPr>
@@ -3576,7 +3588,7 @@
       </dgm:t>
     </dgm:pt>
     <dgm:pt modelId="{47AEE57A-56AF-4AF5-99F6-66A03F9EB6C1}">
-      <dgm:prSet/>
+      <dgm:prSet custT="1"/>
       <dgm:spPr/>
       <dgm:t>
         <a:bodyPr/>
@@ -3584,7 +3596,7 @@
         <a:p>
           <a:pPr algn="just"/>
           <a:r>
-            <a:rPr lang="en-US" dirty="0">
+            <a:rPr lang="en-US" sz="2000" dirty="0">
               <a:latin typeface="Arial" panose="020B0604020202020204" pitchFamily="34" charset="0"/>
               <a:cs typeface="Arial" panose="020B0604020202020204" pitchFamily="34" charset="0"/>
             </a:rPr>
@@ -3622,7 +3634,7 @@
       </dgm:t>
     </dgm:pt>
     <dgm:pt modelId="{4B0FF807-C34A-4A81-9B7B-82D26CA07E8C}">
-      <dgm:prSet/>
+      <dgm:prSet custT="1"/>
       <dgm:spPr/>
       <dgm:t>
         <a:bodyPr/>
@@ -3630,7 +3642,7 @@
         <a:p>
           <a:pPr algn="just"/>
           <a:r>
-            <a:rPr lang="en-US" dirty="0">
+            <a:rPr lang="en-US" sz="2000" dirty="0">
               <a:latin typeface="Arial" panose="020B0604020202020204" pitchFamily="34" charset="0"/>
               <a:cs typeface="Arial" panose="020B0604020202020204" pitchFamily="34" charset="0"/>
             </a:rPr>
@@ -3925,7 +3937,7 @@
   <dgm:whole/>
   <dgm:extLst>
     <a:ext uri="http://schemas.microsoft.com/office/drawing/2008/diagram">
-      <dsp:dataModelExt xmlns:dsp="http://schemas.microsoft.com/office/drawing/2008/diagram" relId="rId6" minVer="http://schemas.openxmlformats.org/drawingml/2006/diagram"/>
+      <dsp:dataModelExt xmlns:dsp="http://schemas.microsoft.com/office/drawing/2008/diagram" relId="rId7" minVer="http://schemas.openxmlformats.org/drawingml/2006/diagram"/>
     </a:ext>
   </dgm:extLst>
 </dgm:dataModel>
@@ -3953,7 +3965,7 @@
         <a:lstStyle/>
         <a:p>
           <a:r>
-            <a:rPr lang="en-US" sz="1800" dirty="0">
+            <a:rPr lang="en-US" sz="2000" dirty="0">
               <a:latin typeface="Arial" panose="020B0604020202020204" pitchFamily="34" charset="0"/>
               <a:cs typeface="Arial" panose="020B0604020202020204" pitchFamily="34" charset="0"/>
             </a:rPr>
@@ -3998,7 +4010,7 @@
         <a:lstStyle/>
         <a:p>
           <a:r>
-            <a:rPr lang="en-US" sz="1800" dirty="0">
+            <a:rPr lang="en-US" sz="2000" dirty="0">
               <a:latin typeface="Arial" panose="020B0604020202020204" pitchFamily="34" charset="0"/>
               <a:cs typeface="Arial" panose="020B0604020202020204" pitchFamily="34" charset="0"/>
             </a:rPr>
@@ -4043,7 +4055,7 @@
         <a:lstStyle/>
         <a:p>
           <a:r>
-            <a:rPr lang="en-US" sz="1800" dirty="0">
+            <a:rPr lang="en-US" sz="2000" dirty="0">
               <a:latin typeface="Arial" panose="020B0604020202020204" pitchFamily="34" charset="0"/>
               <a:cs typeface="Arial" panose="020B0604020202020204" pitchFamily="34" charset="0"/>
             </a:rPr>
@@ -4088,7 +4100,7 @@
         <a:lstStyle/>
         <a:p>
           <a:r>
-            <a:rPr lang="en-US" sz="1800" dirty="0">
+            <a:rPr lang="en-US" sz="2000" dirty="0">
               <a:latin typeface="Arial" panose="020B0604020202020204" pitchFamily="34" charset="0"/>
               <a:cs typeface="Arial" panose="020B0604020202020204" pitchFamily="34" charset="0"/>
             </a:rPr>
@@ -4134,7 +4146,7 @@
         <a:p>
           <a:pPr algn="just"/>
           <a:r>
-            <a:rPr lang="en-US" sz="1800" dirty="0">
+            <a:rPr lang="en-US" sz="2000" dirty="0">
               <a:latin typeface="Arial" panose="020B0604020202020204" pitchFamily="34" charset="0"/>
               <a:cs typeface="Arial" panose="020B0604020202020204" pitchFamily="34" charset="0"/>
             </a:rPr>
@@ -4185,7 +4197,7 @@
       <dgm:spPr/>
     </dgm:pt>
     <dgm:pt modelId="{513AE63D-F9C2-4EDB-8396-FA0BEBAA4272}" type="pres">
-      <dgm:prSet presAssocID="{04794705-AF4C-4096-B0BC-5946BCEC6E12}" presName="bgRect" presStyleLbl="bgShp" presStyleIdx="0" presStyleCnt="5" custLinFactNeighborX="-379" custLinFactNeighborY="-469"/>
+      <dgm:prSet presAssocID="{04794705-AF4C-4096-B0BC-5946BCEC6E12}" presName="bgRect" presStyleLbl="bgShp" presStyleIdx="0" presStyleCnt="5" custLinFactNeighborY="634"/>
       <dgm:spPr/>
     </dgm:pt>
     <dgm:pt modelId="{0F828543-E1C2-47EB-8EDC-9426B4F13457}" type="pres">
@@ -5182,7 +5194,7 @@
       <dsp:spPr>
         <a:xfrm>
           <a:off x="0" y="2245"/>
-          <a:ext cx="5611904" cy="1138239"/>
+          <a:ext cx="11716459" cy="1138239"/>
         </a:xfrm>
         <a:prstGeom prst="roundRect">
           <a:avLst>
@@ -5275,7 +5287,7 @@
       <dsp:spPr>
         <a:xfrm>
           <a:off x="1314666" y="2245"/>
-          <a:ext cx="4297237" cy="1138239"/>
+          <a:ext cx="10401792" cy="1138239"/>
         </a:xfrm>
         <a:prstGeom prst="rect">
           <a:avLst/>
@@ -5304,7 +5316,7 @@
         </a:bodyPr>
         <a:lstStyle/>
         <a:p>
-          <a:pPr marL="0" lvl="0" indent="0" algn="l" defTabSz="800100">
+          <a:pPr marL="0" lvl="0" indent="0" algn="l" defTabSz="889000">
             <a:lnSpc>
               <a:spcPct val="90000"/>
             </a:lnSpc>
@@ -5317,7 +5329,7 @@
             <a:buNone/>
           </a:pPr>
           <a:r>
-            <a:rPr lang="en-US" sz="1800" kern="1200" dirty="0">
+            <a:rPr lang="en-US" sz="2000" kern="1200" dirty="0">
               <a:latin typeface="Arial" panose="020B0604020202020204" pitchFamily="34" charset="0"/>
               <a:cs typeface="Arial" panose="020B0604020202020204" pitchFamily="34" charset="0"/>
             </a:rPr>
@@ -5327,7 +5339,7 @@
       </dsp:txBody>
       <dsp:txXfrm>
         <a:off x="1314666" y="2245"/>
-        <a:ext cx="4297237" cy="1138239"/>
+        <a:ext cx="10401792" cy="1138239"/>
       </dsp:txXfrm>
     </dsp:sp>
     <dsp:sp modelId="{E38A6D79-1CA1-4E31-899E-3C13E2F925C9}">
@@ -5338,7 +5350,7 @@
       <dsp:spPr>
         <a:xfrm>
           <a:off x="0" y="1425044"/>
-          <a:ext cx="5611904" cy="1138239"/>
+          <a:ext cx="11716459" cy="1138239"/>
         </a:xfrm>
         <a:prstGeom prst="roundRect">
           <a:avLst>
@@ -5430,7 +5442,7 @@
       <dsp:spPr>
         <a:xfrm>
           <a:off x="1314666" y="1425044"/>
-          <a:ext cx="4297237" cy="1138239"/>
+          <a:ext cx="10401792" cy="1138239"/>
         </a:xfrm>
         <a:prstGeom prst="rect">
           <a:avLst/>
@@ -5459,7 +5471,7 @@
         </a:bodyPr>
         <a:lstStyle/>
         <a:p>
-          <a:pPr marL="0" lvl="0" indent="0" algn="l" defTabSz="800100">
+          <a:pPr marL="0" lvl="0" indent="0" algn="l" defTabSz="889000">
             <a:lnSpc>
               <a:spcPct val="90000"/>
             </a:lnSpc>
@@ -5472,7 +5484,7 @@
             <a:buNone/>
           </a:pPr>
           <a:r>
-            <a:rPr lang="en-US" sz="1800" kern="1200" dirty="0">
+            <a:rPr lang="en-US" sz="2000" kern="1200" dirty="0">
               <a:latin typeface="Arial" panose="020B0604020202020204" pitchFamily="34" charset="0"/>
               <a:cs typeface="Arial" panose="020B0604020202020204" pitchFamily="34" charset="0"/>
             </a:rPr>
@@ -5482,7 +5494,7 @@
       </dsp:txBody>
       <dsp:txXfrm>
         <a:off x="1314666" y="1425044"/>
-        <a:ext cx="4297237" cy="1138239"/>
+        <a:ext cx="10401792" cy="1138239"/>
       </dsp:txXfrm>
     </dsp:sp>
     <dsp:sp modelId="{55CF8177-331F-4431-AB46-FE1F01C90EDC}">
@@ -5493,7 +5505,7 @@
       <dsp:spPr>
         <a:xfrm>
           <a:off x="0" y="2847843"/>
-          <a:ext cx="5611904" cy="1138239"/>
+          <a:ext cx="11716459" cy="1138239"/>
         </a:xfrm>
         <a:prstGeom prst="roundRect">
           <a:avLst>
@@ -5586,7 +5598,7 @@
       <dsp:spPr>
         <a:xfrm>
           <a:off x="1314666" y="2847843"/>
-          <a:ext cx="4297237" cy="1138239"/>
+          <a:ext cx="10401792" cy="1138239"/>
         </a:xfrm>
         <a:prstGeom prst="rect">
           <a:avLst/>
@@ -5615,7 +5627,7 @@
         </a:bodyPr>
         <a:lstStyle/>
         <a:p>
-          <a:pPr marL="0" lvl="0" indent="0" algn="just" defTabSz="800100">
+          <a:pPr marL="0" lvl="0" indent="0" algn="just" defTabSz="889000">
             <a:lnSpc>
               <a:spcPct val="90000"/>
             </a:lnSpc>
@@ -5628,7 +5640,7 @@
             <a:buNone/>
           </a:pPr>
           <a:r>
-            <a:rPr lang="en-US" sz="1800" kern="1200" dirty="0">
+            <a:rPr lang="en-US" sz="2000" kern="1200" dirty="0">
               <a:latin typeface="Arial" panose="020B0604020202020204" pitchFamily="34" charset="0"/>
               <a:cs typeface="Arial" panose="020B0604020202020204" pitchFamily="34" charset="0"/>
             </a:rPr>
@@ -5638,7 +5650,7 @@
       </dsp:txBody>
       <dsp:txXfrm>
         <a:off x="1314666" y="2847843"/>
-        <a:ext cx="4297237" cy="1138239"/>
+        <a:ext cx="10401792" cy="1138239"/>
       </dsp:txXfrm>
     </dsp:sp>
     <dsp:sp modelId="{46E05FDD-A3DF-4B4E-9FCC-7A292FF489A1}">
@@ -5649,7 +5661,7 @@
       <dsp:spPr>
         <a:xfrm>
           <a:off x="0" y="4270642"/>
-          <a:ext cx="5611904" cy="1138239"/>
+          <a:ext cx="11716459" cy="1138239"/>
         </a:xfrm>
         <a:prstGeom prst="roundRect">
           <a:avLst>
@@ -5741,7 +5753,7 @@
       <dsp:spPr>
         <a:xfrm>
           <a:off x="1314666" y="4270642"/>
-          <a:ext cx="4297237" cy="1138239"/>
+          <a:ext cx="10401792" cy="1138239"/>
         </a:xfrm>
         <a:prstGeom prst="rect">
           <a:avLst/>
@@ -5770,7 +5782,7 @@
         </a:bodyPr>
         <a:lstStyle/>
         <a:p>
-          <a:pPr marL="0" lvl="0" indent="0" algn="just" defTabSz="800100">
+          <a:pPr marL="0" lvl="0" indent="0" algn="just" defTabSz="889000">
             <a:lnSpc>
               <a:spcPct val="90000"/>
             </a:lnSpc>
@@ -5783,7 +5795,7 @@
             <a:buNone/>
           </a:pPr>
           <a:r>
-            <a:rPr lang="en-US" sz="1800" kern="1200" dirty="0">
+            <a:rPr lang="en-US" sz="2000" kern="1200" dirty="0">
               <a:latin typeface="Arial" panose="020B0604020202020204" pitchFamily="34" charset="0"/>
               <a:cs typeface="Arial" panose="020B0604020202020204" pitchFamily="34" charset="0"/>
             </a:rPr>
@@ -5793,7 +5805,7 @@
       </dsp:txBody>
       <dsp:txXfrm>
         <a:off x="1314666" y="4270642"/>
-        <a:ext cx="4297237" cy="1138239"/>
+        <a:ext cx="10401792" cy="1138239"/>
       </dsp:txXfrm>
     </dsp:sp>
   </dsp:spTree>
@@ -5815,8 +5827,8 @@
       </dsp:nvSpPr>
       <dsp:spPr>
         <a:xfrm>
-          <a:off x="0" y="4"/>
-          <a:ext cx="6103252" cy="931249"/>
+          <a:off x="0" y="10276"/>
+          <a:ext cx="11632326" cy="931249"/>
         </a:xfrm>
         <a:prstGeom prst="roundRect">
           <a:avLst>
@@ -5908,7 +5920,7 @@
       <dsp:spPr>
         <a:xfrm>
           <a:off x="1075593" y="4372"/>
-          <a:ext cx="5027658" cy="931249"/>
+          <a:ext cx="10556732" cy="931249"/>
         </a:xfrm>
         <a:prstGeom prst="rect">
           <a:avLst/>
@@ -5937,7 +5949,7 @@
         </a:bodyPr>
         <a:lstStyle/>
         <a:p>
-          <a:pPr marL="0" lvl="0" indent="0" algn="l" defTabSz="800100">
+          <a:pPr marL="0" lvl="0" indent="0" algn="l" defTabSz="889000">
             <a:lnSpc>
               <a:spcPct val="90000"/>
             </a:lnSpc>
@@ -5950,7 +5962,7 @@
             <a:buNone/>
           </a:pPr>
           <a:r>
-            <a:rPr lang="en-US" sz="1800" kern="1200" dirty="0">
+            <a:rPr lang="en-US" sz="2000" kern="1200" dirty="0">
               <a:latin typeface="Arial" panose="020B0604020202020204" pitchFamily="34" charset="0"/>
               <a:cs typeface="Arial" panose="020B0604020202020204" pitchFamily="34" charset="0"/>
             </a:rPr>
@@ -5960,7 +5972,7 @@
       </dsp:txBody>
       <dsp:txXfrm>
         <a:off x="1075593" y="4372"/>
-        <a:ext cx="5027658" cy="931249"/>
+        <a:ext cx="10556732" cy="931249"/>
       </dsp:txXfrm>
     </dsp:sp>
     <dsp:sp modelId="{979AAF8F-AA9C-4A5C-A0D8-BA5B8D61139D}">
@@ -5971,7 +5983,7 @@
       <dsp:spPr>
         <a:xfrm>
           <a:off x="0" y="1168433"/>
-          <a:ext cx="6103252" cy="931249"/>
+          <a:ext cx="11632326" cy="931249"/>
         </a:xfrm>
         <a:prstGeom prst="roundRect">
           <a:avLst>
@@ -6064,7 +6076,7 @@
       <dsp:spPr>
         <a:xfrm>
           <a:off x="1075593" y="1168433"/>
-          <a:ext cx="5027658" cy="931249"/>
+          <a:ext cx="10556732" cy="931249"/>
         </a:xfrm>
         <a:prstGeom prst="rect">
           <a:avLst/>
@@ -6093,7 +6105,7 @@
         </a:bodyPr>
         <a:lstStyle/>
         <a:p>
-          <a:pPr marL="0" lvl="0" indent="0" algn="l" defTabSz="800100">
+          <a:pPr marL="0" lvl="0" indent="0" algn="l" defTabSz="889000">
             <a:lnSpc>
               <a:spcPct val="90000"/>
             </a:lnSpc>
@@ -6106,7 +6118,7 @@
             <a:buNone/>
           </a:pPr>
           <a:r>
-            <a:rPr lang="en-US" sz="1800" kern="1200" dirty="0">
+            <a:rPr lang="en-US" sz="2000" kern="1200" dirty="0">
               <a:latin typeface="Arial" panose="020B0604020202020204" pitchFamily="34" charset="0"/>
               <a:cs typeface="Arial" panose="020B0604020202020204" pitchFamily="34" charset="0"/>
             </a:rPr>
@@ -6116,7 +6128,7 @@
       </dsp:txBody>
       <dsp:txXfrm>
         <a:off x="1075593" y="1168433"/>
-        <a:ext cx="5027658" cy="931249"/>
+        <a:ext cx="10556732" cy="931249"/>
       </dsp:txXfrm>
     </dsp:sp>
     <dsp:sp modelId="{4519EAF9-B9DE-4E6B-B313-6E6667CEFEE9}">
@@ -6127,7 +6139,7 @@
       <dsp:spPr>
         <a:xfrm>
           <a:off x="0" y="2332495"/>
-          <a:ext cx="6103252" cy="931249"/>
+          <a:ext cx="11632326" cy="931249"/>
         </a:xfrm>
         <a:prstGeom prst="roundRect">
           <a:avLst>
@@ -6220,7 +6232,7 @@
       <dsp:spPr>
         <a:xfrm>
           <a:off x="1075593" y="2332495"/>
-          <a:ext cx="5027658" cy="931249"/>
+          <a:ext cx="10556732" cy="931249"/>
         </a:xfrm>
         <a:prstGeom prst="rect">
           <a:avLst/>
@@ -6249,7 +6261,7 @@
         </a:bodyPr>
         <a:lstStyle/>
         <a:p>
-          <a:pPr marL="0" lvl="0" indent="0" algn="l" defTabSz="800100">
+          <a:pPr marL="0" lvl="0" indent="0" algn="l" defTabSz="889000">
             <a:lnSpc>
               <a:spcPct val="90000"/>
             </a:lnSpc>
@@ -6262,7 +6274,7 @@
             <a:buNone/>
           </a:pPr>
           <a:r>
-            <a:rPr lang="en-US" sz="1800" kern="1200" dirty="0">
+            <a:rPr lang="en-US" sz="2000" kern="1200" dirty="0">
               <a:latin typeface="Arial" panose="020B0604020202020204" pitchFamily="34" charset="0"/>
               <a:cs typeface="Arial" panose="020B0604020202020204" pitchFamily="34" charset="0"/>
             </a:rPr>
@@ -6272,7 +6284,7 @@
       </dsp:txBody>
       <dsp:txXfrm>
         <a:off x="1075593" y="2332495"/>
-        <a:ext cx="5027658" cy="931249"/>
+        <a:ext cx="10556732" cy="931249"/>
       </dsp:txXfrm>
     </dsp:sp>
     <dsp:sp modelId="{A1391FF2-612F-4577-8F1C-EF1E96D979DF}">
@@ -6283,7 +6295,7 @@
       <dsp:spPr>
         <a:xfrm>
           <a:off x="0" y="3476014"/>
-          <a:ext cx="6103252" cy="931249"/>
+          <a:ext cx="11632326" cy="931249"/>
         </a:xfrm>
         <a:prstGeom prst="roundRect">
           <a:avLst>
@@ -6376,7 +6388,7 @@
       <dsp:spPr>
         <a:xfrm>
           <a:off x="1075593" y="3496557"/>
-          <a:ext cx="5027658" cy="931249"/>
+          <a:ext cx="10556732" cy="931249"/>
         </a:xfrm>
         <a:prstGeom prst="rect">
           <a:avLst/>
@@ -6405,7 +6417,7 @@
         </a:bodyPr>
         <a:lstStyle/>
         <a:p>
-          <a:pPr marL="0" lvl="0" indent="0" algn="l" defTabSz="800100">
+          <a:pPr marL="0" lvl="0" indent="0" algn="l" defTabSz="889000">
             <a:lnSpc>
               <a:spcPct val="90000"/>
             </a:lnSpc>
@@ -6418,7 +6430,7 @@
             <a:buNone/>
           </a:pPr>
           <a:r>
-            <a:rPr lang="en-US" sz="1800" kern="1200" dirty="0">
+            <a:rPr lang="en-US" sz="2000" kern="1200" dirty="0">
               <a:latin typeface="Arial" panose="020B0604020202020204" pitchFamily="34" charset="0"/>
               <a:cs typeface="Arial" panose="020B0604020202020204" pitchFamily="34" charset="0"/>
             </a:rPr>
@@ -6428,7 +6440,7 @@
       </dsp:txBody>
       <dsp:txXfrm>
         <a:off x="1075593" y="3496557"/>
-        <a:ext cx="5027658" cy="931249"/>
+        <a:ext cx="10556732" cy="931249"/>
       </dsp:txXfrm>
     </dsp:sp>
     <dsp:sp modelId="{55FCFD22-F273-44E2-AD33-C31906D143FD}">
@@ -6439,7 +6451,7 @@
       <dsp:spPr>
         <a:xfrm>
           <a:off x="0" y="4660619"/>
-          <a:ext cx="6103252" cy="931249"/>
+          <a:ext cx="11632326" cy="931249"/>
         </a:xfrm>
         <a:prstGeom prst="roundRect">
           <a:avLst>
@@ -6529,7 +6541,7 @@
       <dsp:spPr>
         <a:xfrm>
           <a:off x="1075593" y="4660619"/>
-          <a:ext cx="5027658" cy="931249"/>
+          <a:ext cx="10556732" cy="931249"/>
         </a:xfrm>
         <a:prstGeom prst="rect">
           <a:avLst/>
@@ -6558,7 +6570,7 @@
         </a:bodyPr>
         <a:lstStyle/>
         <a:p>
-          <a:pPr marL="0" lvl="0" indent="0" algn="just" defTabSz="800100">
+          <a:pPr marL="0" lvl="0" indent="0" algn="just" defTabSz="889000">
             <a:lnSpc>
               <a:spcPct val="90000"/>
             </a:lnSpc>
@@ -6571,7 +6583,7 @@
             <a:buNone/>
           </a:pPr>
           <a:r>
-            <a:rPr lang="en-US" sz="1800" kern="1200" dirty="0">
+            <a:rPr lang="en-US" sz="2000" kern="1200" dirty="0">
               <a:latin typeface="Arial" panose="020B0604020202020204" pitchFamily="34" charset="0"/>
               <a:cs typeface="Arial" panose="020B0604020202020204" pitchFamily="34" charset="0"/>
             </a:rPr>
@@ -6581,7 +6593,7 @@
       </dsp:txBody>
       <dsp:txXfrm>
         <a:off x="1075593" y="4660619"/>
-        <a:ext cx="5027658" cy="931249"/>
+        <a:ext cx="10556732" cy="931249"/>
       </dsp:txXfrm>
     </dsp:sp>
   </dsp:spTree>
@@ -10550,7 +10562,7 @@
           <a:p>
             <a:fld id="{DF37693F-28C0-4D1F-BA87-D712DBE8B7B3}" type="datetimeFigureOut">
               <a:rPr lang="en-US" smtClean="0"/>
-              <a:t>29-Oct-19</a:t>
+              <a:t>10-Nov-19</a:t>
             </a:fld>
             <a:endParaRPr lang="en-US"/>
           </a:p>
@@ -10817,6 +10829,258 @@
 </p:notesMaster>
 </file>
 
+<file path=ppt/notesSlides/notesSlide1.xml><?xml version="1.0" encoding="utf-8"?>
+<p:notes xmlns:a="http://schemas.openxmlformats.org/drawingml/2006/main" xmlns:r="http://schemas.openxmlformats.org/officeDocument/2006/relationships" xmlns:p="http://schemas.openxmlformats.org/presentationml/2006/main">
+  <p:cSld>
+    <p:spTree>
+      <p:nvGrpSpPr>
+        <p:cNvPr id="1" name=""/>
+        <p:cNvGrpSpPr/>
+        <p:nvPr/>
+      </p:nvGrpSpPr>
+      <p:grpSpPr>
+        <a:xfrm>
+          <a:off x="0" y="0"/>
+          <a:ext cx="0" cy="0"/>
+          <a:chOff x="0" y="0"/>
+          <a:chExt cx="0" cy="0"/>
+        </a:xfrm>
+      </p:grpSpPr>
+      <p:sp>
+        <p:nvSpPr>
+          <p:cNvPr id="2" name="Slide Image Placeholder 1"/>
+          <p:cNvSpPr>
+            <a:spLocks noGrp="1" noRot="1" noChangeAspect="1"/>
+          </p:cNvSpPr>
+          <p:nvPr>
+            <p:ph type="sldImg"/>
+          </p:nvPr>
+        </p:nvSpPr>
+        <p:spPr/>
+      </p:sp>
+      <p:sp>
+        <p:nvSpPr>
+          <p:cNvPr id="3" name="Notes Placeholder 2"/>
+          <p:cNvSpPr>
+            <a:spLocks noGrp="1"/>
+          </p:cNvSpPr>
+          <p:nvPr>
+            <p:ph type="body" idx="1"/>
+          </p:nvPr>
+        </p:nvSpPr>
+        <p:spPr/>
+        <p:txBody>
+          <a:bodyPr/>
+          <a:lstStyle/>
+          <a:p>
+            <a:endParaRPr lang="en-US" dirty="0"/>
+          </a:p>
+        </p:txBody>
+      </p:sp>
+      <p:sp>
+        <p:nvSpPr>
+          <p:cNvPr id="4" name="Slide Number Placeholder 3"/>
+          <p:cNvSpPr>
+            <a:spLocks noGrp="1"/>
+          </p:cNvSpPr>
+          <p:nvPr>
+            <p:ph type="sldNum" sz="quarter" idx="5"/>
+          </p:nvPr>
+        </p:nvSpPr>
+        <p:spPr/>
+        <p:txBody>
+          <a:bodyPr/>
+          <a:lstStyle/>
+          <a:p>
+            <a:fld id="{00811A09-76F0-4C76-AC35-8341F663981F}" type="slidenum">
+              <a:rPr lang="en-US" smtClean="0"/>
+              <a:t>4</a:t>
+            </a:fld>
+            <a:endParaRPr lang="en-US"/>
+          </a:p>
+        </p:txBody>
+      </p:sp>
+    </p:spTree>
+    <p:extLst>
+      <p:ext uri="{BB962C8B-B14F-4D97-AF65-F5344CB8AC3E}">
+        <p14:creationId xmlns:p14="http://schemas.microsoft.com/office/powerpoint/2010/main" val="3200936929"/>
+      </p:ext>
+    </p:extLst>
+  </p:cSld>
+  <p:clrMapOvr>
+    <a:masterClrMapping/>
+  </p:clrMapOvr>
+</p:notes>
+</file>
+
+<file path=ppt/notesSlides/notesSlide2.xml><?xml version="1.0" encoding="utf-8"?>
+<p:notes xmlns:a="http://schemas.openxmlformats.org/drawingml/2006/main" xmlns:r="http://schemas.openxmlformats.org/officeDocument/2006/relationships" xmlns:p="http://schemas.openxmlformats.org/presentationml/2006/main">
+  <p:cSld>
+    <p:spTree>
+      <p:nvGrpSpPr>
+        <p:cNvPr id="1" name=""/>
+        <p:cNvGrpSpPr/>
+        <p:nvPr/>
+      </p:nvGrpSpPr>
+      <p:grpSpPr>
+        <a:xfrm>
+          <a:off x="0" y="0"/>
+          <a:ext cx="0" cy="0"/>
+          <a:chOff x="0" y="0"/>
+          <a:chExt cx="0" cy="0"/>
+        </a:xfrm>
+      </p:grpSpPr>
+      <p:sp>
+        <p:nvSpPr>
+          <p:cNvPr id="2" name="Slide Image Placeholder 1"/>
+          <p:cNvSpPr>
+            <a:spLocks noGrp="1" noRot="1" noChangeAspect="1"/>
+          </p:cNvSpPr>
+          <p:nvPr>
+            <p:ph type="sldImg"/>
+          </p:nvPr>
+        </p:nvSpPr>
+        <p:spPr/>
+      </p:sp>
+      <p:sp>
+        <p:nvSpPr>
+          <p:cNvPr id="3" name="Notes Placeholder 2"/>
+          <p:cNvSpPr>
+            <a:spLocks noGrp="1"/>
+          </p:cNvSpPr>
+          <p:nvPr>
+            <p:ph type="body" idx="1"/>
+          </p:nvPr>
+        </p:nvSpPr>
+        <p:spPr/>
+        <p:txBody>
+          <a:bodyPr/>
+          <a:lstStyle/>
+          <a:p>
+            <a:endParaRPr lang="en-US" dirty="0"/>
+          </a:p>
+        </p:txBody>
+      </p:sp>
+      <p:sp>
+        <p:nvSpPr>
+          <p:cNvPr id="4" name="Slide Number Placeholder 3"/>
+          <p:cNvSpPr>
+            <a:spLocks noGrp="1"/>
+          </p:cNvSpPr>
+          <p:nvPr>
+            <p:ph type="sldNum" sz="quarter" idx="5"/>
+          </p:nvPr>
+        </p:nvSpPr>
+        <p:spPr/>
+        <p:txBody>
+          <a:bodyPr/>
+          <a:lstStyle/>
+          <a:p>
+            <a:fld id="{00811A09-76F0-4C76-AC35-8341F663981F}" type="slidenum">
+              <a:rPr lang="en-US" smtClean="0"/>
+              <a:t>14</a:t>
+            </a:fld>
+            <a:endParaRPr lang="en-US"/>
+          </a:p>
+        </p:txBody>
+      </p:sp>
+    </p:spTree>
+    <p:extLst>
+      <p:ext uri="{BB962C8B-B14F-4D97-AF65-F5344CB8AC3E}">
+        <p14:creationId xmlns:p14="http://schemas.microsoft.com/office/powerpoint/2010/main" val="18218554"/>
+      </p:ext>
+    </p:extLst>
+  </p:cSld>
+  <p:clrMapOvr>
+    <a:masterClrMapping/>
+  </p:clrMapOvr>
+</p:notes>
+</file>
+
+<file path=ppt/notesSlides/notesSlide3.xml><?xml version="1.0" encoding="utf-8"?>
+<p:notes xmlns:a="http://schemas.openxmlformats.org/drawingml/2006/main" xmlns:r="http://schemas.openxmlformats.org/officeDocument/2006/relationships" xmlns:p="http://schemas.openxmlformats.org/presentationml/2006/main">
+  <p:cSld>
+    <p:spTree>
+      <p:nvGrpSpPr>
+        <p:cNvPr id="1" name=""/>
+        <p:cNvGrpSpPr/>
+        <p:nvPr/>
+      </p:nvGrpSpPr>
+      <p:grpSpPr>
+        <a:xfrm>
+          <a:off x="0" y="0"/>
+          <a:ext cx="0" cy="0"/>
+          <a:chOff x="0" y="0"/>
+          <a:chExt cx="0" cy="0"/>
+        </a:xfrm>
+      </p:grpSpPr>
+      <p:sp>
+        <p:nvSpPr>
+          <p:cNvPr id="2" name="Slide Image Placeholder 1"/>
+          <p:cNvSpPr>
+            <a:spLocks noGrp="1" noRot="1" noChangeAspect="1"/>
+          </p:cNvSpPr>
+          <p:nvPr>
+            <p:ph type="sldImg"/>
+          </p:nvPr>
+        </p:nvSpPr>
+        <p:spPr/>
+      </p:sp>
+      <p:sp>
+        <p:nvSpPr>
+          <p:cNvPr id="3" name="Notes Placeholder 2"/>
+          <p:cNvSpPr>
+            <a:spLocks noGrp="1"/>
+          </p:cNvSpPr>
+          <p:nvPr>
+            <p:ph type="body" idx="1"/>
+          </p:nvPr>
+        </p:nvSpPr>
+        <p:spPr/>
+        <p:txBody>
+          <a:bodyPr/>
+          <a:lstStyle/>
+          <a:p>
+            <a:endParaRPr lang="en-US" dirty="0"/>
+          </a:p>
+        </p:txBody>
+      </p:sp>
+      <p:sp>
+        <p:nvSpPr>
+          <p:cNvPr id="4" name="Slide Number Placeholder 3"/>
+          <p:cNvSpPr>
+            <a:spLocks noGrp="1"/>
+          </p:cNvSpPr>
+          <p:nvPr>
+            <p:ph type="sldNum" sz="quarter" idx="5"/>
+          </p:nvPr>
+        </p:nvSpPr>
+        <p:spPr/>
+        <p:txBody>
+          <a:bodyPr/>
+          <a:lstStyle/>
+          <a:p>
+            <a:fld id="{00811A09-76F0-4C76-AC35-8341F663981F}" type="slidenum">
+              <a:rPr lang="en-US" smtClean="0"/>
+              <a:t>23</a:t>
+            </a:fld>
+            <a:endParaRPr lang="en-US"/>
+          </a:p>
+        </p:txBody>
+      </p:sp>
+    </p:spTree>
+    <p:extLst>
+      <p:ext uri="{BB962C8B-B14F-4D97-AF65-F5344CB8AC3E}">
+        <p14:creationId xmlns:p14="http://schemas.microsoft.com/office/powerpoint/2010/main" val="2094085725"/>
+      </p:ext>
+    </p:extLst>
+  </p:cSld>
+  <p:clrMapOvr>
+    <a:masterClrMapping/>
+  </p:clrMapOvr>
+</p:notes>
+</file>
+
 <file path=ppt/slideLayouts/slideLayout1.xml><?xml version="1.0" encoding="utf-8"?>
 <p:sldLayout xmlns:a="http://schemas.openxmlformats.org/drawingml/2006/main" xmlns:r="http://schemas.openxmlformats.org/officeDocument/2006/relationships" xmlns:p="http://schemas.openxmlformats.org/presentationml/2006/main" type="title" preserve="1">
   <p:cSld name="Title Slide">
@@ -10964,7 +11228,7 @@
           <a:p>
             <a:fld id="{6123D8BA-EF4E-4FA5-A3BC-AD74554C1DCE}" type="datetime1">
               <a:rPr lang="en-US" smtClean="0"/>
-              <a:t>29-Oct-19</a:t>
+              <a:t>10-Nov-19</a:t>
             </a:fld>
             <a:endParaRPr lang="en-US"/>
           </a:p>
@@ -11175,7 +11439,7 @@
           <a:p>
             <a:fld id="{DEB8FE89-AE3F-4E7F-BEC1-C9E1D74AEA5F}" type="datetime1">
               <a:rPr lang="en-US" smtClean="0"/>
-              <a:t>29-Oct-19</a:t>
+              <a:t>10-Nov-19</a:t>
             </a:fld>
             <a:endParaRPr lang="en-US"/>
           </a:p>
@@ -11383,7 +11647,7 @@
           <a:p>
             <a:fld id="{CF201008-8A10-4929-9DA4-D90AD5F6FB37}" type="datetime1">
               <a:rPr lang="en-US" smtClean="0"/>
-              <a:t>29-Oct-19</a:t>
+              <a:t>10-Nov-19</a:t>
             </a:fld>
             <a:endParaRPr lang="en-US"/>
           </a:p>
@@ -11581,7 +11845,7 @@
           <a:p>
             <a:fld id="{36605E24-0EF1-4AC4-B796-C046EA4BDBD2}" type="datetime1">
               <a:rPr lang="en-US" smtClean="0"/>
-              <a:t>29-Oct-19</a:t>
+              <a:t>10-Nov-19</a:t>
             </a:fld>
             <a:endParaRPr lang="en-US"/>
           </a:p>
@@ -11856,7 +12120,7 @@
           <a:p>
             <a:fld id="{9BD8447E-5736-471A-888D-DF6255EE0BF7}" type="datetime1">
               <a:rPr lang="en-US" smtClean="0"/>
-              <a:t>29-Oct-19</a:t>
+              <a:t>10-Nov-19</a:t>
             </a:fld>
             <a:endParaRPr lang="en-US"/>
           </a:p>
@@ -12121,7 +12385,7 @@
           <a:p>
             <a:fld id="{44B95C94-C18B-4533-823C-0842D87B8487}" type="datetime1">
               <a:rPr lang="en-US" smtClean="0"/>
-              <a:t>29-Oct-19</a:t>
+              <a:t>10-Nov-19</a:t>
             </a:fld>
             <a:endParaRPr lang="en-US"/>
           </a:p>
@@ -12533,7 +12797,7 @@
           <a:p>
             <a:fld id="{ED9E418B-179C-4593-9895-DA961EF46EBC}" type="datetime1">
               <a:rPr lang="en-US" smtClean="0"/>
-              <a:t>29-Oct-19</a:t>
+              <a:t>10-Nov-19</a:t>
             </a:fld>
             <a:endParaRPr lang="en-US"/>
           </a:p>
@@ -12674,7 +12938,7 @@
           <a:p>
             <a:fld id="{845A7BE1-148A-4AC5-BC93-2129224DB0FC}" type="datetime1">
               <a:rPr lang="en-US" smtClean="0"/>
-              <a:t>29-Oct-19</a:t>
+              <a:t>10-Nov-19</a:t>
             </a:fld>
             <a:endParaRPr lang="en-US"/>
           </a:p>
@@ -12801,7 +13065,7 @@
           <a:p>
             <a:fld id="{7E6AA7A8-2186-4536-A262-FA4572B0FD49}" type="datetime1">
               <a:rPr lang="en-US" smtClean="0"/>
-              <a:t>29-Oct-19</a:t>
+              <a:t>10-Nov-19</a:t>
             </a:fld>
             <a:endParaRPr lang="en-US"/>
           </a:p>
@@ -13112,7 +13376,7 @@
           <a:p>
             <a:fld id="{2184C484-D17B-43E6-A292-8CCC81977B9D}" type="datetime1">
               <a:rPr lang="en-US" smtClean="0"/>
-              <a:t>29-Oct-19</a:t>
+              <a:t>10-Nov-19</a:t>
             </a:fld>
             <a:endParaRPr lang="en-US"/>
           </a:p>
@@ -13400,7 +13664,7 @@
           <a:p>
             <a:fld id="{81A76D16-3C7D-46AB-8535-445047F6C655}" type="datetime1">
               <a:rPr lang="en-US" smtClean="0"/>
-              <a:t>29-Oct-19</a:t>
+              <a:t>10-Nov-19</a:t>
             </a:fld>
             <a:endParaRPr lang="en-US"/>
           </a:p>
@@ -13666,7 +13930,7 @@
           <a:p>
             <a:fld id="{791669A3-1B1A-4B63-9D03-1D90A63AB879}" type="datetime1">
               <a:rPr lang="en-US" smtClean="0"/>
-              <a:t>29-Oct-19</a:t>
+              <a:t>10-Nov-19</a:t>
             </a:fld>
             <a:endParaRPr lang="en-US"/>
           </a:p>
@@ -14266,7 +14530,7 @@
           <a:lstStyle/>
           <a:p>
             <a:r>
-              <a:rPr lang="en-US" sz="4000" kern="1200" dirty="0">
+              <a:rPr lang="en-US" sz="3600" kern="1200" dirty="0">
                 <a:solidFill>
                   <a:schemeClr val="tx1"/>
                 </a:solidFill>
@@ -14352,9 +14616,9 @@
         <p:grpSpPr>
           <a:xfrm>
             <a:off x="149834" y="1263946"/>
-            <a:ext cx="6103252" cy="976679"/>
+            <a:ext cx="11943018" cy="931249"/>
             <a:chOff x="149834" y="1263946"/>
-            <a:chExt cx="6103252" cy="976679"/>
+            <a:chExt cx="6103252" cy="931249"/>
           </a:xfrm>
         </p:grpSpPr>
         <p:sp>
@@ -14431,7 +14695,7 @@
           </p:nvSpPr>
           <p:spPr>
             <a:xfrm>
-              <a:off x="242301" y="1515479"/>
+              <a:off x="149834" y="1431542"/>
               <a:ext cx="5922195" cy="725146"/>
             </a:xfrm>
             <a:prstGeom prst="rect">
@@ -14450,7 +14714,7 @@
                 </a:spcAft>
               </a:pPr>
               <a:r>
-                <a:rPr lang="en-US" dirty="0">
+                <a:rPr lang="en-US" sz="2000" dirty="0">
                   <a:solidFill>
                     <a:srgbClr val="000000"/>
                   </a:solidFill>
@@ -14463,64 +14727,6 @@
           </p:txBody>
         </p:sp>
       </p:grpSp>
-      <p:pic>
-        <p:nvPicPr>
-          <p:cNvPr id="13" name="Picture 12">
-            <a:extLst>
-              <a:ext uri="{FF2B5EF4-FFF2-40B4-BE49-F238E27FC236}">
-                <a16:creationId xmlns:a16="http://schemas.microsoft.com/office/drawing/2014/main" id="{0FE81AD2-439F-4287-8DF7-FFFCFEADB8E7}"/>
-              </a:ext>
-            </a:extLst>
-          </p:cNvPr>
-          <p:cNvPicPr>
-            <a:picLocks noChangeAspect="1"/>
-          </p:cNvPicPr>
-          <p:nvPr/>
-        </p:nvPicPr>
-        <p:blipFill rotWithShape="1">
-          <a:blip r:embed="rId2"/>
-          <a:srcRect l="5746" r="5574"/>
-          <a:stretch/>
-        </p:blipFill>
-        <p:spPr>
-          <a:xfrm>
-            <a:off x="149835" y="2350779"/>
-            <a:ext cx="6103251" cy="3993558"/>
-          </a:xfrm>
-          <a:prstGeom prst="rect">
-            <a:avLst/>
-          </a:prstGeom>
-        </p:spPr>
-      </p:pic>
-      <p:pic>
-        <p:nvPicPr>
-          <p:cNvPr id="14" name="Picture 13">
-            <a:extLst>
-              <a:ext uri="{FF2B5EF4-FFF2-40B4-BE49-F238E27FC236}">
-                <a16:creationId xmlns:a16="http://schemas.microsoft.com/office/drawing/2014/main" id="{6395D003-DC45-4E1C-86AC-67C1A21CDCE4}"/>
-              </a:ext>
-            </a:extLst>
-          </p:cNvPr>
-          <p:cNvPicPr>
-            <a:picLocks noChangeAspect="1"/>
-          </p:cNvPicPr>
-          <p:nvPr/>
-        </p:nvPicPr>
-        <p:blipFill rotWithShape="1">
-          <a:blip r:embed="rId3"/>
-          <a:srcRect l="4202" r="3281"/>
-          <a:stretch/>
-        </p:blipFill>
-        <p:spPr>
-          <a:xfrm>
-            <a:off x="6883685" y="2350779"/>
-            <a:ext cx="4738224" cy="3992456"/>
-          </a:xfrm>
-          <a:prstGeom prst="rect">
-            <a:avLst/>
-          </a:prstGeom>
-        </p:spPr>
-      </p:pic>
       <p:sp>
         <p:nvSpPr>
           <p:cNvPr id="3" name="Slide Number Placeholder 2">
@@ -14550,6 +14756,66 @@
           </a:p>
         </p:txBody>
       </p:sp>
+      <p:pic>
+        <p:nvPicPr>
+          <p:cNvPr id="5" name="Picture 4">
+            <a:extLst>
+              <a:ext uri="{FF2B5EF4-FFF2-40B4-BE49-F238E27FC236}">
+                <a16:creationId xmlns:a16="http://schemas.microsoft.com/office/drawing/2014/main" id="{B8E4EBCE-28B5-4AB2-9F07-0A3243F5BA1F}"/>
+              </a:ext>
+            </a:extLst>
+          </p:cNvPr>
+          <p:cNvPicPr>
+            <a:picLocks noChangeAspect="1"/>
+          </p:cNvPicPr>
+          <p:nvPr/>
+        </p:nvPicPr>
+        <p:blipFill>
+          <a:blip r:embed="rId2"/>
+          <a:stretch>
+            <a:fillRect/>
+          </a:stretch>
+        </p:blipFill>
+        <p:spPr>
+          <a:xfrm>
+            <a:off x="7155988" y="2362791"/>
+            <a:ext cx="4936864" cy="3993558"/>
+          </a:xfrm>
+          <a:prstGeom prst="rect">
+            <a:avLst/>
+          </a:prstGeom>
+        </p:spPr>
+      </p:pic>
+      <p:pic>
+        <p:nvPicPr>
+          <p:cNvPr id="6" name="Picture 5">
+            <a:extLst>
+              <a:ext uri="{FF2B5EF4-FFF2-40B4-BE49-F238E27FC236}">
+                <a16:creationId xmlns:a16="http://schemas.microsoft.com/office/drawing/2014/main" id="{94EA9FD8-A61E-4608-A89B-54BA4EA29164}"/>
+              </a:ext>
+            </a:extLst>
+          </p:cNvPr>
+          <p:cNvPicPr>
+            <a:picLocks noChangeAspect="1"/>
+          </p:cNvPicPr>
+          <p:nvPr/>
+        </p:nvPicPr>
+        <p:blipFill>
+          <a:blip r:embed="rId3"/>
+          <a:stretch>
+            <a:fillRect/>
+          </a:stretch>
+        </p:blipFill>
+        <p:spPr>
+          <a:xfrm>
+            <a:off x="51819" y="2362791"/>
+            <a:ext cx="6834613" cy="3993558"/>
+          </a:xfrm>
+          <a:prstGeom prst="rect">
+            <a:avLst/>
+          </a:prstGeom>
+        </p:spPr>
+      </p:pic>
     </p:spTree>
     <p:extLst>
       <p:ext uri="{BB962C8B-B14F-4D97-AF65-F5344CB8AC3E}">
@@ -14609,7 +14875,7 @@
           <a:lstStyle/>
           <a:p>
             <a:r>
-              <a:rPr lang="en-US" sz="4000" kern="1200" dirty="0">
+              <a:rPr lang="en-US" sz="3600" kern="1200" dirty="0">
                 <a:solidFill>
                   <a:schemeClr val="tx1"/>
                 </a:solidFill>
@@ -14694,10 +14960,10 @@
         </p:nvGrpSpPr>
         <p:grpSpPr>
           <a:xfrm>
-            <a:off x="139557" y="1263946"/>
-            <a:ext cx="6103252" cy="931249"/>
-            <a:chOff x="139557" y="1263946"/>
-            <a:chExt cx="6103252" cy="931249"/>
+            <a:off x="133362" y="1263946"/>
+            <a:ext cx="6109447" cy="931249"/>
+            <a:chOff x="133362" y="1263946"/>
+            <a:chExt cx="6109447" cy="931249"/>
           </a:xfrm>
         </p:grpSpPr>
         <p:sp>
@@ -14774,7 +15040,7 @@
           </p:nvSpPr>
           <p:spPr>
             <a:xfrm>
-              <a:off x="232024" y="1381917"/>
+              <a:off x="133362" y="1353046"/>
               <a:ext cx="5922195" cy="725146"/>
             </a:xfrm>
             <a:prstGeom prst="rect">
@@ -14793,7 +15059,7 @@
                 </a:spcAft>
               </a:pPr>
               <a:r>
-                <a:rPr lang="en-US" dirty="0">
+                <a:rPr lang="en-US" sz="2000" dirty="0">
                   <a:solidFill>
                     <a:srgbClr val="000000"/>
                   </a:solidFill>
@@ -14867,7 +15133,7 @@
         <p:grpSpPr>
           <a:xfrm>
             <a:off x="133362" y="3066113"/>
-            <a:ext cx="6103252" cy="931249"/>
+            <a:ext cx="6103252" cy="1218211"/>
             <a:chOff x="133362" y="3066113"/>
             <a:chExt cx="6103252" cy="931249"/>
           </a:xfrm>
@@ -14946,7 +15212,7 @@
           </p:nvSpPr>
           <p:spPr>
             <a:xfrm>
-              <a:off x="232024" y="3239788"/>
+              <a:off x="133362" y="3186230"/>
               <a:ext cx="5922195" cy="725146"/>
             </a:xfrm>
             <a:prstGeom prst="rect">
@@ -14965,48 +15231,19 @@
                 </a:spcAft>
               </a:pPr>
               <a:r>
-                <a:rPr lang="en-US" dirty="0">
+                <a:rPr lang="en-US" sz="2000" dirty="0">
                   <a:solidFill>
                     <a:srgbClr val="000000"/>
                   </a:solidFill>
                   <a:latin typeface="Arial" panose="020B0604020202020204" pitchFamily="34" charset="0"/>
                   <a:cs typeface="Arial" panose="020B0604020202020204" pitchFamily="34" charset="0"/>
                 </a:rPr>
-                <a:t>Location is important, the model is fit separately for each borough or the borough information is included</a:t>
+                <a:t>Location is important, the model is fit separately for each borough or the borough information is included if only one model is generated</a:t>
               </a:r>
             </a:p>
           </p:txBody>
         </p:sp>
       </p:grpSp>
-      <p:pic>
-        <p:nvPicPr>
-          <p:cNvPr id="3" name="Picture 2">
-            <a:extLst>
-              <a:ext uri="{FF2B5EF4-FFF2-40B4-BE49-F238E27FC236}">
-                <a16:creationId xmlns:a16="http://schemas.microsoft.com/office/drawing/2014/main" id="{FD37320A-F839-4448-9D83-6B5D8CC54370}"/>
-              </a:ext>
-            </a:extLst>
-          </p:cNvPr>
-          <p:cNvPicPr>
-            <a:picLocks noChangeAspect="1"/>
-          </p:cNvPicPr>
-          <p:nvPr/>
-        </p:nvPicPr>
-        <p:blipFill rotWithShape="1">
-          <a:blip r:embed="rId2"/>
-          <a:srcRect l="2913" t="4077" r="4460"/>
-          <a:stretch/>
-        </p:blipFill>
-        <p:spPr>
-          <a:xfrm>
-            <a:off x="6290676" y="1250197"/>
-            <a:ext cx="5815148" cy="3938252"/>
-          </a:xfrm>
-          <a:prstGeom prst="rect">
-            <a:avLst/>
-          </a:prstGeom>
-        </p:spPr>
-      </p:pic>
       <p:sp>
         <p:nvSpPr>
           <p:cNvPr id="6" name="Slide Number Placeholder 5">
@@ -15036,6 +15273,36 @@
           </a:p>
         </p:txBody>
       </p:sp>
+      <p:pic>
+        <p:nvPicPr>
+          <p:cNvPr id="13" name="Picture 12">
+            <a:extLst>
+              <a:ext uri="{FF2B5EF4-FFF2-40B4-BE49-F238E27FC236}">
+                <a16:creationId xmlns:a16="http://schemas.microsoft.com/office/drawing/2014/main" id="{99B5EA3B-653C-4AF5-B3AA-CA2266E3E884}"/>
+              </a:ext>
+            </a:extLst>
+          </p:cNvPr>
+          <p:cNvPicPr>
+            <a:picLocks noChangeAspect="1"/>
+          </p:cNvPicPr>
+          <p:nvPr/>
+        </p:nvPicPr>
+        <p:blipFill>
+          <a:blip r:embed="rId2"/>
+          <a:stretch>
+            <a:fillRect/>
+          </a:stretch>
+        </p:blipFill>
+        <p:spPr>
+          <a:xfrm>
+            <a:off x="6341471" y="1263946"/>
+            <a:ext cx="5768335" cy="4648108"/>
+          </a:xfrm>
+          <a:prstGeom prst="rect">
+            <a:avLst/>
+          </a:prstGeom>
+        </p:spPr>
+      </p:pic>
     </p:spTree>
     <p:extLst>
       <p:ext uri="{BB962C8B-B14F-4D97-AF65-F5344CB8AC3E}">
@@ -15095,7 +15362,7 @@
           <a:lstStyle/>
           <a:p>
             <a:r>
-              <a:rPr lang="en-US" sz="4000" kern="1200" dirty="0">
+              <a:rPr lang="en-US" sz="3600" kern="1200" dirty="0">
                 <a:solidFill>
                   <a:schemeClr val="tx1"/>
                 </a:solidFill>
@@ -15181,7 +15448,7 @@
         <p:grpSpPr>
           <a:xfrm>
             <a:off x="139557" y="1263946"/>
-            <a:ext cx="6103252" cy="931249"/>
+            <a:ext cx="10689405" cy="931249"/>
             <a:chOff x="139557" y="1263946"/>
             <a:chExt cx="6103252" cy="931249"/>
           </a:xfrm>
@@ -15260,7 +15527,7 @@
           </p:nvSpPr>
           <p:spPr>
             <a:xfrm>
-              <a:off x="232024" y="1381917"/>
+              <a:off x="139557" y="1470049"/>
               <a:ext cx="5922195" cy="725146"/>
             </a:xfrm>
             <a:prstGeom prst="rect">
@@ -15279,7 +15546,7 @@
                 </a:spcAft>
               </a:pPr>
               <a:r>
-                <a:rPr lang="en-US" dirty="0">
+                <a:rPr lang="en-US" sz="2000" dirty="0">
                   <a:solidFill>
                     <a:srgbClr val="000000"/>
                   </a:solidFill>
@@ -15408,7 +15675,7 @@
           <a:lstStyle/>
           <a:p>
             <a:r>
-              <a:rPr lang="en-US" sz="4000" kern="1200" dirty="0">
+              <a:rPr lang="en-US" sz="3600" kern="1200" dirty="0">
                 <a:solidFill>
                   <a:schemeClr val="tx1"/>
                 </a:solidFill>
@@ -15573,7 +15840,7 @@
           </p:nvSpPr>
           <p:spPr>
             <a:xfrm>
-              <a:off x="232024" y="1381917"/>
+              <a:off x="139557" y="1391239"/>
               <a:ext cx="5922195" cy="725146"/>
             </a:xfrm>
             <a:prstGeom prst="rect">
@@ -15592,7 +15859,7 @@
                 </a:spcAft>
               </a:pPr>
               <a:r>
-                <a:rPr lang="en-US" dirty="0">
+                <a:rPr lang="en-US" sz="2000" dirty="0">
                   <a:solidFill>
                     <a:srgbClr val="000000"/>
                   </a:solidFill>
@@ -15602,7 +15869,7 @@
                 <a:t>Various methods used to select features (PCA, </a:t>
               </a:r>
               <a:r>
-                <a:rPr lang="en-US" dirty="0" err="1">
+                <a:rPr lang="en-US" sz="2000" dirty="0" err="1">
                   <a:solidFill>
                     <a:srgbClr val="000000"/>
                   </a:solidFill>
@@ -15612,7 +15879,7 @@
                 <a:t>SelectKbest</a:t>
               </a:r>
               <a:r>
-                <a:rPr lang="en-US" dirty="0">
+                <a:rPr lang="en-US" sz="2000" dirty="0">
                   <a:solidFill>
                     <a:srgbClr val="000000"/>
                   </a:solidFill>
@@ -15668,10 +15935,10 @@
         </p:nvGrpSpPr>
         <p:grpSpPr>
           <a:xfrm>
-            <a:off x="190935" y="2490951"/>
-            <a:ext cx="6144341" cy="931249"/>
+            <a:off x="139557" y="2505554"/>
+            <a:ext cx="6103252" cy="1176923"/>
             <a:chOff x="190935" y="2490951"/>
-            <a:chExt cx="6144341" cy="931249"/>
+            <a:chExt cx="6103252" cy="931249"/>
           </a:xfrm>
         </p:grpSpPr>
         <p:sp>
@@ -15748,7 +16015,7 @@
           </p:nvSpPr>
           <p:spPr>
             <a:xfrm>
-              <a:off x="271187" y="2607335"/>
+              <a:off x="190935" y="2662090"/>
               <a:ext cx="6064089" cy="742151"/>
             </a:xfrm>
             <a:prstGeom prst="rect">
@@ -15767,14 +16034,14 @@
                 </a:spcAft>
               </a:pPr>
               <a:r>
-                <a:rPr lang="en-US" dirty="0">
+                <a:rPr lang="en-US" sz="2000" dirty="0">
                   <a:solidFill>
                     <a:srgbClr val="000000"/>
                   </a:solidFill>
                   <a:latin typeface="Arial" panose="020B0604020202020204" pitchFamily="34" charset="0"/>
                   <a:cs typeface="Arial" panose="020B0604020202020204" pitchFamily="34" charset="0"/>
                 </a:rPr>
-                <a:t>The tree diameter is the most important feature, but it isn’t enough, so an extra features, “problems”, is used</a:t>
+                <a:t>The tree diameter is the most important feature, but it isn’t enough, so other features are also used</a:t>
               </a:r>
             </a:p>
           </p:txBody>
@@ -15868,15 +16135,737 @@
           <a:lstStyle/>
           <a:p>
             <a:r>
-              <a:rPr lang="en-US" sz="4000" kern="1200" dirty="0">
+              <a:rPr lang="en-US" sz="3600" kern="1200" dirty="0">
                 <a:solidFill>
                   <a:schemeClr val="tx1"/>
                 </a:solidFill>
                 <a:latin typeface="Arial" panose="020B0604020202020204" pitchFamily="34" charset="0"/>
                 <a:cs typeface="Arial" panose="020B0604020202020204" pitchFamily="34" charset="0"/>
               </a:rPr>
-              <a:t>Predictive Model Description</a:t>
+              <a:t>Predictive Model – Description</a:t>
             </a:r>
+          </a:p>
+        </p:txBody>
+      </p:sp>
+      <p:sp>
+        <p:nvSpPr>
+          <p:cNvPr id="7" name="Rectangle 6">
+            <a:extLst>
+              <a:ext uri="{FF2B5EF4-FFF2-40B4-BE49-F238E27FC236}">
+                <a16:creationId xmlns:a16="http://schemas.microsoft.com/office/drawing/2014/main" id="{82CDA091-6CDA-43BE-AE75-D14271FB5D22}"/>
+              </a:ext>
+            </a:extLst>
+          </p:cNvPr>
+          <p:cNvSpPr/>
+          <p:nvPr/>
+        </p:nvSpPr>
+        <p:spPr>
+          <a:xfrm>
+            <a:off x="194513" y="1280160"/>
+            <a:ext cx="5027658" cy="931249"/>
+          </a:xfrm>
+          <a:prstGeom prst="rect">
+            <a:avLst/>
+          </a:prstGeom>
+        </p:spPr>
+        <p:style>
+          <a:lnRef idx="0">
+            <a:schemeClr val="dk1">
+              <a:alpha val="0"/>
+              <a:hueOff val="0"/>
+              <a:satOff val="0"/>
+              <a:lumOff val="0"/>
+              <a:alphaOff val="0"/>
+            </a:schemeClr>
+          </a:lnRef>
+          <a:fillRef idx="0">
+            <a:schemeClr val="lt1">
+              <a:alpha val="0"/>
+              <a:hueOff val="0"/>
+              <a:satOff val="0"/>
+              <a:lumOff val="0"/>
+              <a:alphaOff val="0"/>
+            </a:schemeClr>
+          </a:fillRef>
+          <a:effectRef idx="0">
+            <a:schemeClr val="lt1">
+              <a:alpha val="0"/>
+              <a:hueOff val="0"/>
+              <a:satOff val="0"/>
+              <a:lumOff val="0"/>
+              <a:alphaOff val="0"/>
+            </a:schemeClr>
+          </a:effectRef>
+          <a:fontRef idx="minor">
+            <a:schemeClr val="tx1">
+              <a:hueOff val="0"/>
+              <a:satOff val="0"/>
+              <a:lumOff val="0"/>
+              <a:alphaOff val="0"/>
+            </a:schemeClr>
+          </a:fontRef>
+        </p:style>
+      </p:sp>
+      <p:grpSp>
+        <p:nvGrpSpPr>
+          <p:cNvPr id="17" name="Group 16">
+            <a:extLst>
+              <a:ext uri="{FF2B5EF4-FFF2-40B4-BE49-F238E27FC236}">
+                <a16:creationId xmlns:a16="http://schemas.microsoft.com/office/drawing/2014/main" id="{C7A170E3-42B4-4CBD-A1BD-BC3AE57BF822}"/>
+              </a:ext>
+            </a:extLst>
+          </p:cNvPr>
+          <p:cNvGrpSpPr/>
+          <p:nvPr/>
+        </p:nvGrpSpPr>
+        <p:grpSpPr>
+          <a:xfrm>
+            <a:off x="194510" y="1299156"/>
+            <a:ext cx="10881031" cy="5313165"/>
+            <a:chOff x="194510" y="1299156"/>
+            <a:chExt cx="10881031" cy="5313165"/>
+          </a:xfrm>
+        </p:grpSpPr>
+        <p:sp>
+          <p:nvSpPr>
+            <p:cNvPr id="10" name="Rectangle: Rounded Corners 9">
+              <a:extLst>
+                <a:ext uri="{FF2B5EF4-FFF2-40B4-BE49-F238E27FC236}">
+                  <a16:creationId xmlns:a16="http://schemas.microsoft.com/office/drawing/2014/main" id="{E9CF898C-5B3D-4252-976F-1941757580D0}"/>
+                </a:ext>
+              </a:extLst>
+            </p:cNvPr>
+            <p:cNvSpPr/>
+            <p:nvPr/>
+          </p:nvSpPr>
+          <p:spPr>
+            <a:xfrm>
+              <a:off x="211025" y="2423071"/>
+              <a:ext cx="10845668" cy="931249"/>
+            </a:xfrm>
+            <a:prstGeom prst="roundRect">
+              <a:avLst>
+                <a:gd name="adj" fmla="val 10000"/>
+              </a:avLst>
+            </a:prstGeom>
+          </p:spPr>
+          <p:style>
+            <a:lnRef idx="0">
+              <a:schemeClr val="dk1">
+                <a:hueOff val="0"/>
+                <a:satOff val="0"/>
+                <a:lumOff val="0"/>
+                <a:alphaOff val="0"/>
+              </a:schemeClr>
+            </a:lnRef>
+            <a:fillRef idx="1">
+              <a:schemeClr val="bg1">
+                <a:lumMod val="95000"/>
+                <a:hueOff val="0"/>
+                <a:satOff val="0"/>
+                <a:lumOff val="0"/>
+                <a:alphaOff val="0"/>
+              </a:schemeClr>
+            </a:fillRef>
+            <a:effectRef idx="0">
+              <a:schemeClr val="bg1">
+                <a:lumMod val="95000"/>
+                <a:hueOff val="0"/>
+                <a:satOff val="0"/>
+                <a:lumOff val="0"/>
+                <a:alphaOff val="0"/>
+              </a:schemeClr>
+            </a:effectRef>
+            <a:fontRef idx="minor">
+              <a:schemeClr val="dk1">
+                <a:hueOff val="0"/>
+                <a:satOff val="0"/>
+                <a:lumOff val="0"/>
+                <a:alphaOff val="0"/>
+              </a:schemeClr>
+            </a:fontRef>
+          </p:style>
+        </p:sp>
+        <p:sp>
+          <p:nvSpPr>
+            <p:cNvPr id="11" name="TextBox 2">
+              <a:extLst>
+                <a:ext uri="{FF2B5EF4-FFF2-40B4-BE49-F238E27FC236}">
+                  <a16:creationId xmlns:a16="http://schemas.microsoft.com/office/drawing/2014/main" id="{33D2F10D-52C4-4A45-9DC9-2989BF3FB243}"/>
+                </a:ext>
+              </a:extLst>
+            </p:cNvPr>
+            <p:cNvSpPr txBox="1"/>
+            <p:nvPr/>
+          </p:nvSpPr>
+          <p:spPr>
+            <a:xfrm>
+              <a:off x="211024" y="2645388"/>
+              <a:ext cx="10845669" cy="725146"/>
+            </a:xfrm>
+            <a:prstGeom prst="rect">
+              <a:avLst/>
+            </a:prstGeom>
+          </p:spPr>
+          <p:txBody>
+            <a:bodyPr vert="horz" lIns="91440" tIns="45720" rIns="91440" bIns="45720" rtlCol="0">
+              <a:noAutofit/>
+            </a:bodyPr>
+            <a:lstStyle/>
+            <a:p>
+              <a:pPr marL="57150">
+                <a:spcAft>
+                  <a:spcPts val="600"/>
+                </a:spcAft>
+              </a:pPr>
+              <a:r>
+                <a:rPr lang="en-US" sz="2000" dirty="0">
+                  <a:latin typeface="Arial" panose="020B0604020202020204" pitchFamily="34" charset="0"/>
+                  <a:cs typeface="Arial" panose="020B0604020202020204" pitchFamily="34" charset="0"/>
+                </a:rPr>
+                <a:t>Random Forest and K-Nearest Neighbors algorithms are considered to build a model</a:t>
+              </a:r>
+            </a:p>
+          </p:txBody>
+        </p:sp>
+        <p:sp>
+          <p:nvSpPr>
+            <p:cNvPr id="12" name="Rectangle: Rounded Corners 11">
+              <a:extLst>
+                <a:ext uri="{FF2B5EF4-FFF2-40B4-BE49-F238E27FC236}">
+                  <a16:creationId xmlns:a16="http://schemas.microsoft.com/office/drawing/2014/main" id="{8B5F2B2A-D60A-4D71-97A7-76364B5F7777}"/>
+                </a:ext>
+              </a:extLst>
+            </p:cNvPr>
+            <p:cNvSpPr/>
+            <p:nvPr/>
+          </p:nvSpPr>
+          <p:spPr>
+            <a:xfrm>
+              <a:off x="211024" y="1299156"/>
+              <a:ext cx="10864517" cy="931249"/>
+            </a:xfrm>
+            <a:prstGeom prst="roundRect">
+              <a:avLst>
+                <a:gd name="adj" fmla="val 10000"/>
+              </a:avLst>
+            </a:prstGeom>
+          </p:spPr>
+          <p:style>
+            <a:lnRef idx="0">
+              <a:schemeClr val="dk1">
+                <a:hueOff val="0"/>
+                <a:satOff val="0"/>
+                <a:lumOff val="0"/>
+                <a:alphaOff val="0"/>
+              </a:schemeClr>
+            </a:lnRef>
+            <a:fillRef idx="1">
+              <a:schemeClr val="bg1">
+                <a:lumMod val="95000"/>
+                <a:hueOff val="0"/>
+                <a:satOff val="0"/>
+                <a:lumOff val="0"/>
+                <a:alphaOff val="0"/>
+              </a:schemeClr>
+            </a:fillRef>
+            <a:effectRef idx="0">
+              <a:schemeClr val="bg1">
+                <a:lumMod val="95000"/>
+                <a:hueOff val="0"/>
+                <a:satOff val="0"/>
+                <a:lumOff val="0"/>
+                <a:alphaOff val="0"/>
+              </a:schemeClr>
+            </a:effectRef>
+            <a:fontRef idx="minor">
+              <a:schemeClr val="dk1">
+                <a:hueOff val="0"/>
+                <a:satOff val="0"/>
+                <a:lumOff val="0"/>
+                <a:alphaOff val="0"/>
+              </a:schemeClr>
+            </a:fontRef>
+          </p:style>
+        </p:sp>
+        <p:sp>
+          <p:nvSpPr>
+            <p:cNvPr id="13" name="TextBox 2">
+              <a:extLst>
+                <a:ext uri="{FF2B5EF4-FFF2-40B4-BE49-F238E27FC236}">
+                  <a16:creationId xmlns:a16="http://schemas.microsoft.com/office/drawing/2014/main" id="{469FE03D-F203-4433-98E8-9B70E036FD92}"/>
+                </a:ext>
+              </a:extLst>
+            </p:cNvPr>
+            <p:cNvSpPr txBox="1"/>
+            <p:nvPr/>
+          </p:nvSpPr>
+          <p:spPr>
+            <a:xfrm>
+              <a:off x="194510" y="1440225"/>
+              <a:ext cx="10808683" cy="670121"/>
+            </a:xfrm>
+            <a:prstGeom prst="rect">
+              <a:avLst/>
+            </a:prstGeom>
+          </p:spPr>
+          <p:txBody>
+            <a:bodyPr vert="horz" lIns="91440" tIns="45720" rIns="91440" bIns="45720" rtlCol="0">
+              <a:noAutofit/>
+            </a:bodyPr>
+            <a:lstStyle/>
+            <a:p>
+              <a:pPr marL="57150">
+                <a:lnSpc>
+                  <a:spcPct val="150000"/>
+                </a:lnSpc>
+                <a:spcAft>
+                  <a:spcPts val="600"/>
+                </a:spcAft>
+              </a:pPr>
+              <a:r>
+                <a:rPr lang="en-US" sz="2000" dirty="0">
+                  <a:latin typeface="Arial" panose="020B0604020202020204" pitchFamily="34" charset="0"/>
+                  <a:cs typeface="Arial" panose="020B0604020202020204" pitchFamily="34" charset="0"/>
+                </a:rPr>
+                <a:t>The variable to predict is the tree health (fair, good, poor) -&gt; multi-class classification problem</a:t>
+              </a:r>
+            </a:p>
+          </p:txBody>
+        </p:sp>
+        <p:sp>
+          <p:nvSpPr>
+            <p:cNvPr id="14" name="Rectangle: Rounded Corners 13">
+              <a:extLst>
+                <a:ext uri="{FF2B5EF4-FFF2-40B4-BE49-F238E27FC236}">
+                  <a16:creationId xmlns:a16="http://schemas.microsoft.com/office/drawing/2014/main" id="{38C296CB-F8F3-4A41-BDF6-1EA738AA151F}"/>
+                </a:ext>
+              </a:extLst>
+            </p:cNvPr>
+            <p:cNvSpPr/>
+            <p:nvPr/>
+          </p:nvSpPr>
+          <p:spPr>
+            <a:xfrm>
+              <a:off x="213358" y="3496104"/>
+              <a:ext cx="10845669" cy="931249"/>
+            </a:xfrm>
+            <a:prstGeom prst="roundRect">
+              <a:avLst>
+                <a:gd name="adj" fmla="val 10000"/>
+              </a:avLst>
+            </a:prstGeom>
+          </p:spPr>
+          <p:style>
+            <a:lnRef idx="0">
+              <a:schemeClr val="dk1">
+                <a:hueOff val="0"/>
+                <a:satOff val="0"/>
+                <a:lumOff val="0"/>
+                <a:alphaOff val="0"/>
+              </a:schemeClr>
+            </a:lnRef>
+            <a:fillRef idx="1">
+              <a:schemeClr val="bg1">
+                <a:lumMod val="95000"/>
+                <a:hueOff val="0"/>
+                <a:satOff val="0"/>
+                <a:lumOff val="0"/>
+                <a:alphaOff val="0"/>
+              </a:schemeClr>
+            </a:fillRef>
+            <a:effectRef idx="0">
+              <a:schemeClr val="bg1">
+                <a:lumMod val="95000"/>
+                <a:hueOff val="0"/>
+                <a:satOff val="0"/>
+                <a:lumOff val="0"/>
+                <a:alphaOff val="0"/>
+              </a:schemeClr>
+            </a:effectRef>
+            <a:fontRef idx="minor">
+              <a:schemeClr val="dk1">
+                <a:hueOff val="0"/>
+                <a:satOff val="0"/>
+                <a:lumOff val="0"/>
+                <a:alphaOff val="0"/>
+              </a:schemeClr>
+            </a:fontRef>
+          </p:style>
+        </p:sp>
+        <p:sp>
+          <p:nvSpPr>
+            <p:cNvPr id="15" name="TextBox 2">
+              <a:extLst>
+                <a:ext uri="{FF2B5EF4-FFF2-40B4-BE49-F238E27FC236}">
+                  <a16:creationId xmlns:a16="http://schemas.microsoft.com/office/drawing/2014/main" id="{C1EA40F9-3014-466B-B371-C5CA9D0B1028}"/>
+                </a:ext>
+              </a:extLst>
+            </p:cNvPr>
+            <p:cNvSpPr txBox="1"/>
+            <p:nvPr/>
+          </p:nvSpPr>
+          <p:spPr>
+            <a:xfrm>
+              <a:off x="213359" y="3743054"/>
+              <a:ext cx="10543684" cy="670121"/>
+            </a:xfrm>
+            <a:prstGeom prst="rect">
+              <a:avLst/>
+            </a:prstGeom>
+          </p:spPr>
+          <p:txBody>
+            <a:bodyPr vert="horz" lIns="91440" tIns="45720" rIns="91440" bIns="45720" rtlCol="0">
+              <a:noAutofit/>
+            </a:bodyPr>
+            <a:lstStyle/>
+            <a:p>
+              <a:pPr marL="57150" algn="just">
+                <a:spcAft>
+                  <a:spcPts val="600"/>
+                </a:spcAft>
+              </a:pPr>
+              <a:r>
+                <a:rPr lang="en-US" sz="2000" dirty="0">
+                  <a:latin typeface="Arial" panose="020B0604020202020204" pitchFamily="34" charset="0"/>
+                  <a:cs typeface="Arial" panose="020B0604020202020204" pitchFamily="34" charset="0"/>
+                </a:rPr>
+                <a:t>The models are fit using different predictors (the diameter is always included)</a:t>
+              </a:r>
+            </a:p>
+          </p:txBody>
+        </p:sp>
+        <p:sp>
+          <p:nvSpPr>
+            <p:cNvPr id="20" name="Rectangle: Rounded Corners 19">
+              <a:extLst>
+                <a:ext uri="{FF2B5EF4-FFF2-40B4-BE49-F238E27FC236}">
+                  <a16:creationId xmlns:a16="http://schemas.microsoft.com/office/drawing/2014/main" id="{B43D0ACE-0E24-49AB-9DF8-67479527D078}"/>
+                </a:ext>
+              </a:extLst>
+            </p:cNvPr>
+            <p:cNvSpPr/>
+            <p:nvPr/>
+          </p:nvSpPr>
+          <p:spPr>
+            <a:xfrm>
+              <a:off x="232197" y="4593726"/>
+              <a:ext cx="10826830" cy="931249"/>
+            </a:xfrm>
+            <a:prstGeom prst="roundRect">
+              <a:avLst>
+                <a:gd name="adj" fmla="val 10000"/>
+              </a:avLst>
+            </a:prstGeom>
+          </p:spPr>
+          <p:style>
+            <a:lnRef idx="0">
+              <a:schemeClr val="dk1">
+                <a:hueOff val="0"/>
+                <a:satOff val="0"/>
+                <a:lumOff val="0"/>
+                <a:alphaOff val="0"/>
+              </a:schemeClr>
+            </a:lnRef>
+            <a:fillRef idx="1">
+              <a:schemeClr val="bg1">
+                <a:lumMod val="95000"/>
+                <a:hueOff val="0"/>
+                <a:satOff val="0"/>
+                <a:lumOff val="0"/>
+                <a:alphaOff val="0"/>
+              </a:schemeClr>
+            </a:fillRef>
+            <a:effectRef idx="0">
+              <a:schemeClr val="bg1">
+                <a:lumMod val="95000"/>
+                <a:hueOff val="0"/>
+                <a:satOff val="0"/>
+                <a:lumOff val="0"/>
+                <a:alphaOff val="0"/>
+              </a:schemeClr>
+            </a:effectRef>
+            <a:fontRef idx="minor">
+              <a:schemeClr val="dk1">
+                <a:hueOff val="0"/>
+                <a:satOff val="0"/>
+                <a:lumOff val="0"/>
+                <a:alphaOff val="0"/>
+              </a:schemeClr>
+            </a:fontRef>
+          </p:style>
+        </p:sp>
+        <p:sp>
+          <p:nvSpPr>
+            <p:cNvPr id="21" name="TextBox 2">
+              <a:extLst>
+                <a:ext uri="{FF2B5EF4-FFF2-40B4-BE49-F238E27FC236}">
+                  <a16:creationId xmlns:a16="http://schemas.microsoft.com/office/drawing/2014/main" id="{5737C041-6F10-40D2-A8F2-F36F24B3692C}"/>
+                </a:ext>
+              </a:extLst>
+            </p:cNvPr>
+            <p:cNvSpPr txBox="1"/>
+            <p:nvPr/>
+          </p:nvSpPr>
+          <p:spPr>
+            <a:xfrm>
+              <a:off x="230487" y="4759812"/>
+              <a:ext cx="10826206" cy="670121"/>
+            </a:xfrm>
+            <a:prstGeom prst="rect">
+              <a:avLst/>
+            </a:prstGeom>
+          </p:spPr>
+          <p:txBody>
+            <a:bodyPr vert="horz" lIns="91440" tIns="45720" rIns="91440" bIns="45720" rtlCol="0">
+              <a:noAutofit/>
+            </a:bodyPr>
+            <a:lstStyle/>
+            <a:p>
+              <a:pPr marL="57150" algn="just">
+                <a:spcAft>
+                  <a:spcPts val="600"/>
+                </a:spcAft>
+              </a:pPr>
+              <a:r>
+                <a:rPr lang="en-US" sz="2000" dirty="0">
+                  <a:latin typeface="Arial" panose="020B0604020202020204" pitchFamily="34" charset="0"/>
+                  <a:cs typeface="Arial" panose="020B0604020202020204" pitchFamily="34" charset="0"/>
+                </a:rPr>
+                <a:t>The used metrics are precision, recall and f1 score, ROC and AUC are also evaluated (macro average)   </a:t>
+              </a:r>
+            </a:p>
+          </p:txBody>
+        </p:sp>
+        <p:sp>
+          <p:nvSpPr>
+            <p:cNvPr id="22" name="Rectangle: Rounded Corners 21">
+              <a:extLst>
+                <a:ext uri="{FF2B5EF4-FFF2-40B4-BE49-F238E27FC236}">
+                  <a16:creationId xmlns:a16="http://schemas.microsoft.com/office/drawing/2014/main" id="{9F937C63-86BB-44AB-9B4C-8D5F9E335A49}"/>
+                </a:ext>
+              </a:extLst>
+            </p:cNvPr>
+            <p:cNvSpPr/>
+            <p:nvPr/>
+          </p:nvSpPr>
+          <p:spPr>
+            <a:xfrm>
+              <a:off x="230487" y="5681072"/>
+              <a:ext cx="10826830" cy="931249"/>
+            </a:xfrm>
+            <a:prstGeom prst="roundRect">
+              <a:avLst>
+                <a:gd name="adj" fmla="val 10000"/>
+              </a:avLst>
+            </a:prstGeom>
+          </p:spPr>
+          <p:style>
+            <a:lnRef idx="0">
+              <a:schemeClr val="dk1">
+                <a:hueOff val="0"/>
+                <a:satOff val="0"/>
+                <a:lumOff val="0"/>
+                <a:alphaOff val="0"/>
+              </a:schemeClr>
+            </a:lnRef>
+            <a:fillRef idx="1">
+              <a:schemeClr val="bg1">
+                <a:lumMod val="95000"/>
+                <a:hueOff val="0"/>
+                <a:satOff val="0"/>
+                <a:lumOff val="0"/>
+                <a:alphaOff val="0"/>
+              </a:schemeClr>
+            </a:fillRef>
+            <a:effectRef idx="0">
+              <a:schemeClr val="bg1">
+                <a:lumMod val="95000"/>
+                <a:hueOff val="0"/>
+                <a:satOff val="0"/>
+                <a:lumOff val="0"/>
+                <a:alphaOff val="0"/>
+              </a:schemeClr>
+            </a:effectRef>
+            <a:fontRef idx="minor">
+              <a:schemeClr val="dk1">
+                <a:hueOff val="0"/>
+                <a:satOff val="0"/>
+                <a:lumOff val="0"/>
+                <a:alphaOff val="0"/>
+              </a:schemeClr>
+            </a:fontRef>
+          </p:style>
+        </p:sp>
+        <p:sp>
+          <p:nvSpPr>
+            <p:cNvPr id="23" name="TextBox 2">
+              <a:extLst>
+                <a:ext uri="{FF2B5EF4-FFF2-40B4-BE49-F238E27FC236}">
+                  <a16:creationId xmlns:a16="http://schemas.microsoft.com/office/drawing/2014/main" id="{AC47C5FD-A156-4F18-91C6-203787282E34}"/>
+                </a:ext>
+              </a:extLst>
+            </p:cNvPr>
+            <p:cNvSpPr txBox="1"/>
+            <p:nvPr/>
+          </p:nvSpPr>
+          <p:spPr>
+            <a:xfrm>
+              <a:off x="248130" y="5822754"/>
+              <a:ext cx="10591106" cy="670121"/>
+            </a:xfrm>
+            <a:prstGeom prst="rect">
+              <a:avLst/>
+            </a:prstGeom>
+          </p:spPr>
+          <p:txBody>
+            <a:bodyPr vert="horz" lIns="91440" tIns="45720" rIns="91440" bIns="45720" rtlCol="0">
+              <a:noAutofit/>
+            </a:bodyPr>
+            <a:lstStyle/>
+            <a:p>
+              <a:pPr marL="57150">
+                <a:spcAft>
+                  <a:spcPts val="600"/>
+                </a:spcAft>
+              </a:pPr>
+              <a:r>
+                <a:rPr lang="en-US" sz="2000" dirty="0">
+                  <a:latin typeface="Arial" panose="020B0604020202020204" pitchFamily="34" charset="0"/>
+                  <a:cs typeface="Arial" panose="020B0604020202020204" pitchFamily="34" charset="0"/>
+                </a:rPr>
+                <a:t>Different classifiers are trained for the different boroughs, or only one classifier is used, but in this case the location information is also included as a feature</a:t>
+              </a:r>
+            </a:p>
+          </p:txBody>
+        </p:sp>
+      </p:grpSp>
+      <p:sp>
+        <p:nvSpPr>
+          <p:cNvPr id="4" name="Slide Number Placeholder 3">
+            <a:extLst>
+              <a:ext uri="{FF2B5EF4-FFF2-40B4-BE49-F238E27FC236}">
+                <a16:creationId xmlns:a16="http://schemas.microsoft.com/office/drawing/2014/main" id="{F2CEA79D-B437-458E-823E-6D937DA3CBDD}"/>
+              </a:ext>
+            </a:extLst>
+          </p:cNvPr>
+          <p:cNvSpPr>
+            <a:spLocks noGrp="1"/>
+          </p:cNvSpPr>
+          <p:nvPr>
+            <p:ph type="sldNum" sz="quarter" idx="12"/>
+          </p:nvPr>
+        </p:nvSpPr>
+        <p:spPr/>
+        <p:txBody>
+          <a:bodyPr/>
+          <a:lstStyle/>
+          <a:p>
+            <a:fld id="{04DEA881-13CA-4008-9A1E-5E7B05E15075}" type="slidenum">
+              <a:rPr lang="en-US" smtClean="0"/>
+              <a:t>14</a:t>
+            </a:fld>
+            <a:endParaRPr lang="en-US"/>
+          </a:p>
+        </p:txBody>
+      </p:sp>
+    </p:spTree>
+    <p:extLst>
+      <p:ext uri="{BB962C8B-B14F-4D97-AF65-F5344CB8AC3E}">
+        <p14:creationId xmlns:p14="http://schemas.microsoft.com/office/powerpoint/2010/main" val="3281488804"/>
+      </p:ext>
+    </p:extLst>
+  </p:cSld>
+  <p:clrMapOvr>
+    <a:masterClrMapping/>
+  </p:clrMapOvr>
+</p:sld>
+</file>
+
+<file path=ppt/slides/slide15.xml><?xml version="1.0" encoding="utf-8"?>
+<p:sld xmlns:a="http://schemas.openxmlformats.org/drawingml/2006/main" xmlns:r="http://schemas.openxmlformats.org/officeDocument/2006/relationships" xmlns:p="http://schemas.openxmlformats.org/presentationml/2006/main">
+  <p:cSld>
+    <p:spTree>
+      <p:nvGrpSpPr>
+        <p:cNvPr id="1" name=""/>
+        <p:cNvGrpSpPr/>
+        <p:nvPr/>
+      </p:nvGrpSpPr>
+      <p:grpSpPr>
+        <a:xfrm>
+          <a:off x="0" y="0"/>
+          <a:ext cx="0" cy="0"/>
+          <a:chOff x="0" y="0"/>
+          <a:chExt cx="0" cy="0"/>
+        </a:xfrm>
+      </p:grpSpPr>
+      <p:sp>
+        <p:nvSpPr>
+          <p:cNvPr id="2" name="Title 1">
+            <a:extLst>
+              <a:ext uri="{FF2B5EF4-FFF2-40B4-BE49-F238E27FC236}">
+                <a16:creationId xmlns:a16="http://schemas.microsoft.com/office/drawing/2014/main" id="{EF7C3218-2D68-40C7-8110-E2DA541F854D}"/>
+              </a:ext>
+            </a:extLst>
+          </p:cNvPr>
+          <p:cNvSpPr>
+            <a:spLocks noGrp="1"/>
+          </p:cNvSpPr>
+          <p:nvPr>
+            <p:ph type="title"/>
+          </p:nvPr>
+        </p:nvSpPr>
+        <p:spPr>
+          <a:xfrm>
+            <a:off x="838200" y="365125"/>
+            <a:ext cx="10515600" cy="915035"/>
+          </a:xfrm>
+        </p:spPr>
+        <p:txBody>
+          <a:bodyPr vert="horz" lIns="91440" tIns="45720" rIns="91440" bIns="45720" rtlCol="0" anchor="ctr">
+            <a:normAutofit/>
+          </a:bodyPr>
+          <a:lstStyle/>
+          <a:p>
+            <a:r>
+              <a:rPr lang="en-US" sz="3600" kern="1200" dirty="0">
+                <a:solidFill>
+                  <a:schemeClr val="tx1"/>
+                </a:solidFill>
+                <a:latin typeface="Arial" panose="020B0604020202020204" pitchFamily="34" charset="0"/>
+                <a:cs typeface="Arial" panose="020B0604020202020204" pitchFamily="34" charset="0"/>
+              </a:rPr>
+              <a:t>Predictive Model – Development</a:t>
+            </a:r>
+          </a:p>
+        </p:txBody>
+      </p:sp>
+      <p:sp>
+        <p:nvSpPr>
+          <p:cNvPr id="4" name="Slide Number Placeholder 3">
+            <a:extLst>
+              <a:ext uri="{FF2B5EF4-FFF2-40B4-BE49-F238E27FC236}">
+                <a16:creationId xmlns:a16="http://schemas.microsoft.com/office/drawing/2014/main" id="{F2CEA79D-B437-458E-823E-6D937DA3CBDD}"/>
+              </a:ext>
+            </a:extLst>
+          </p:cNvPr>
+          <p:cNvSpPr>
+            <a:spLocks noGrp="1"/>
+          </p:cNvSpPr>
+          <p:nvPr>
+            <p:ph type="sldNum" sz="quarter" idx="12"/>
+          </p:nvPr>
+        </p:nvSpPr>
+        <p:spPr/>
+        <p:txBody>
+          <a:bodyPr/>
+          <a:lstStyle/>
+          <a:p>
+            <a:fld id="{04DEA881-13CA-4008-9A1E-5E7B05E15075}" type="slidenum">
+              <a:rPr lang="en-US" smtClean="0"/>
+              <a:t>15</a:t>
+            </a:fld>
+            <a:endParaRPr lang="en-US" dirty="0"/>
           </a:p>
         </p:txBody>
       </p:sp>
@@ -15885,7 +16874,7 @@
           <p:cNvPr id="3" name="Group 2">
             <a:extLst>
               <a:ext uri="{FF2B5EF4-FFF2-40B4-BE49-F238E27FC236}">
-                <a16:creationId xmlns:a16="http://schemas.microsoft.com/office/drawing/2014/main" id="{1A623DEA-C835-4B18-B357-48BEA0259C99}"/>
+                <a16:creationId xmlns:a16="http://schemas.microsoft.com/office/drawing/2014/main" id="{1C284818-7E82-4A44-A9A9-0B1D6D36037A}"/>
               </a:ext>
             </a:extLst>
           </p:cNvPr>
@@ -15894,10 +16883,4066 @@
         </p:nvGrpSpPr>
         <p:grpSpPr>
           <a:xfrm>
-            <a:off x="3036871" y="1263946"/>
-            <a:ext cx="6146739" cy="5348375"/>
-            <a:chOff x="3036871" y="1263946"/>
-            <a:chExt cx="6146739" cy="5348375"/>
+            <a:off x="177991" y="1290434"/>
+            <a:ext cx="11774048" cy="4139190"/>
+            <a:chOff x="177991" y="1280160"/>
+            <a:chExt cx="11774048" cy="4139190"/>
+          </a:xfrm>
+        </p:grpSpPr>
+        <p:sp>
+          <p:nvSpPr>
+            <p:cNvPr id="17" name="Rectangle: Rounded Corners 16">
+              <a:extLst>
+                <a:ext uri="{FF2B5EF4-FFF2-40B4-BE49-F238E27FC236}">
+                  <a16:creationId xmlns:a16="http://schemas.microsoft.com/office/drawing/2014/main" id="{9FB2DCC6-0603-45EE-9B29-CD97C3A55676}"/>
+                </a:ext>
+              </a:extLst>
+            </p:cNvPr>
+            <p:cNvSpPr/>
+            <p:nvPr/>
+          </p:nvSpPr>
+          <p:spPr>
+            <a:xfrm>
+              <a:off x="185205" y="4488101"/>
+              <a:ext cx="11759620" cy="931249"/>
+            </a:xfrm>
+            <a:prstGeom prst="roundRect">
+              <a:avLst>
+                <a:gd name="adj" fmla="val 10000"/>
+              </a:avLst>
+            </a:prstGeom>
+          </p:spPr>
+          <p:style>
+            <a:lnRef idx="0">
+              <a:schemeClr val="dk1">
+                <a:hueOff val="0"/>
+                <a:satOff val="0"/>
+                <a:lumOff val="0"/>
+                <a:alphaOff val="0"/>
+              </a:schemeClr>
+            </a:lnRef>
+            <a:fillRef idx="1">
+              <a:schemeClr val="bg1">
+                <a:lumMod val="95000"/>
+                <a:hueOff val="0"/>
+                <a:satOff val="0"/>
+                <a:lumOff val="0"/>
+                <a:alphaOff val="0"/>
+              </a:schemeClr>
+            </a:fillRef>
+            <a:effectRef idx="0">
+              <a:schemeClr val="bg1">
+                <a:lumMod val="95000"/>
+                <a:hueOff val="0"/>
+                <a:satOff val="0"/>
+                <a:lumOff val="0"/>
+                <a:alphaOff val="0"/>
+              </a:schemeClr>
+            </a:effectRef>
+            <a:fontRef idx="minor">
+              <a:schemeClr val="dk1">
+                <a:hueOff val="0"/>
+                <a:satOff val="0"/>
+                <a:lumOff val="0"/>
+                <a:alphaOff val="0"/>
+              </a:schemeClr>
+            </a:fontRef>
+          </p:style>
+        </p:sp>
+        <p:sp>
+          <p:nvSpPr>
+            <p:cNvPr id="7" name="Rectangle 6">
+              <a:extLst>
+                <a:ext uri="{FF2B5EF4-FFF2-40B4-BE49-F238E27FC236}">
+                  <a16:creationId xmlns:a16="http://schemas.microsoft.com/office/drawing/2014/main" id="{82CDA091-6CDA-43BE-AE75-D14271FB5D22}"/>
+                </a:ext>
+              </a:extLst>
+            </p:cNvPr>
+            <p:cNvSpPr/>
+            <p:nvPr/>
+          </p:nvSpPr>
+          <p:spPr>
+            <a:xfrm>
+              <a:off x="177991" y="1296374"/>
+              <a:ext cx="9699073" cy="931249"/>
+            </a:xfrm>
+            <a:prstGeom prst="rect">
+              <a:avLst/>
+            </a:prstGeom>
+          </p:spPr>
+          <p:style>
+            <a:lnRef idx="0">
+              <a:schemeClr val="dk1">
+                <a:alpha val="0"/>
+                <a:hueOff val="0"/>
+                <a:satOff val="0"/>
+                <a:lumOff val="0"/>
+                <a:alphaOff val="0"/>
+              </a:schemeClr>
+            </a:lnRef>
+            <a:fillRef idx="0">
+              <a:schemeClr val="lt1">
+                <a:alpha val="0"/>
+                <a:hueOff val="0"/>
+                <a:satOff val="0"/>
+                <a:lumOff val="0"/>
+                <a:alphaOff val="0"/>
+              </a:schemeClr>
+            </a:fillRef>
+            <a:effectRef idx="0">
+              <a:schemeClr val="lt1">
+                <a:alpha val="0"/>
+                <a:hueOff val="0"/>
+                <a:satOff val="0"/>
+                <a:lumOff val="0"/>
+                <a:alphaOff val="0"/>
+              </a:schemeClr>
+            </a:effectRef>
+            <a:fontRef idx="minor">
+              <a:schemeClr val="tx1">
+                <a:hueOff val="0"/>
+                <a:satOff val="0"/>
+                <a:lumOff val="0"/>
+                <a:alphaOff val="0"/>
+              </a:schemeClr>
+            </a:fontRef>
+          </p:style>
+        </p:sp>
+        <p:sp>
+          <p:nvSpPr>
+            <p:cNvPr id="10" name="Rectangle: Rounded Corners 9">
+              <a:extLst>
+                <a:ext uri="{FF2B5EF4-FFF2-40B4-BE49-F238E27FC236}">
+                  <a16:creationId xmlns:a16="http://schemas.microsoft.com/office/drawing/2014/main" id="{E9CF898C-5B3D-4252-976F-1941757580D0}"/>
+                </a:ext>
+              </a:extLst>
+            </p:cNvPr>
+            <p:cNvSpPr/>
+            <p:nvPr/>
+          </p:nvSpPr>
+          <p:spPr>
+            <a:xfrm>
+              <a:off x="177991" y="1280160"/>
+              <a:ext cx="11774048" cy="931249"/>
+            </a:xfrm>
+            <a:prstGeom prst="roundRect">
+              <a:avLst>
+                <a:gd name="adj" fmla="val 10000"/>
+              </a:avLst>
+            </a:prstGeom>
+          </p:spPr>
+          <p:style>
+            <a:lnRef idx="0">
+              <a:schemeClr val="dk1">
+                <a:hueOff val="0"/>
+                <a:satOff val="0"/>
+                <a:lumOff val="0"/>
+                <a:alphaOff val="0"/>
+              </a:schemeClr>
+            </a:lnRef>
+            <a:fillRef idx="1">
+              <a:schemeClr val="bg1">
+                <a:lumMod val="95000"/>
+                <a:hueOff val="0"/>
+                <a:satOff val="0"/>
+                <a:lumOff val="0"/>
+                <a:alphaOff val="0"/>
+              </a:schemeClr>
+            </a:fillRef>
+            <a:effectRef idx="0">
+              <a:schemeClr val="bg1">
+                <a:lumMod val="95000"/>
+                <a:hueOff val="0"/>
+                <a:satOff val="0"/>
+                <a:lumOff val="0"/>
+                <a:alphaOff val="0"/>
+              </a:schemeClr>
+            </a:effectRef>
+            <a:fontRef idx="minor">
+              <a:schemeClr val="dk1">
+                <a:hueOff val="0"/>
+                <a:satOff val="0"/>
+                <a:lumOff val="0"/>
+                <a:alphaOff val="0"/>
+              </a:schemeClr>
+            </a:fontRef>
+          </p:style>
+        </p:sp>
+        <p:sp>
+          <p:nvSpPr>
+            <p:cNvPr id="11" name="TextBox 2">
+              <a:extLst>
+                <a:ext uri="{FF2B5EF4-FFF2-40B4-BE49-F238E27FC236}">
+                  <a16:creationId xmlns:a16="http://schemas.microsoft.com/office/drawing/2014/main" id="{33D2F10D-52C4-4A45-9DC9-2989BF3FB243}"/>
+                </a:ext>
+              </a:extLst>
+            </p:cNvPr>
+            <p:cNvSpPr txBox="1"/>
+            <p:nvPr/>
+          </p:nvSpPr>
+          <p:spPr>
+            <a:xfrm>
+              <a:off x="183526" y="1410069"/>
+              <a:ext cx="11665065" cy="725146"/>
+            </a:xfrm>
+            <a:prstGeom prst="rect">
+              <a:avLst/>
+            </a:prstGeom>
+          </p:spPr>
+          <p:txBody>
+            <a:bodyPr vert="horz" lIns="91440" tIns="45720" rIns="91440" bIns="45720" rtlCol="0">
+              <a:noAutofit/>
+            </a:bodyPr>
+            <a:lstStyle/>
+            <a:p>
+              <a:pPr marL="57150" algn="just">
+                <a:spcAft>
+                  <a:spcPts val="600"/>
+                </a:spcAft>
+              </a:pPr>
+              <a:r>
+                <a:rPr lang="en-US" sz="2000" dirty="0">
+                  <a:latin typeface="Arial" panose="020B0604020202020204" pitchFamily="34" charset="0"/>
+                  <a:cs typeface="Arial" panose="020B0604020202020204" pitchFamily="34" charset="0"/>
+                </a:rPr>
+                <a:t>Various sampling techniques are tested to balance the dataset (custom, SMOTEE &amp; Edited Nearest </a:t>
+              </a:r>
+              <a:r>
+                <a:rPr lang="en-US" sz="2000" dirty="0" err="1">
+                  <a:latin typeface="Arial" panose="020B0604020202020204" pitchFamily="34" charset="0"/>
+                  <a:cs typeface="Arial" panose="020B0604020202020204" pitchFamily="34" charset="0"/>
+                </a:rPr>
+                <a:t>Neighbour</a:t>
+              </a:r>
+              <a:r>
+                <a:rPr lang="en-US" sz="2000" dirty="0">
+                  <a:latin typeface="Arial" panose="020B0604020202020204" pitchFamily="34" charset="0"/>
+                  <a:cs typeface="Arial" panose="020B0604020202020204" pitchFamily="34" charset="0"/>
+                </a:rPr>
+                <a:t> from Python “</a:t>
+              </a:r>
+              <a:r>
+                <a:rPr lang="en-US" sz="2000" dirty="0" err="1">
+                  <a:latin typeface="Arial" panose="020B0604020202020204" pitchFamily="34" charset="0"/>
+                  <a:cs typeface="Arial" panose="020B0604020202020204" pitchFamily="34" charset="0"/>
+                </a:rPr>
+                <a:t>imblearn</a:t>
+              </a:r>
+              <a:r>
+                <a:rPr lang="en-US" sz="2000" dirty="0">
+                  <a:latin typeface="Arial" panose="020B0604020202020204" pitchFamily="34" charset="0"/>
+                  <a:cs typeface="Arial" panose="020B0604020202020204" pitchFamily="34" charset="0"/>
+                </a:rPr>
+                <a:t>” package)</a:t>
+              </a:r>
+            </a:p>
+          </p:txBody>
+        </p:sp>
+        <p:sp>
+          <p:nvSpPr>
+            <p:cNvPr id="12" name="Rectangle: Rounded Corners 11">
+              <a:extLst>
+                <a:ext uri="{FF2B5EF4-FFF2-40B4-BE49-F238E27FC236}">
+                  <a16:creationId xmlns:a16="http://schemas.microsoft.com/office/drawing/2014/main" id="{8B5F2B2A-D60A-4D71-97A7-76364B5F7777}"/>
+                </a:ext>
+              </a:extLst>
+            </p:cNvPr>
+            <p:cNvSpPr/>
+            <p:nvPr/>
+          </p:nvSpPr>
+          <p:spPr>
+            <a:xfrm>
+              <a:off x="177991" y="2332666"/>
+              <a:ext cx="11774048" cy="931249"/>
+            </a:xfrm>
+            <a:prstGeom prst="roundRect">
+              <a:avLst>
+                <a:gd name="adj" fmla="val 10000"/>
+              </a:avLst>
+            </a:prstGeom>
+          </p:spPr>
+          <p:style>
+            <a:lnRef idx="0">
+              <a:schemeClr val="dk1">
+                <a:hueOff val="0"/>
+                <a:satOff val="0"/>
+                <a:lumOff val="0"/>
+                <a:alphaOff val="0"/>
+              </a:schemeClr>
+            </a:lnRef>
+            <a:fillRef idx="1">
+              <a:schemeClr val="bg1">
+                <a:lumMod val="95000"/>
+                <a:hueOff val="0"/>
+                <a:satOff val="0"/>
+                <a:lumOff val="0"/>
+                <a:alphaOff val="0"/>
+              </a:schemeClr>
+            </a:fillRef>
+            <a:effectRef idx="0">
+              <a:schemeClr val="bg1">
+                <a:lumMod val="95000"/>
+                <a:hueOff val="0"/>
+                <a:satOff val="0"/>
+                <a:lumOff val="0"/>
+                <a:alphaOff val="0"/>
+              </a:schemeClr>
+            </a:effectRef>
+            <a:fontRef idx="minor">
+              <a:schemeClr val="dk1">
+                <a:hueOff val="0"/>
+                <a:satOff val="0"/>
+                <a:lumOff val="0"/>
+                <a:alphaOff val="0"/>
+              </a:schemeClr>
+            </a:fontRef>
+          </p:style>
+        </p:sp>
+        <p:sp>
+          <p:nvSpPr>
+            <p:cNvPr id="13" name="TextBox 2">
+              <a:extLst>
+                <a:ext uri="{FF2B5EF4-FFF2-40B4-BE49-F238E27FC236}">
+                  <a16:creationId xmlns:a16="http://schemas.microsoft.com/office/drawing/2014/main" id="{469FE03D-F203-4433-98E8-9B70E036FD92}"/>
+                </a:ext>
+              </a:extLst>
+            </p:cNvPr>
+            <p:cNvSpPr txBox="1"/>
+            <p:nvPr/>
+          </p:nvSpPr>
+          <p:spPr>
+            <a:xfrm>
+              <a:off x="180598" y="2488538"/>
+              <a:ext cx="11705976" cy="670121"/>
+            </a:xfrm>
+            <a:prstGeom prst="rect">
+              <a:avLst/>
+            </a:prstGeom>
+          </p:spPr>
+          <p:txBody>
+            <a:bodyPr vert="horz" lIns="91440" tIns="45720" rIns="91440" bIns="45720" rtlCol="0">
+              <a:noAutofit/>
+            </a:bodyPr>
+            <a:lstStyle/>
+            <a:p>
+              <a:pPr marL="57150" algn="just">
+                <a:spcAft>
+                  <a:spcPts val="600"/>
+                </a:spcAft>
+              </a:pPr>
+              <a:r>
+                <a:rPr lang="en-US" sz="2000" dirty="0">
+                  <a:latin typeface="Arial" panose="020B0604020202020204" pitchFamily="34" charset="0"/>
+                  <a:cs typeface="Arial" panose="020B0604020202020204" pitchFamily="34" charset="0"/>
+                </a:rPr>
+                <a:t>The initial fit gives very good results (too good!) on cross validated training set but not on the test set, the model seems to be overfitting. </a:t>
+              </a:r>
+            </a:p>
+          </p:txBody>
+        </p:sp>
+        <p:sp>
+          <p:nvSpPr>
+            <p:cNvPr id="14" name="Rectangle: Rounded Corners 13">
+              <a:extLst>
+                <a:ext uri="{FF2B5EF4-FFF2-40B4-BE49-F238E27FC236}">
+                  <a16:creationId xmlns:a16="http://schemas.microsoft.com/office/drawing/2014/main" id="{38C296CB-F8F3-4A41-BDF6-1EA738AA151F}"/>
+                </a:ext>
+              </a:extLst>
+            </p:cNvPr>
+            <p:cNvSpPr/>
+            <p:nvPr/>
+          </p:nvSpPr>
+          <p:spPr>
+            <a:xfrm>
+              <a:off x="177991" y="3414083"/>
+              <a:ext cx="11774048" cy="931249"/>
+            </a:xfrm>
+            <a:prstGeom prst="roundRect">
+              <a:avLst>
+                <a:gd name="adj" fmla="val 10000"/>
+              </a:avLst>
+            </a:prstGeom>
+          </p:spPr>
+          <p:style>
+            <a:lnRef idx="0">
+              <a:schemeClr val="dk1">
+                <a:hueOff val="0"/>
+                <a:satOff val="0"/>
+                <a:lumOff val="0"/>
+                <a:alphaOff val="0"/>
+              </a:schemeClr>
+            </a:lnRef>
+            <a:fillRef idx="1">
+              <a:schemeClr val="bg1">
+                <a:lumMod val="95000"/>
+                <a:hueOff val="0"/>
+                <a:satOff val="0"/>
+                <a:lumOff val="0"/>
+                <a:alphaOff val="0"/>
+              </a:schemeClr>
+            </a:fillRef>
+            <a:effectRef idx="0">
+              <a:schemeClr val="bg1">
+                <a:lumMod val="95000"/>
+                <a:hueOff val="0"/>
+                <a:satOff val="0"/>
+                <a:lumOff val="0"/>
+                <a:alphaOff val="0"/>
+              </a:schemeClr>
+            </a:effectRef>
+            <a:fontRef idx="minor">
+              <a:schemeClr val="dk1">
+                <a:hueOff val="0"/>
+                <a:satOff val="0"/>
+                <a:lumOff val="0"/>
+                <a:alphaOff val="0"/>
+              </a:schemeClr>
+            </a:fontRef>
+          </p:style>
+        </p:sp>
+        <p:sp>
+          <p:nvSpPr>
+            <p:cNvPr id="15" name="TextBox 2">
+              <a:extLst>
+                <a:ext uri="{FF2B5EF4-FFF2-40B4-BE49-F238E27FC236}">
+                  <a16:creationId xmlns:a16="http://schemas.microsoft.com/office/drawing/2014/main" id="{C1EA40F9-3014-466B-B371-C5CA9D0B1028}"/>
+                </a:ext>
+              </a:extLst>
+            </p:cNvPr>
+            <p:cNvSpPr txBox="1"/>
+            <p:nvPr/>
+          </p:nvSpPr>
+          <p:spPr>
+            <a:xfrm>
+              <a:off x="180600" y="3566903"/>
+              <a:ext cx="11705976" cy="670121"/>
+            </a:xfrm>
+            <a:prstGeom prst="rect">
+              <a:avLst/>
+            </a:prstGeom>
+          </p:spPr>
+          <p:txBody>
+            <a:bodyPr vert="horz" lIns="91440" tIns="45720" rIns="91440" bIns="45720" rtlCol="0">
+              <a:noAutofit/>
+            </a:bodyPr>
+            <a:lstStyle/>
+            <a:p>
+              <a:pPr marL="57150" algn="just">
+                <a:spcAft>
+                  <a:spcPts val="600"/>
+                </a:spcAft>
+              </a:pPr>
+              <a:r>
+                <a:rPr lang="en-US" sz="2000" dirty="0">
+                  <a:latin typeface="Arial" panose="020B0604020202020204" pitchFamily="34" charset="0"/>
+                  <a:cs typeface="Arial" panose="020B0604020202020204" pitchFamily="34" charset="0"/>
+                </a:rPr>
+                <a:t>Different weights to the classes and thresholds have also been tried, but the results on the test set don’t look great</a:t>
+              </a:r>
+            </a:p>
+          </p:txBody>
+        </p:sp>
+        <p:sp>
+          <p:nvSpPr>
+            <p:cNvPr id="18" name="TextBox 2">
+              <a:extLst>
+                <a:ext uri="{FF2B5EF4-FFF2-40B4-BE49-F238E27FC236}">
+                  <a16:creationId xmlns:a16="http://schemas.microsoft.com/office/drawing/2014/main" id="{3B6EE18D-BD02-44F4-9DB2-12A377A2BF07}"/>
+                </a:ext>
+              </a:extLst>
+            </p:cNvPr>
+            <p:cNvSpPr txBox="1"/>
+            <p:nvPr/>
+          </p:nvSpPr>
+          <p:spPr>
+            <a:xfrm>
+              <a:off x="177991" y="4457961"/>
+              <a:ext cx="11705976" cy="844148"/>
+            </a:xfrm>
+            <a:prstGeom prst="rect">
+              <a:avLst/>
+            </a:prstGeom>
+          </p:spPr>
+          <p:txBody>
+            <a:bodyPr vert="horz" lIns="91440" tIns="45720" rIns="91440" bIns="45720" rtlCol="0">
+              <a:noAutofit/>
+            </a:bodyPr>
+            <a:lstStyle/>
+            <a:p>
+              <a:pPr marL="57150" algn="just">
+                <a:spcAft>
+                  <a:spcPts val="600"/>
+                </a:spcAft>
+              </a:pPr>
+              <a:r>
+                <a:rPr lang="en-US" sz="2000" dirty="0">
+                  <a:latin typeface="Arial" panose="020B0604020202020204" pitchFamily="34" charset="0"/>
+                  <a:cs typeface="Arial" panose="020B0604020202020204" pitchFamily="34" charset="0"/>
+                </a:rPr>
+                <a:t>Although features analysis indicates that 2 features at most are relevant, more attempts considering all the encoded variables are made, in order to improve the model (ROC AUC is worse if only 2 features are used)</a:t>
+              </a:r>
+            </a:p>
+          </p:txBody>
+        </p:sp>
+      </p:grpSp>
+    </p:spTree>
+    <p:extLst>
+      <p:ext uri="{BB962C8B-B14F-4D97-AF65-F5344CB8AC3E}">
+        <p14:creationId xmlns:p14="http://schemas.microsoft.com/office/powerpoint/2010/main" val="2097379639"/>
+      </p:ext>
+    </p:extLst>
+  </p:cSld>
+  <p:clrMapOvr>
+    <a:masterClrMapping/>
+  </p:clrMapOvr>
+</p:sld>
+</file>
+
+<file path=ppt/slides/slide16.xml><?xml version="1.0" encoding="utf-8"?>
+<p:sld xmlns:a="http://schemas.openxmlformats.org/drawingml/2006/main" xmlns:r="http://schemas.openxmlformats.org/officeDocument/2006/relationships" xmlns:p="http://schemas.openxmlformats.org/presentationml/2006/main">
+  <p:cSld>
+    <p:spTree>
+      <p:nvGrpSpPr>
+        <p:cNvPr id="1" name=""/>
+        <p:cNvGrpSpPr/>
+        <p:nvPr/>
+      </p:nvGrpSpPr>
+      <p:grpSpPr>
+        <a:xfrm>
+          <a:off x="0" y="0"/>
+          <a:ext cx="0" cy="0"/>
+          <a:chOff x="0" y="0"/>
+          <a:chExt cx="0" cy="0"/>
+        </a:xfrm>
+      </p:grpSpPr>
+      <p:sp>
+        <p:nvSpPr>
+          <p:cNvPr id="2" name="Title 1">
+            <a:extLst>
+              <a:ext uri="{FF2B5EF4-FFF2-40B4-BE49-F238E27FC236}">
+                <a16:creationId xmlns:a16="http://schemas.microsoft.com/office/drawing/2014/main" id="{EF7C3218-2D68-40C7-8110-E2DA541F854D}"/>
+              </a:ext>
+            </a:extLst>
+          </p:cNvPr>
+          <p:cNvSpPr>
+            <a:spLocks noGrp="1"/>
+          </p:cNvSpPr>
+          <p:nvPr>
+            <p:ph type="title"/>
+          </p:nvPr>
+        </p:nvSpPr>
+        <p:spPr>
+          <a:xfrm>
+            <a:off x="838200" y="365125"/>
+            <a:ext cx="10515600" cy="915035"/>
+          </a:xfrm>
+        </p:spPr>
+        <p:txBody>
+          <a:bodyPr vert="horz" lIns="91440" tIns="45720" rIns="91440" bIns="45720" rtlCol="0" anchor="ctr">
+            <a:normAutofit/>
+          </a:bodyPr>
+          <a:lstStyle/>
+          <a:p>
+            <a:r>
+              <a:rPr lang="en-US" sz="3600" kern="1200" dirty="0">
+                <a:solidFill>
+                  <a:schemeClr val="tx1"/>
+                </a:solidFill>
+                <a:latin typeface="Arial" panose="020B0604020202020204" pitchFamily="34" charset="0"/>
+                <a:cs typeface="Arial" panose="020B0604020202020204" pitchFamily="34" charset="0"/>
+              </a:rPr>
+              <a:t>Predictive Model – ROC Curves (Manhattan) </a:t>
+            </a:r>
+          </a:p>
+        </p:txBody>
+      </p:sp>
+      <p:sp>
+        <p:nvSpPr>
+          <p:cNvPr id="7" name="Rectangle 6">
+            <a:extLst>
+              <a:ext uri="{FF2B5EF4-FFF2-40B4-BE49-F238E27FC236}">
+                <a16:creationId xmlns:a16="http://schemas.microsoft.com/office/drawing/2014/main" id="{82CDA091-6CDA-43BE-AE75-D14271FB5D22}"/>
+              </a:ext>
+            </a:extLst>
+          </p:cNvPr>
+          <p:cNvSpPr/>
+          <p:nvPr/>
+        </p:nvSpPr>
+        <p:spPr>
+          <a:xfrm>
+            <a:off x="139557" y="1280160"/>
+            <a:ext cx="5027658" cy="931249"/>
+          </a:xfrm>
+          <a:prstGeom prst="rect">
+            <a:avLst/>
+          </a:prstGeom>
+        </p:spPr>
+        <p:style>
+          <a:lnRef idx="0">
+            <a:schemeClr val="dk1">
+              <a:alpha val="0"/>
+              <a:hueOff val="0"/>
+              <a:satOff val="0"/>
+              <a:lumOff val="0"/>
+              <a:alphaOff val="0"/>
+            </a:schemeClr>
+          </a:lnRef>
+          <a:fillRef idx="0">
+            <a:schemeClr val="lt1">
+              <a:alpha val="0"/>
+              <a:hueOff val="0"/>
+              <a:satOff val="0"/>
+              <a:lumOff val="0"/>
+              <a:alphaOff val="0"/>
+            </a:schemeClr>
+          </a:fillRef>
+          <a:effectRef idx="0">
+            <a:schemeClr val="lt1">
+              <a:alpha val="0"/>
+              <a:hueOff val="0"/>
+              <a:satOff val="0"/>
+              <a:lumOff val="0"/>
+              <a:alphaOff val="0"/>
+            </a:schemeClr>
+          </a:effectRef>
+          <a:fontRef idx="minor">
+            <a:schemeClr val="tx1">
+              <a:hueOff val="0"/>
+              <a:satOff val="0"/>
+              <a:lumOff val="0"/>
+              <a:alphaOff val="0"/>
+            </a:schemeClr>
+          </a:fontRef>
+        </p:style>
+      </p:sp>
+      <p:sp>
+        <p:nvSpPr>
+          <p:cNvPr id="5" name="Slide Number Placeholder 4">
+            <a:extLst>
+              <a:ext uri="{FF2B5EF4-FFF2-40B4-BE49-F238E27FC236}">
+                <a16:creationId xmlns:a16="http://schemas.microsoft.com/office/drawing/2014/main" id="{E71DCEF4-A448-40AA-96FC-2B196D39A0F3}"/>
+              </a:ext>
+            </a:extLst>
+          </p:cNvPr>
+          <p:cNvSpPr>
+            <a:spLocks noGrp="1"/>
+          </p:cNvSpPr>
+          <p:nvPr>
+            <p:ph type="sldNum" sz="quarter" idx="12"/>
+          </p:nvPr>
+        </p:nvSpPr>
+        <p:spPr/>
+        <p:txBody>
+          <a:bodyPr/>
+          <a:lstStyle/>
+          <a:p>
+            <a:fld id="{04DEA881-13CA-4008-9A1E-5E7B05E15075}" type="slidenum">
+              <a:rPr lang="en-US" smtClean="0"/>
+              <a:t>16</a:t>
+            </a:fld>
+            <a:endParaRPr lang="en-US"/>
+          </a:p>
+        </p:txBody>
+      </p:sp>
+      <p:grpSp>
+        <p:nvGrpSpPr>
+          <p:cNvPr id="14" name="Group 13">
+            <a:extLst>
+              <a:ext uri="{FF2B5EF4-FFF2-40B4-BE49-F238E27FC236}">
+                <a16:creationId xmlns:a16="http://schemas.microsoft.com/office/drawing/2014/main" id="{66F6FEDF-B0BF-4AE2-AC9D-194E00DFD3A9}"/>
+              </a:ext>
+            </a:extLst>
+          </p:cNvPr>
+          <p:cNvGrpSpPr/>
+          <p:nvPr/>
+        </p:nvGrpSpPr>
+        <p:grpSpPr>
+          <a:xfrm>
+            <a:off x="146977" y="1354702"/>
+            <a:ext cx="4538039" cy="996746"/>
+            <a:chOff x="138413" y="1263946"/>
+            <a:chExt cx="6104396" cy="996746"/>
+          </a:xfrm>
+        </p:grpSpPr>
+        <p:sp>
+          <p:nvSpPr>
+            <p:cNvPr id="15" name="Rectangle: Rounded Corners 14">
+              <a:extLst>
+                <a:ext uri="{FF2B5EF4-FFF2-40B4-BE49-F238E27FC236}">
+                  <a16:creationId xmlns:a16="http://schemas.microsoft.com/office/drawing/2014/main" id="{293F5BCC-12E2-41C7-8EC2-6A2EF9D62275}"/>
+                </a:ext>
+              </a:extLst>
+            </p:cNvPr>
+            <p:cNvSpPr/>
+            <p:nvPr/>
+          </p:nvSpPr>
+          <p:spPr>
+            <a:xfrm>
+              <a:off x="139557" y="1263946"/>
+              <a:ext cx="6103252" cy="931249"/>
+            </a:xfrm>
+            <a:prstGeom prst="roundRect">
+              <a:avLst>
+                <a:gd name="adj" fmla="val 10000"/>
+              </a:avLst>
+            </a:prstGeom>
+          </p:spPr>
+          <p:style>
+            <a:lnRef idx="0">
+              <a:schemeClr val="dk1">
+                <a:hueOff val="0"/>
+                <a:satOff val="0"/>
+                <a:lumOff val="0"/>
+                <a:alphaOff val="0"/>
+              </a:schemeClr>
+            </a:lnRef>
+            <a:fillRef idx="1">
+              <a:schemeClr val="bg1">
+                <a:lumMod val="95000"/>
+                <a:hueOff val="0"/>
+                <a:satOff val="0"/>
+                <a:lumOff val="0"/>
+                <a:alphaOff val="0"/>
+              </a:schemeClr>
+            </a:fillRef>
+            <a:effectRef idx="0">
+              <a:schemeClr val="bg1">
+                <a:lumMod val="95000"/>
+                <a:hueOff val="0"/>
+                <a:satOff val="0"/>
+                <a:lumOff val="0"/>
+                <a:alphaOff val="0"/>
+              </a:schemeClr>
+            </a:effectRef>
+            <a:fontRef idx="minor">
+              <a:schemeClr val="dk1">
+                <a:hueOff val="0"/>
+                <a:satOff val="0"/>
+                <a:lumOff val="0"/>
+                <a:alphaOff val="0"/>
+              </a:schemeClr>
+            </a:fontRef>
+          </p:style>
+        </p:sp>
+        <p:sp>
+          <p:nvSpPr>
+            <p:cNvPr id="16" name="TextBox 2">
+              <a:extLst>
+                <a:ext uri="{FF2B5EF4-FFF2-40B4-BE49-F238E27FC236}">
+                  <a16:creationId xmlns:a16="http://schemas.microsoft.com/office/drawing/2014/main" id="{2124C73A-B39B-47BF-A6BC-B4AC375CF0CE}"/>
+                </a:ext>
+              </a:extLst>
+            </p:cNvPr>
+            <p:cNvSpPr txBox="1"/>
+            <p:nvPr/>
+          </p:nvSpPr>
+          <p:spPr>
+            <a:xfrm>
+              <a:off x="138413" y="1535546"/>
+              <a:ext cx="5922195" cy="725146"/>
+            </a:xfrm>
+            <a:prstGeom prst="rect">
+              <a:avLst/>
+            </a:prstGeom>
+          </p:spPr>
+          <p:txBody>
+            <a:bodyPr vert="horz" lIns="91440" tIns="45720" rIns="91440" bIns="45720" rtlCol="0">
+              <a:noAutofit/>
+            </a:bodyPr>
+            <a:lstStyle/>
+            <a:p>
+              <a:pPr marL="57150" algn="just">
+                <a:spcAft>
+                  <a:spcPts val="600"/>
+                </a:spcAft>
+              </a:pPr>
+              <a:r>
+                <a:rPr lang="en-US" sz="2000" dirty="0">
+                  <a:solidFill>
+                    <a:srgbClr val="000000"/>
+                  </a:solidFill>
+                  <a:latin typeface="Arial" panose="020B0604020202020204" pitchFamily="34" charset="0"/>
+                  <a:cs typeface="Arial" panose="020B0604020202020204" pitchFamily="34" charset="0"/>
+                </a:rPr>
+                <a:t>Random Forest Model</a:t>
+              </a:r>
+            </a:p>
+          </p:txBody>
+        </p:sp>
+      </p:grpSp>
+      <p:grpSp>
+        <p:nvGrpSpPr>
+          <p:cNvPr id="17" name="Group 16">
+            <a:extLst>
+              <a:ext uri="{FF2B5EF4-FFF2-40B4-BE49-F238E27FC236}">
+                <a16:creationId xmlns:a16="http://schemas.microsoft.com/office/drawing/2014/main" id="{A3A9049A-29E6-497C-9471-5FA64C1D1789}"/>
+              </a:ext>
+            </a:extLst>
+          </p:cNvPr>
+          <p:cNvGrpSpPr/>
+          <p:nvPr/>
+        </p:nvGrpSpPr>
+        <p:grpSpPr>
+          <a:xfrm>
+            <a:off x="147717" y="2400299"/>
+            <a:ext cx="4537299" cy="1176923"/>
+            <a:chOff x="190935" y="2490951"/>
+            <a:chExt cx="6103252" cy="931249"/>
+          </a:xfrm>
+        </p:grpSpPr>
+        <p:sp>
+          <p:nvSpPr>
+            <p:cNvPr id="18" name="Rectangle: Rounded Corners 17">
+              <a:extLst>
+                <a:ext uri="{FF2B5EF4-FFF2-40B4-BE49-F238E27FC236}">
+                  <a16:creationId xmlns:a16="http://schemas.microsoft.com/office/drawing/2014/main" id="{C62B7517-08DE-4098-8B7B-15A1D0C3AE3F}"/>
+                </a:ext>
+              </a:extLst>
+            </p:cNvPr>
+            <p:cNvSpPr/>
+            <p:nvPr/>
+          </p:nvSpPr>
+          <p:spPr>
+            <a:xfrm>
+              <a:off x="190935" y="2490951"/>
+              <a:ext cx="6103252" cy="931249"/>
+            </a:xfrm>
+            <a:prstGeom prst="roundRect">
+              <a:avLst>
+                <a:gd name="adj" fmla="val 10000"/>
+              </a:avLst>
+            </a:prstGeom>
+          </p:spPr>
+          <p:style>
+            <a:lnRef idx="0">
+              <a:schemeClr val="dk1">
+                <a:hueOff val="0"/>
+                <a:satOff val="0"/>
+                <a:lumOff val="0"/>
+                <a:alphaOff val="0"/>
+              </a:schemeClr>
+            </a:lnRef>
+            <a:fillRef idx="1">
+              <a:schemeClr val="bg1">
+                <a:lumMod val="95000"/>
+                <a:hueOff val="0"/>
+                <a:satOff val="0"/>
+                <a:lumOff val="0"/>
+                <a:alphaOff val="0"/>
+              </a:schemeClr>
+            </a:fillRef>
+            <a:effectRef idx="0">
+              <a:schemeClr val="bg1">
+                <a:lumMod val="95000"/>
+                <a:hueOff val="0"/>
+                <a:satOff val="0"/>
+                <a:lumOff val="0"/>
+                <a:alphaOff val="0"/>
+              </a:schemeClr>
+            </a:effectRef>
+            <a:fontRef idx="minor">
+              <a:schemeClr val="dk1">
+                <a:hueOff val="0"/>
+                <a:satOff val="0"/>
+                <a:lumOff val="0"/>
+                <a:alphaOff val="0"/>
+              </a:schemeClr>
+            </a:fontRef>
+          </p:style>
+        </p:sp>
+        <p:sp>
+          <p:nvSpPr>
+            <p:cNvPr id="19" name="TextBox 2">
+              <a:extLst>
+                <a:ext uri="{FF2B5EF4-FFF2-40B4-BE49-F238E27FC236}">
+                  <a16:creationId xmlns:a16="http://schemas.microsoft.com/office/drawing/2014/main" id="{F9A27536-D67A-49EE-8A3B-001B214DA9FC}"/>
+                </a:ext>
+              </a:extLst>
+            </p:cNvPr>
+            <p:cNvSpPr txBox="1"/>
+            <p:nvPr/>
+          </p:nvSpPr>
+          <p:spPr>
+            <a:xfrm>
+              <a:off x="202356" y="2664055"/>
+              <a:ext cx="6064089" cy="742151"/>
+            </a:xfrm>
+            <a:prstGeom prst="rect">
+              <a:avLst/>
+            </a:prstGeom>
+          </p:spPr>
+          <p:txBody>
+            <a:bodyPr vert="horz" lIns="91440" tIns="45720" rIns="91440" bIns="45720" rtlCol="0">
+              <a:noAutofit/>
+            </a:bodyPr>
+            <a:lstStyle/>
+            <a:p>
+              <a:pPr marL="57150" algn="just">
+                <a:spcAft>
+                  <a:spcPts val="600"/>
+                </a:spcAft>
+              </a:pPr>
+              <a:r>
+                <a:rPr lang="en-US" sz="2000" dirty="0">
+                  <a:solidFill>
+                    <a:srgbClr val="000000"/>
+                  </a:solidFill>
+                  <a:latin typeface="Arial" panose="020B0604020202020204" pitchFamily="34" charset="0"/>
+                  <a:cs typeface="Arial" panose="020B0604020202020204" pitchFamily="34" charset="0"/>
+                </a:rPr>
+                <a:t>Micro average AUC: 0.78</a:t>
+              </a:r>
+            </a:p>
+            <a:p>
+              <a:pPr marL="57150" algn="just">
+                <a:spcAft>
+                  <a:spcPts val="600"/>
+                </a:spcAft>
+              </a:pPr>
+              <a:r>
+                <a:rPr lang="en-US" sz="2000" dirty="0">
+                  <a:solidFill>
+                    <a:srgbClr val="000000"/>
+                  </a:solidFill>
+                  <a:latin typeface="Arial" panose="020B0604020202020204" pitchFamily="34" charset="0"/>
+                  <a:cs typeface="Arial" panose="020B0604020202020204" pitchFamily="34" charset="0"/>
+                </a:rPr>
+                <a:t>Macro average AUC: 0.69</a:t>
+              </a:r>
+            </a:p>
+          </p:txBody>
+        </p:sp>
+      </p:grpSp>
+      <p:pic>
+        <p:nvPicPr>
+          <p:cNvPr id="3" name="Picture 2">
+            <a:extLst>
+              <a:ext uri="{FF2B5EF4-FFF2-40B4-BE49-F238E27FC236}">
+                <a16:creationId xmlns:a16="http://schemas.microsoft.com/office/drawing/2014/main" id="{BA819654-34C1-4BF9-9A01-DBFF5003DB7C}"/>
+              </a:ext>
+            </a:extLst>
+          </p:cNvPr>
+          <p:cNvPicPr>
+            <a:picLocks noChangeAspect="1"/>
+          </p:cNvPicPr>
+          <p:nvPr/>
+        </p:nvPicPr>
+        <p:blipFill>
+          <a:blip r:embed="rId2"/>
+          <a:stretch>
+            <a:fillRect/>
+          </a:stretch>
+        </p:blipFill>
+        <p:spPr>
+          <a:xfrm>
+            <a:off x="4800599" y="1354701"/>
+            <a:ext cx="7248477" cy="4614583"/>
+          </a:xfrm>
+          <a:prstGeom prst="rect">
+            <a:avLst/>
+          </a:prstGeom>
+        </p:spPr>
+      </p:pic>
+    </p:spTree>
+    <p:extLst>
+      <p:ext uri="{BB962C8B-B14F-4D97-AF65-F5344CB8AC3E}">
+        <p14:creationId xmlns:p14="http://schemas.microsoft.com/office/powerpoint/2010/main" val="432382703"/>
+      </p:ext>
+    </p:extLst>
+  </p:cSld>
+  <p:clrMapOvr>
+    <a:masterClrMapping/>
+  </p:clrMapOvr>
+</p:sld>
+</file>
+
+<file path=ppt/slides/slide17.xml><?xml version="1.0" encoding="utf-8"?>
+<p:sld xmlns:a="http://schemas.openxmlformats.org/drawingml/2006/main" xmlns:r="http://schemas.openxmlformats.org/officeDocument/2006/relationships" xmlns:p="http://schemas.openxmlformats.org/presentationml/2006/main">
+  <p:cSld>
+    <p:spTree>
+      <p:nvGrpSpPr>
+        <p:cNvPr id="1" name=""/>
+        <p:cNvGrpSpPr/>
+        <p:nvPr/>
+      </p:nvGrpSpPr>
+      <p:grpSpPr>
+        <a:xfrm>
+          <a:off x="0" y="0"/>
+          <a:ext cx="0" cy="0"/>
+          <a:chOff x="0" y="0"/>
+          <a:chExt cx="0" cy="0"/>
+        </a:xfrm>
+      </p:grpSpPr>
+      <p:sp>
+        <p:nvSpPr>
+          <p:cNvPr id="2" name="Title 1">
+            <a:extLst>
+              <a:ext uri="{FF2B5EF4-FFF2-40B4-BE49-F238E27FC236}">
+                <a16:creationId xmlns:a16="http://schemas.microsoft.com/office/drawing/2014/main" id="{EF7C3218-2D68-40C7-8110-E2DA541F854D}"/>
+              </a:ext>
+            </a:extLst>
+          </p:cNvPr>
+          <p:cNvSpPr>
+            <a:spLocks noGrp="1"/>
+          </p:cNvSpPr>
+          <p:nvPr>
+            <p:ph type="title"/>
+          </p:nvPr>
+        </p:nvSpPr>
+        <p:spPr>
+          <a:xfrm>
+            <a:off x="838200" y="365125"/>
+            <a:ext cx="10515600" cy="915035"/>
+          </a:xfrm>
+        </p:spPr>
+        <p:txBody>
+          <a:bodyPr vert="horz" lIns="91440" tIns="45720" rIns="91440" bIns="45720" rtlCol="0" anchor="ctr">
+            <a:normAutofit/>
+          </a:bodyPr>
+          <a:lstStyle/>
+          <a:p>
+            <a:r>
+              <a:rPr lang="en-US" sz="3600" kern="1200" dirty="0">
+                <a:solidFill>
+                  <a:schemeClr val="tx1"/>
+                </a:solidFill>
+                <a:latin typeface="Arial" panose="020B0604020202020204" pitchFamily="34" charset="0"/>
+                <a:cs typeface="Arial" panose="020B0604020202020204" pitchFamily="34" charset="0"/>
+              </a:rPr>
+              <a:t>Predictive Model – ROC Curves (Brooklyn) </a:t>
+            </a:r>
+          </a:p>
+        </p:txBody>
+      </p:sp>
+      <p:sp>
+        <p:nvSpPr>
+          <p:cNvPr id="7" name="Rectangle 6">
+            <a:extLst>
+              <a:ext uri="{FF2B5EF4-FFF2-40B4-BE49-F238E27FC236}">
+                <a16:creationId xmlns:a16="http://schemas.microsoft.com/office/drawing/2014/main" id="{82CDA091-6CDA-43BE-AE75-D14271FB5D22}"/>
+              </a:ext>
+            </a:extLst>
+          </p:cNvPr>
+          <p:cNvSpPr/>
+          <p:nvPr/>
+        </p:nvSpPr>
+        <p:spPr>
+          <a:xfrm>
+            <a:off x="139557" y="1280160"/>
+            <a:ext cx="5027658" cy="931249"/>
+          </a:xfrm>
+          <a:prstGeom prst="rect">
+            <a:avLst/>
+          </a:prstGeom>
+        </p:spPr>
+        <p:style>
+          <a:lnRef idx="0">
+            <a:schemeClr val="dk1">
+              <a:alpha val="0"/>
+              <a:hueOff val="0"/>
+              <a:satOff val="0"/>
+              <a:lumOff val="0"/>
+              <a:alphaOff val="0"/>
+            </a:schemeClr>
+          </a:lnRef>
+          <a:fillRef idx="0">
+            <a:schemeClr val="lt1">
+              <a:alpha val="0"/>
+              <a:hueOff val="0"/>
+              <a:satOff val="0"/>
+              <a:lumOff val="0"/>
+              <a:alphaOff val="0"/>
+            </a:schemeClr>
+          </a:fillRef>
+          <a:effectRef idx="0">
+            <a:schemeClr val="lt1">
+              <a:alpha val="0"/>
+              <a:hueOff val="0"/>
+              <a:satOff val="0"/>
+              <a:lumOff val="0"/>
+              <a:alphaOff val="0"/>
+            </a:schemeClr>
+          </a:effectRef>
+          <a:fontRef idx="minor">
+            <a:schemeClr val="tx1">
+              <a:hueOff val="0"/>
+              <a:satOff val="0"/>
+              <a:lumOff val="0"/>
+              <a:alphaOff val="0"/>
+            </a:schemeClr>
+          </a:fontRef>
+        </p:style>
+      </p:sp>
+      <p:sp>
+        <p:nvSpPr>
+          <p:cNvPr id="5" name="Slide Number Placeholder 4">
+            <a:extLst>
+              <a:ext uri="{FF2B5EF4-FFF2-40B4-BE49-F238E27FC236}">
+                <a16:creationId xmlns:a16="http://schemas.microsoft.com/office/drawing/2014/main" id="{E71DCEF4-A448-40AA-96FC-2B196D39A0F3}"/>
+              </a:ext>
+            </a:extLst>
+          </p:cNvPr>
+          <p:cNvSpPr>
+            <a:spLocks noGrp="1"/>
+          </p:cNvSpPr>
+          <p:nvPr>
+            <p:ph type="sldNum" sz="quarter" idx="12"/>
+          </p:nvPr>
+        </p:nvSpPr>
+        <p:spPr/>
+        <p:txBody>
+          <a:bodyPr/>
+          <a:lstStyle/>
+          <a:p>
+            <a:fld id="{04DEA881-13CA-4008-9A1E-5E7B05E15075}" type="slidenum">
+              <a:rPr lang="en-US" smtClean="0"/>
+              <a:t>17</a:t>
+            </a:fld>
+            <a:endParaRPr lang="en-US"/>
+          </a:p>
+        </p:txBody>
+      </p:sp>
+      <p:grpSp>
+        <p:nvGrpSpPr>
+          <p:cNvPr id="14" name="Group 13">
+            <a:extLst>
+              <a:ext uri="{FF2B5EF4-FFF2-40B4-BE49-F238E27FC236}">
+                <a16:creationId xmlns:a16="http://schemas.microsoft.com/office/drawing/2014/main" id="{66F6FEDF-B0BF-4AE2-AC9D-194E00DFD3A9}"/>
+              </a:ext>
+            </a:extLst>
+          </p:cNvPr>
+          <p:cNvGrpSpPr/>
+          <p:nvPr/>
+        </p:nvGrpSpPr>
+        <p:grpSpPr>
+          <a:xfrm>
+            <a:off x="146977" y="1354702"/>
+            <a:ext cx="4538039" cy="996746"/>
+            <a:chOff x="138413" y="1263946"/>
+            <a:chExt cx="6104396" cy="996746"/>
+          </a:xfrm>
+        </p:grpSpPr>
+        <p:sp>
+          <p:nvSpPr>
+            <p:cNvPr id="15" name="Rectangle: Rounded Corners 14">
+              <a:extLst>
+                <a:ext uri="{FF2B5EF4-FFF2-40B4-BE49-F238E27FC236}">
+                  <a16:creationId xmlns:a16="http://schemas.microsoft.com/office/drawing/2014/main" id="{293F5BCC-12E2-41C7-8EC2-6A2EF9D62275}"/>
+                </a:ext>
+              </a:extLst>
+            </p:cNvPr>
+            <p:cNvSpPr/>
+            <p:nvPr/>
+          </p:nvSpPr>
+          <p:spPr>
+            <a:xfrm>
+              <a:off x="139557" y="1263946"/>
+              <a:ext cx="6103252" cy="931249"/>
+            </a:xfrm>
+            <a:prstGeom prst="roundRect">
+              <a:avLst>
+                <a:gd name="adj" fmla="val 10000"/>
+              </a:avLst>
+            </a:prstGeom>
+          </p:spPr>
+          <p:style>
+            <a:lnRef idx="0">
+              <a:schemeClr val="dk1">
+                <a:hueOff val="0"/>
+                <a:satOff val="0"/>
+                <a:lumOff val="0"/>
+                <a:alphaOff val="0"/>
+              </a:schemeClr>
+            </a:lnRef>
+            <a:fillRef idx="1">
+              <a:schemeClr val="bg1">
+                <a:lumMod val="95000"/>
+                <a:hueOff val="0"/>
+                <a:satOff val="0"/>
+                <a:lumOff val="0"/>
+                <a:alphaOff val="0"/>
+              </a:schemeClr>
+            </a:fillRef>
+            <a:effectRef idx="0">
+              <a:schemeClr val="bg1">
+                <a:lumMod val="95000"/>
+                <a:hueOff val="0"/>
+                <a:satOff val="0"/>
+                <a:lumOff val="0"/>
+                <a:alphaOff val="0"/>
+              </a:schemeClr>
+            </a:effectRef>
+            <a:fontRef idx="minor">
+              <a:schemeClr val="dk1">
+                <a:hueOff val="0"/>
+                <a:satOff val="0"/>
+                <a:lumOff val="0"/>
+                <a:alphaOff val="0"/>
+              </a:schemeClr>
+            </a:fontRef>
+          </p:style>
+        </p:sp>
+        <p:sp>
+          <p:nvSpPr>
+            <p:cNvPr id="16" name="TextBox 2">
+              <a:extLst>
+                <a:ext uri="{FF2B5EF4-FFF2-40B4-BE49-F238E27FC236}">
+                  <a16:creationId xmlns:a16="http://schemas.microsoft.com/office/drawing/2014/main" id="{2124C73A-B39B-47BF-A6BC-B4AC375CF0CE}"/>
+                </a:ext>
+              </a:extLst>
+            </p:cNvPr>
+            <p:cNvSpPr txBox="1"/>
+            <p:nvPr/>
+          </p:nvSpPr>
+          <p:spPr>
+            <a:xfrm>
+              <a:off x="138413" y="1535546"/>
+              <a:ext cx="5922195" cy="725146"/>
+            </a:xfrm>
+            <a:prstGeom prst="rect">
+              <a:avLst/>
+            </a:prstGeom>
+          </p:spPr>
+          <p:txBody>
+            <a:bodyPr vert="horz" lIns="91440" tIns="45720" rIns="91440" bIns="45720" rtlCol="0">
+              <a:noAutofit/>
+            </a:bodyPr>
+            <a:lstStyle/>
+            <a:p>
+              <a:pPr marL="57150" algn="just">
+                <a:spcAft>
+                  <a:spcPts val="600"/>
+                </a:spcAft>
+              </a:pPr>
+              <a:r>
+                <a:rPr lang="en-US" sz="2000" dirty="0">
+                  <a:solidFill>
+                    <a:srgbClr val="000000"/>
+                  </a:solidFill>
+                  <a:latin typeface="Arial" panose="020B0604020202020204" pitchFamily="34" charset="0"/>
+                  <a:cs typeface="Arial" panose="020B0604020202020204" pitchFamily="34" charset="0"/>
+                </a:rPr>
+                <a:t>Random Forest Model</a:t>
+              </a:r>
+            </a:p>
+          </p:txBody>
+        </p:sp>
+      </p:grpSp>
+      <p:grpSp>
+        <p:nvGrpSpPr>
+          <p:cNvPr id="17" name="Group 16">
+            <a:extLst>
+              <a:ext uri="{FF2B5EF4-FFF2-40B4-BE49-F238E27FC236}">
+                <a16:creationId xmlns:a16="http://schemas.microsoft.com/office/drawing/2014/main" id="{A3A9049A-29E6-497C-9471-5FA64C1D1789}"/>
+              </a:ext>
+            </a:extLst>
+          </p:cNvPr>
+          <p:cNvGrpSpPr/>
+          <p:nvPr/>
+        </p:nvGrpSpPr>
+        <p:grpSpPr>
+          <a:xfrm>
+            <a:off x="147717" y="2400299"/>
+            <a:ext cx="4537299" cy="1176923"/>
+            <a:chOff x="190935" y="2490951"/>
+            <a:chExt cx="6103252" cy="931249"/>
+          </a:xfrm>
+        </p:grpSpPr>
+        <p:sp>
+          <p:nvSpPr>
+            <p:cNvPr id="18" name="Rectangle: Rounded Corners 17">
+              <a:extLst>
+                <a:ext uri="{FF2B5EF4-FFF2-40B4-BE49-F238E27FC236}">
+                  <a16:creationId xmlns:a16="http://schemas.microsoft.com/office/drawing/2014/main" id="{C62B7517-08DE-4098-8B7B-15A1D0C3AE3F}"/>
+                </a:ext>
+              </a:extLst>
+            </p:cNvPr>
+            <p:cNvSpPr/>
+            <p:nvPr/>
+          </p:nvSpPr>
+          <p:spPr>
+            <a:xfrm>
+              <a:off x="190935" y="2490951"/>
+              <a:ext cx="6103252" cy="931249"/>
+            </a:xfrm>
+            <a:prstGeom prst="roundRect">
+              <a:avLst>
+                <a:gd name="adj" fmla="val 10000"/>
+              </a:avLst>
+            </a:prstGeom>
+          </p:spPr>
+          <p:style>
+            <a:lnRef idx="0">
+              <a:schemeClr val="dk1">
+                <a:hueOff val="0"/>
+                <a:satOff val="0"/>
+                <a:lumOff val="0"/>
+                <a:alphaOff val="0"/>
+              </a:schemeClr>
+            </a:lnRef>
+            <a:fillRef idx="1">
+              <a:schemeClr val="bg1">
+                <a:lumMod val="95000"/>
+                <a:hueOff val="0"/>
+                <a:satOff val="0"/>
+                <a:lumOff val="0"/>
+                <a:alphaOff val="0"/>
+              </a:schemeClr>
+            </a:fillRef>
+            <a:effectRef idx="0">
+              <a:schemeClr val="bg1">
+                <a:lumMod val="95000"/>
+                <a:hueOff val="0"/>
+                <a:satOff val="0"/>
+                <a:lumOff val="0"/>
+                <a:alphaOff val="0"/>
+              </a:schemeClr>
+            </a:effectRef>
+            <a:fontRef idx="minor">
+              <a:schemeClr val="dk1">
+                <a:hueOff val="0"/>
+                <a:satOff val="0"/>
+                <a:lumOff val="0"/>
+                <a:alphaOff val="0"/>
+              </a:schemeClr>
+            </a:fontRef>
+          </p:style>
+        </p:sp>
+        <p:sp>
+          <p:nvSpPr>
+            <p:cNvPr id="19" name="TextBox 2">
+              <a:extLst>
+                <a:ext uri="{FF2B5EF4-FFF2-40B4-BE49-F238E27FC236}">
+                  <a16:creationId xmlns:a16="http://schemas.microsoft.com/office/drawing/2014/main" id="{F9A27536-D67A-49EE-8A3B-001B214DA9FC}"/>
+                </a:ext>
+              </a:extLst>
+            </p:cNvPr>
+            <p:cNvSpPr txBox="1"/>
+            <p:nvPr/>
+          </p:nvSpPr>
+          <p:spPr>
+            <a:xfrm>
+              <a:off x="202356" y="2664055"/>
+              <a:ext cx="6064089" cy="742151"/>
+            </a:xfrm>
+            <a:prstGeom prst="rect">
+              <a:avLst/>
+            </a:prstGeom>
+          </p:spPr>
+          <p:txBody>
+            <a:bodyPr vert="horz" lIns="91440" tIns="45720" rIns="91440" bIns="45720" rtlCol="0">
+              <a:noAutofit/>
+            </a:bodyPr>
+            <a:lstStyle/>
+            <a:p>
+              <a:pPr marL="57150" algn="just">
+                <a:spcAft>
+                  <a:spcPts val="600"/>
+                </a:spcAft>
+              </a:pPr>
+              <a:r>
+                <a:rPr lang="en-US" sz="2000" dirty="0">
+                  <a:solidFill>
+                    <a:srgbClr val="000000"/>
+                  </a:solidFill>
+                  <a:latin typeface="Arial" panose="020B0604020202020204" pitchFamily="34" charset="0"/>
+                  <a:cs typeface="Arial" panose="020B0604020202020204" pitchFamily="34" charset="0"/>
+                </a:rPr>
+                <a:t>Micro average AUC: 0.74</a:t>
+              </a:r>
+            </a:p>
+            <a:p>
+              <a:pPr marL="57150" algn="just">
+                <a:spcAft>
+                  <a:spcPts val="600"/>
+                </a:spcAft>
+              </a:pPr>
+              <a:r>
+                <a:rPr lang="en-US" sz="2000" dirty="0">
+                  <a:solidFill>
+                    <a:srgbClr val="000000"/>
+                  </a:solidFill>
+                  <a:latin typeface="Arial" panose="020B0604020202020204" pitchFamily="34" charset="0"/>
+                  <a:cs typeface="Arial" panose="020B0604020202020204" pitchFamily="34" charset="0"/>
+                </a:rPr>
+                <a:t>Macro average AUC: 0.67</a:t>
+              </a:r>
+            </a:p>
+          </p:txBody>
+        </p:sp>
+      </p:grpSp>
+      <p:pic>
+        <p:nvPicPr>
+          <p:cNvPr id="3" name="Picture 2">
+            <a:extLst>
+              <a:ext uri="{FF2B5EF4-FFF2-40B4-BE49-F238E27FC236}">
+                <a16:creationId xmlns:a16="http://schemas.microsoft.com/office/drawing/2014/main" id="{C289B498-17E6-433F-A190-4B515B2D4E2C}"/>
+              </a:ext>
+            </a:extLst>
+          </p:cNvPr>
+          <p:cNvPicPr>
+            <a:picLocks noChangeAspect="1"/>
+          </p:cNvPicPr>
+          <p:nvPr/>
+        </p:nvPicPr>
+        <p:blipFill>
+          <a:blip r:embed="rId2"/>
+          <a:stretch>
+            <a:fillRect/>
+          </a:stretch>
+        </p:blipFill>
+        <p:spPr>
+          <a:xfrm>
+            <a:off x="4891836" y="1354701"/>
+            <a:ext cx="7058261" cy="4727599"/>
+          </a:xfrm>
+          <a:prstGeom prst="rect">
+            <a:avLst/>
+          </a:prstGeom>
+        </p:spPr>
+      </p:pic>
+    </p:spTree>
+    <p:extLst>
+      <p:ext uri="{BB962C8B-B14F-4D97-AF65-F5344CB8AC3E}">
+        <p14:creationId xmlns:p14="http://schemas.microsoft.com/office/powerpoint/2010/main" val="1155272709"/>
+      </p:ext>
+    </p:extLst>
+  </p:cSld>
+  <p:clrMapOvr>
+    <a:masterClrMapping/>
+  </p:clrMapOvr>
+</p:sld>
+</file>
+
+<file path=ppt/slides/slide18.xml><?xml version="1.0" encoding="utf-8"?>
+<p:sld xmlns:a="http://schemas.openxmlformats.org/drawingml/2006/main" xmlns:r="http://schemas.openxmlformats.org/officeDocument/2006/relationships" xmlns:p="http://schemas.openxmlformats.org/presentationml/2006/main">
+  <p:cSld>
+    <p:spTree>
+      <p:nvGrpSpPr>
+        <p:cNvPr id="1" name=""/>
+        <p:cNvGrpSpPr/>
+        <p:nvPr/>
+      </p:nvGrpSpPr>
+      <p:grpSpPr>
+        <a:xfrm>
+          <a:off x="0" y="0"/>
+          <a:ext cx="0" cy="0"/>
+          <a:chOff x="0" y="0"/>
+          <a:chExt cx="0" cy="0"/>
+        </a:xfrm>
+      </p:grpSpPr>
+      <p:sp>
+        <p:nvSpPr>
+          <p:cNvPr id="2" name="Title 1">
+            <a:extLst>
+              <a:ext uri="{FF2B5EF4-FFF2-40B4-BE49-F238E27FC236}">
+                <a16:creationId xmlns:a16="http://schemas.microsoft.com/office/drawing/2014/main" id="{EF7C3218-2D68-40C7-8110-E2DA541F854D}"/>
+              </a:ext>
+            </a:extLst>
+          </p:cNvPr>
+          <p:cNvSpPr>
+            <a:spLocks noGrp="1"/>
+          </p:cNvSpPr>
+          <p:nvPr>
+            <p:ph type="title"/>
+          </p:nvPr>
+        </p:nvSpPr>
+        <p:spPr>
+          <a:xfrm>
+            <a:off x="838200" y="365125"/>
+            <a:ext cx="10515600" cy="915035"/>
+          </a:xfrm>
+        </p:spPr>
+        <p:txBody>
+          <a:bodyPr vert="horz" lIns="91440" tIns="45720" rIns="91440" bIns="45720" rtlCol="0" anchor="ctr">
+            <a:normAutofit/>
+          </a:bodyPr>
+          <a:lstStyle/>
+          <a:p>
+            <a:r>
+              <a:rPr lang="en-US" sz="3600" kern="1200" dirty="0">
+                <a:solidFill>
+                  <a:schemeClr val="tx1"/>
+                </a:solidFill>
+                <a:latin typeface="Arial" panose="020B0604020202020204" pitchFamily="34" charset="0"/>
+                <a:cs typeface="Arial" panose="020B0604020202020204" pitchFamily="34" charset="0"/>
+              </a:rPr>
+              <a:t>Predictive Model – ROC Curves (Queens) </a:t>
+            </a:r>
+          </a:p>
+        </p:txBody>
+      </p:sp>
+      <p:sp>
+        <p:nvSpPr>
+          <p:cNvPr id="7" name="Rectangle 6">
+            <a:extLst>
+              <a:ext uri="{FF2B5EF4-FFF2-40B4-BE49-F238E27FC236}">
+                <a16:creationId xmlns:a16="http://schemas.microsoft.com/office/drawing/2014/main" id="{82CDA091-6CDA-43BE-AE75-D14271FB5D22}"/>
+              </a:ext>
+            </a:extLst>
+          </p:cNvPr>
+          <p:cNvSpPr/>
+          <p:nvPr/>
+        </p:nvSpPr>
+        <p:spPr>
+          <a:xfrm>
+            <a:off x="139557" y="1280160"/>
+            <a:ext cx="5027658" cy="931249"/>
+          </a:xfrm>
+          <a:prstGeom prst="rect">
+            <a:avLst/>
+          </a:prstGeom>
+        </p:spPr>
+        <p:style>
+          <a:lnRef idx="0">
+            <a:schemeClr val="dk1">
+              <a:alpha val="0"/>
+              <a:hueOff val="0"/>
+              <a:satOff val="0"/>
+              <a:lumOff val="0"/>
+              <a:alphaOff val="0"/>
+            </a:schemeClr>
+          </a:lnRef>
+          <a:fillRef idx="0">
+            <a:schemeClr val="lt1">
+              <a:alpha val="0"/>
+              <a:hueOff val="0"/>
+              <a:satOff val="0"/>
+              <a:lumOff val="0"/>
+              <a:alphaOff val="0"/>
+            </a:schemeClr>
+          </a:fillRef>
+          <a:effectRef idx="0">
+            <a:schemeClr val="lt1">
+              <a:alpha val="0"/>
+              <a:hueOff val="0"/>
+              <a:satOff val="0"/>
+              <a:lumOff val="0"/>
+              <a:alphaOff val="0"/>
+            </a:schemeClr>
+          </a:effectRef>
+          <a:fontRef idx="minor">
+            <a:schemeClr val="tx1">
+              <a:hueOff val="0"/>
+              <a:satOff val="0"/>
+              <a:lumOff val="0"/>
+              <a:alphaOff val="0"/>
+            </a:schemeClr>
+          </a:fontRef>
+        </p:style>
+      </p:sp>
+      <p:sp>
+        <p:nvSpPr>
+          <p:cNvPr id="5" name="Slide Number Placeholder 4">
+            <a:extLst>
+              <a:ext uri="{FF2B5EF4-FFF2-40B4-BE49-F238E27FC236}">
+                <a16:creationId xmlns:a16="http://schemas.microsoft.com/office/drawing/2014/main" id="{E71DCEF4-A448-40AA-96FC-2B196D39A0F3}"/>
+              </a:ext>
+            </a:extLst>
+          </p:cNvPr>
+          <p:cNvSpPr>
+            <a:spLocks noGrp="1"/>
+          </p:cNvSpPr>
+          <p:nvPr>
+            <p:ph type="sldNum" sz="quarter" idx="12"/>
+          </p:nvPr>
+        </p:nvSpPr>
+        <p:spPr/>
+        <p:txBody>
+          <a:bodyPr/>
+          <a:lstStyle/>
+          <a:p>
+            <a:fld id="{04DEA881-13CA-4008-9A1E-5E7B05E15075}" type="slidenum">
+              <a:rPr lang="en-US" smtClean="0"/>
+              <a:t>18</a:t>
+            </a:fld>
+            <a:endParaRPr lang="en-US"/>
+          </a:p>
+        </p:txBody>
+      </p:sp>
+      <p:grpSp>
+        <p:nvGrpSpPr>
+          <p:cNvPr id="14" name="Group 13">
+            <a:extLst>
+              <a:ext uri="{FF2B5EF4-FFF2-40B4-BE49-F238E27FC236}">
+                <a16:creationId xmlns:a16="http://schemas.microsoft.com/office/drawing/2014/main" id="{66F6FEDF-B0BF-4AE2-AC9D-194E00DFD3A9}"/>
+              </a:ext>
+            </a:extLst>
+          </p:cNvPr>
+          <p:cNvGrpSpPr/>
+          <p:nvPr/>
+        </p:nvGrpSpPr>
+        <p:grpSpPr>
+          <a:xfrm>
+            <a:off x="146977" y="1354702"/>
+            <a:ext cx="4538039" cy="996746"/>
+            <a:chOff x="138413" y="1263946"/>
+            <a:chExt cx="6104396" cy="996746"/>
+          </a:xfrm>
+        </p:grpSpPr>
+        <p:sp>
+          <p:nvSpPr>
+            <p:cNvPr id="15" name="Rectangle: Rounded Corners 14">
+              <a:extLst>
+                <a:ext uri="{FF2B5EF4-FFF2-40B4-BE49-F238E27FC236}">
+                  <a16:creationId xmlns:a16="http://schemas.microsoft.com/office/drawing/2014/main" id="{293F5BCC-12E2-41C7-8EC2-6A2EF9D62275}"/>
+                </a:ext>
+              </a:extLst>
+            </p:cNvPr>
+            <p:cNvSpPr/>
+            <p:nvPr/>
+          </p:nvSpPr>
+          <p:spPr>
+            <a:xfrm>
+              <a:off x="139557" y="1263946"/>
+              <a:ext cx="6103252" cy="931249"/>
+            </a:xfrm>
+            <a:prstGeom prst="roundRect">
+              <a:avLst>
+                <a:gd name="adj" fmla="val 10000"/>
+              </a:avLst>
+            </a:prstGeom>
+          </p:spPr>
+          <p:style>
+            <a:lnRef idx="0">
+              <a:schemeClr val="dk1">
+                <a:hueOff val="0"/>
+                <a:satOff val="0"/>
+                <a:lumOff val="0"/>
+                <a:alphaOff val="0"/>
+              </a:schemeClr>
+            </a:lnRef>
+            <a:fillRef idx="1">
+              <a:schemeClr val="bg1">
+                <a:lumMod val="95000"/>
+                <a:hueOff val="0"/>
+                <a:satOff val="0"/>
+                <a:lumOff val="0"/>
+                <a:alphaOff val="0"/>
+              </a:schemeClr>
+            </a:fillRef>
+            <a:effectRef idx="0">
+              <a:schemeClr val="bg1">
+                <a:lumMod val="95000"/>
+                <a:hueOff val="0"/>
+                <a:satOff val="0"/>
+                <a:lumOff val="0"/>
+                <a:alphaOff val="0"/>
+              </a:schemeClr>
+            </a:effectRef>
+            <a:fontRef idx="minor">
+              <a:schemeClr val="dk1">
+                <a:hueOff val="0"/>
+                <a:satOff val="0"/>
+                <a:lumOff val="0"/>
+                <a:alphaOff val="0"/>
+              </a:schemeClr>
+            </a:fontRef>
+          </p:style>
+        </p:sp>
+        <p:sp>
+          <p:nvSpPr>
+            <p:cNvPr id="16" name="TextBox 2">
+              <a:extLst>
+                <a:ext uri="{FF2B5EF4-FFF2-40B4-BE49-F238E27FC236}">
+                  <a16:creationId xmlns:a16="http://schemas.microsoft.com/office/drawing/2014/main" id="{2124C73A-B39B-47BF-A6BC-B4AC375CF0CE}"/>
+                </a:ext>
+              </a:extLst>
+            </p:cNvPr>
+            <p:cNvSpPr txBox="1"/>
+            <p:nvPr/>
+          </p:nvSpPr>
+          <p:spPr>
+            <a:xfrm>
+              <a:off x="138413" y="1535546"/>
+              <a:ext cx="5922195" cy="725146"/>
+            </a:xfrm>
+            <a:prstGeom prst="rect">
+              <a:avLst/>
+            </a:prstGeom>
+          </p:spPr>
+          <p:txBody>
+            <a:bodyPr vert="horz" lIns="91440" tIns="45720" rIns="91440" bIns="45720" rtlCol="0">
+              <a:noAutofit/>
+            </a:bodyPr>
+            <a:lstStyle/>
+            <a:p>
+              <a:pPr marL="57150" algn="just">
+                <a:spcAft>
+                  <a:spcPts val="600"/>
+                </a:spcAft>
+              </a:pPr>
+              <a:r>
+                <a:rPr lang="en-US" sz="2000" dirty="0">
+                  <a:solidFill>
+                    <a:srgbClr val="000000"/>
+                  </a:solidFill>
+                  <a:latin typeface="Arial" panose="020B0604020202020204" pitchFamily="34" charset="0"/>
+                  <a:cs typeface="Arial" panose="020B0604020202020204" pitchFamily="34" charset="0"/>
+                </a:rPr>
+                <a:t>Random Forest Model</a:t>
+              </a:r>
+            </a:p>
+          </p:txBody>
+        </p:sp>
+      </p:grpSp>
+      <p:grpSp>
+        <p:nvGrpSpPr>
+          <p:cNvPr id="17" name="Group 16">
+            <a:extLst>
+              <a:ext uri="{FF2B5EF4-FFF2-40B4-BE49-F238E27FC236}">
+                <a16:creationId xmlns:a16="http://schemas.microsoft.com/office/drawing/2014/main" id="{A3A9049A-29E6-497C-9471-5FA64C1D1789}"/>
+              </a:ext>
+            </a:extLst>
+          </p:cNvPr>
+          <p:cNvGrpSpPr/>
+          <p:nvPr/>
+        </p:nvGrpSpPr>
+        <p:grpSpPr>
+          <a:xfrm>
+            <a:off x="147717" y="2400299"/>
+            <a:ext cx="4537299" cy="1176923"/>
+            <a:chOff x="190935" y="2490951"/>
+            <a:chExt cx="6103252" cy="931249"/>
+          </a:xfrm>
+        </p:grpSpPr>
+        <p:sp>
+          <p:nvSpPr>
+            <p:cNvPr id="18" name="Rectangle: Rounded Corners 17">
+              <a:extLst>
+                <a:ext uri="{FF2B5EF4-FFF2-40B4-BE49-F238E27FC236}">
+                  <a16:creationId xmlns:a16="http://schemas.microsoft.com/office/drawing/2014/main" id="{C62B7517-08DE-4098-8B7B-15A1D0C3AE3F}"/>
+                </a:ext>
+              </a:extLst>
+            </p:cNvPr>
+            <p:cNvSpPr/>
+            <p:nvPr/>
+          </p:nvSpPr>
+          <p:spPr>
+            <a:xfrm>
+              <a:off x="190935" y="2490951"/>
+              <a:ext cx="6103252" cy="931249"/>
+            </a:xfrm>
+            <a:prstGeom prst="roundRect">
+              <a:avLst>
+                <a:gd name="adj" fmla="val 10000"/>
+              </a:avLst>
+            </a:prstGeom>
+          </p:spPr>
+          <p:style>
+            <a:lnRef idx="0">
+              <a:schemeClr val="dk1">
+                <a:hueOff val="0"/>
+                <a:satOff val="0"/>
+                <a:lumOff val="0"/>
+                <a:alphaOff val="0"/>
+              </a:schemeClr>
+            </a:lnRef>
+            <a:fillRef idx="1">
+              <a:schemeClr val="bg1">
+                <a:lumMod val="95000"/>
+                <a:hueOff val="0"/>
+                <a:satOff val="0"/>
+                <a:lumOff val="0"/>
+                <a:alphaOff val="0"/>
+              </a:schemeClr>
+            </a:fillRef>
+            <a:effectRef idx="0">
+              <a:schemeClr val="bg1">
+                <a:lumMod val="95000"/>
+                <a:hueOff val="0"/>
+                <a:satOff val="0"/>
+                <a:lumOff val="0"/>
+                <a:alphaOff val="0"/>
+              </a:schemeClr>
+            </a:effectRef>
+            <a:fontRef idx="minor">
+              <a:schemeClr val="dk1">
+                <a:hueOff val="0"/>
+                <a:satOff val="0"/>
+                <a:lumOff val="0"/>
+                <a:alphaOff val="0"/>
+              </a:schemeClr>
+            </a:fontRef>
+          </p:style>
+        </p:sp>
+        <p:sp>
+          <p:nvSpPr>
+            <p:cNvPr id="19" name="TextBox 2">
+              <a:extLst>
+                <a:ext uri="{FF2B5EF4-FFF2-40B4-BE49-F238E27FC236}">
+                  <a16:creationId xmlns:a16="http://schemas.microsoft.com/office/drawing/2014/main" id="{F9A27536-D67A-49EE-8A3B-001B214DA9FC}"/>
+                </a:ext>
+              </a:extLst>
+            </p:cNvPr>
+            <p:cNvSpPr txBox="1"/>
+            <p:nvPr/>
+          </p:nvSpPr>
+          <p:spPr>
+            <a:xfrm>
+              <a:off x="202356" y="2664055"/>
+              <a:ext cx="6064089" cy="742151"/>
+            </a:xfrm>
+            <a:prstGeom prst="rect">
+              <a:avLst/>
+            </a:prstGeom>
+          </p:spPr>
+          <p:txBody>
+            <a:bodyPr vert="horz" lIns="91440" tIns="45720" rIns="91440" bIns="45720" rtlCol="0">
+              <a:noAutofit/>
+            </a:bodyPr>
+            <a:lstStyle/>
+            <a:p>
+              <a:pPr marL="57150" algn="just">
+                <a:spcAft>
+                  <a:spcPts val="600"/>
+                </a:spcAft>
+              </a:pPr>
+              <a:r>
+                <a:rPr lang="en-US" sz="2000" dirty="0">
+                  <a:solidFill>
+                    <a:srgbClr val="000000"/>
+                  </a:solidFill>
+                  <a:latin typeface="Arial" panose="020B0604020202020204" pitchFamily="34" charset="0"/>
+                  <a:cs typeface="Arial" panose="020B0604020202020204" pitchFamily="34" charset="0"/>
+                </a:rPr>
+                <a:t>Micro average AUC: 0.80</a:t>
+              </a:r>
+            </a:p>
+            <a:p>
+              <a:pPr marL="57150" algn="just">
+                <a:spcAft>
+                  <a:spcPts val="600"/>
+                </a:spcAft>
+              </a:pPr>
+              <a:r>
+                <a:rPr lang="en-US" sz="2000" dirty="0">
+                  <a:solidFill>
+                    <a:srgbClr val="000000"/>
+                  </a:solidFill>
+                  <a:latin typeface="Arial" panose="020B0604020202020204" pitchFamily="34" charset="0"/>
+                  <a:cs typeface="Arial" panose="020B0604020202020204" pitchFamily="34" charset="0"/>
+                </a:rPr>
+                <a:t>Macro average AUC: 0.70</a:t>
+              </a:r>
+            </a:p>
+          </p:txBody>
+        </p:sp>
+      </p:grpSp>
+      <p:pic>
+        <p:nvPicPr>
+          <p:cNvPr id="4" name="Picture 3">
+            <a:extLst>
+              <a:ext uri="{FF2B5EF4-FFF2-40B4-BE49-F238E27FC236}">
+                <a16:creationId xmlns:a16="http://schemas.microsoft.com/office/drawing/2014/main" id="{B5E7EC44-AE67-4CCD-B6B9-963A567047E3}"/>
+              </a:ext>
+            </a:extLst>
+          </p:cNvPr>
+          <p:cNvPicPr>
+            <a:picLocks noChangeAspect="1"/>
+          </p:cNvPicPr>
+          <p:nvPr/>
+        </p:nvPicPr>
+        <p:blipFill>
+          <a:blip r:embed="rId2"/>
+          <a:stretch>
+            <a:fillRect/>
+          </a:stretch>
+        </p:blipFill>
+        <p:spPr>
+          <a:xfrm>
+            <a:off x="4978311" y="1354702"/>
+            <a:ext cx="6970534" cy="4867066"/>
+          </a:xfrm>
+          <a:prstGeom prst="rect">
+            <a:avLst/>
+          </a:prstGeom>
+        </p:spPr>
+      </p:pic>
+    </p:spTree>
+    <p:extLst>
+      <p:ext uri="{BB962C8B-B14F-4D97-AF65-F5344CB8AC3E}">
+        <p14:creationId xmlns:p14="http://schemas.microsoft.com/office/powerpoint/2010/main" val="3833220071"/>
+      </p:ext>
+    </p:extLst>
+  </p:cSld>
+  <p:clrMapOvr>
+    <a:masterClrMapping/>
+  </p:clrMapOvr>
+</p:sld>
+</file>
+
+<file path=ppt/slides/slide19.xml><?xml version="1.0" encoding="utf-8"?>
+<p:sld xmlns:a="http://schemas.openxmlformats.org/drawingml/2006/main" xmlns:r="http://schemas.openxmlformats.org/officeDocument/2006/relationships" xmlns:p="http://schemas.openxmlformats.org/presentationml/2006/main">
+  <p:cSld>
+    <p:spTree>
+      <p:nvGrpSpPr>
+        <p:cNvPr id="1" name=""/>
+        <p:cNvGrpSpPr/>
+        <p:nvPr/>
+      </p:nvGrpSpPr>
+      <p:grpSpPr>
+        <a:xfrm>
+          <a:off x="0" y="0"/>
+          <a:ext cx="0" cy="0"/>
+          <a:chOff x="0" y="0"/>
+          <a:chExt cx="0" cy="0"/>
+        </a:xfrm>
+      </p:grpSpPr>
+      <p:sp>
+        <p:nvSpPr>
+          <p:cNvPr id="2" name="Title 1">
+            <a:extLst>
+              <a:ext uri="{FF2B5EF4-FFF2-40B4-BE49-F238E27FC236}">
+                <a16:creationId xmlns:a16="http://schemas.microsoft.com/office/drawing/2014/main" id="{EF7C3218-2D68-40C7-8110-E2DA541F854D}"/>
+              </a:ext>
+            </a:extLst>
+          </p:cNvPr>
+          <p:cNvSpPr>
+            <a:spLocks noGrp="1"/>
+          </p:cNvSpPr>
+          <p:nvPr>
+            <p:ph type="title"/>
+          </p:nvPr>
+        </p:nvSpPr>
+        <p:spPr>
+          <a:xfrm>
+            <a:off x="838200" y="365125"/>
+            <a:ext cx="10515600" cy="915035"/>
+          </a:xfrm>
+        </p:spPr>
+        <p:txBody>
+          <a:bodyPr vert="horz" lIns="91440" tIns="45720" rIns="91440" bIns="45720" rtlCol="0" anchor="ctr">
+            <a:normAutofit/>
+          </a:bodyPr>
+          <a:lstStyle/>
+          <a:p>
+            <a:r>
+              <a:rPr lang="en-US" sz="3600" kern="1200" dirty="0">
+                <a:solidFill>
+                  <a:schemeClr val="tx1"/>
+                </a:solidFill>
+                <a:latin typeface="Arial" panose="020B0604020202020204" pitchFamily="34" charset="0"/>
+                <a:cs typeface="Arial" panose="020B0604020202020204" pitchFamily="34" charset="0"/>
+              </a:rPr>
+              <a:t>Predictive Model – ROC Curves (Staten Island) </a:t>
+            </a:r>
+          </a:p>
+        </p:txBody>
+      </p:sp>
+      <p:sp>
+        <p:nvSpPr>
+          <p:cNvPr id="7" name="Rectangle 6">
+            <a:extLst>
+              <a:ext uri="{FF2B5EF4-FFF2-40B4-BE49-F238E27FC236}">
+                <a16:creationId xmlns:a16="http://schemas.microsoft.com/office/drawing/2014/main" id="{82CDA091-6CDA-43BE-AE75-D14271FB5D22}"/>
+              </a:ext>
+            </a:extLst>
+          </p:cNvPr>
+          <p:cNvSpPr/>
+          <p:nvPr/>
+        </p:nvSpPr>
+        <p:spPr>
+          <a:xfrm>
+            <a:off x="139557" y="1280160"/>
+            <a:ext cx="5027658" cy="931249"/>
+          </a:xfrm>
+          <a:prstGeom prst="rect">
+            <a:avLst/>
+          </a:prstGeom>
+        </p:spPr>
+        <p:style>
+          <a:lnRef idx="0">
+            <a:schemeClr val="dk1">
+              <a:alpha val="0"/>
+              <a:hueOff val="0"/>
+              <a:satOff val="0"/>
+              <a:lumOff val="0"/>
+              <a:alphaOff val="0"/>
+            </a:schemeClr>
+          </a:lnRef>
+          <a:fillRef idx="0">
+            <a:schemeClr val="lt1">
+              <a:alpha val="0"/>
+              <a:hueOff val="0"/>
+              <a:satOff val="0"/>
+              <a:lumOff val="0"/>
+              <a:alphaOff val="0"/>
+            </a:schemeClr>
+          </a:fillRef>
+          <a:effectRef idx="0">
+            <a:schemeClr val="lt1">
+              <a:alpha val="0"/>
+              <a:hueOff val="0"/>
+              <a:satOff val="0"/>
+              <a:lumOff val="0"/>
+              <a:alphaOff val="0"/>
+            </a:schemeClr>
+          </a:effectRef>
+          <a:fontRef idx="minor">
+            <a:schemeClr val="tx1">
+              <a:hueOff val="0"/>
+              <a:satOff val="0"/>
+              <a:lumOff val="0"/>
+              <a:alphaOff val="0"/>
+            </a:schemeClr>
+          </a:fontRef>
+        </p:style>
+      </p:sp>
+      <p:sp>
+        <p:nvSpPr>
+          <p:cNvPr id="5" name="Slide Number Placeholder 4">
+            <a:extLst>
+              <a:ext uri="{FF2B5EF4-FFF2-40B4-BE49-F238E27FC236}">
+                <a16:creationId xmlns:a16="http://schemas.microsoft.com/office/drawing/2014/main" id="{E71DCEF4-A448-40AA-96FC-2B196D39A0F3}"/>
+              </a:ext>
+            </a:extLst>
+          </p:cNvPr>
+          <p:cNvSpPr>
+            <a:spLocks noGrp="1"/>
+          </p:cNvSpPr>
+          <p:nvPr>
+            <p:ph type="sldNum" sz="quarter" idx="12"/>
+          </p:nvPr>
+        </p:nvSpPr>
+        <p:spPr/>
+        <p:txBody>
+          <a:bodyPr/>
+          <a:lstStyle/>
+          <a:p>
+            <a:fld id="{04DEA881-13CA-4008-9A1E-5E7B05E15075}" type="slidenum">
+              <a:rPr lang="en-US" smtClean="0"/>
+              <a:t>19</a:t>
+            </a:fld>
+            <a:endParaRPr lang="en-US"/>
+          </a:p>
+        </p:txBody>
+      </p:sp>
+      <p:grpSp>
+        <p:nvGrpSpPr>
+          <p:cNvPr id="14" name="Group 13">
+            <a:extLst>
+              <a:ext uri="{FF2B5EF4-FFF2-40B4-BE49-F238E27FC236}">
+                <a16:creationId xmlns:a16="http://schemas.microsoft.com/office/drawing/2014/main" id="{66F6FEDF-B0BF-4AE2-AC9D-194E00DFD3A9}"/>
+              </a:ext>
+            </a:extLst>
+          </p:cNvPr>
+          <p:cNvGrpSpPr/>
+          <p:nvPr/>
+        </p:nvGrpSpPr>
+        <p:grpSpPr>
+          <a:xfrm>
+            <a:off x="146977" y="1354702"/>
+            <a:ext cx="4538039" cy="996746"/>
+            <a:chOff x="138413" y="1263946"/>
+            <a:chExt cx="6104396" cy="996746"/>
+          </a:xfrm>
+        </p:grpSpPr>
+        <p:sp>
+          <p:nvSpPr>
+            <p:cNvPr id="15" name="Rectangle: Rounded Corners 14">
+              <a:extLst>
+                <a:ext uri="{FF2B5EF4-FFF2-40B4-BE49-F238E27FC236}">
+                  <a16:creationId xmlns:a16="http://schemas.microsoft.com/office/drawing/2014/main" id="{293F5BCC-12E2-41C7-8EC2-6A2EF9D62275}"/>
+                </a:ext>
+              </a:extLst>
+            </p:cNvPr>
+            <p:cNvSpPr/>
+            <p:nvPr/>
+          </p:nvSpPr>
+          <p:spPr>
+            <a:xfrm>
+              <a:off x="139557" y="1263946"/>
+              <a:ext cx="6103252" cy="931249"/>
+            </a:xfrm>
+            <a:prstGeom prst="roundRect">
+              <a:avLst>
+                <a:gd name="adj" fmla="val 10000"/>
+              </a:avLst>
+            </a:prstGeom>
+          </p:spPr>
+          <p:style>
+            <a:lnRef idx="0">
+              <a:schemeClr val="dk1">
+                <a:hueOff val="0"/>
+                <a:satOff val="0"/>
+                <a:lumOff val="0"/>
+                <a:alphaOff val="0"/>
+              </a:schemeClr>
+            </a:lnRef>
+            <a:fillRef idx="1">
+              <a:schemeClr val="bg1">
+                <a:lumMod val="95000"/>
+                <a:hueOff val="0"/>
+                <a:satOff val="0"/>
+                <a:lumOff val="0"/>
+                <a:alphaOff val="0"/>
+              </a:schemeClr>
+            </a:fillRef>
+            <a:effectRef idx="0">
+              <a:schemeClr val="bg1">
+                <a:lumMod val="95000"/>
+                <a:hueOff val="0"/>
+                <a:satOff val="0"/>
+                <a:lumOff val="0"/>
+                <a:alphaOff val="0"/>
+              </a:schemeClr>
+            </a:effectRef>
+            <a:fontRef idx="minor">
+              <a:schemeClr val="dk1">
+                <a:hueOff val="0"/>
+                <a:satOff val="0"/>
+                <a:lumOff val="0"/>
+                <a:alphaOff val="0"/>
+              </a:schemeClr>
+            </a:fontRef>
+          </p:style>
+        </p:sp>
+        <p:sp>
+          <p:nvSpPr>
+            <p:cNvPr id="16" name="TextBox 2">
+              <a:extLst>
+                <a:ext uri="{FF2B5EF4-FFF2-40B4-BE49-F238E27FC236}">
+                  <a16:creationId xmlns:a16="http://schemas.microsoft.com/office/drawing/2014/main" id="{2124C73A-B39B-47BF-A6BC-B4AC375CF0CE}"/>
+                </a:ext>
+              </a:extLst>
+            </p:cNvPr>
+            <p:cNvSpPr txBox="1"/>
+            <p:nvPr/>
+          </p:nvSpPr>
+          <p:spPr>
+            <a:xfrm>
+              <a:off x="138413" y="1535546"/>
+              <a:ext cx="5922195" cy="725146"/>
+            </a:xfrm>
+            <a:prstGeom prst="rect">
+              <a:avLst/>
+            </a:prstGeom>
+          </p:spPr>
+          <p:txBody>
+            <a:bodyPr vert="horz" lIns="91440" tIns="45720" rIns="91440" bIns="45720" rtlCol="0">
+              <a:noAutofit/>
+            </a:bodyPr>
+            <a:lstStyle/>
+            <a:p>
+              <a:pPr marL="57150" algn="just">
+                <a:spcAft>
+                  <a:spcPts val="600"/>
+                </a:spcAft>
+              </a:pPr>
+              <a:r>
+                <a:rPr lang="en-US" sz="2000" dirty="0">
+                  <a:solidFill>
+                    <a:srgbClr val="000000"/>
+                  </a:solidFill>
+                  <a:latin typeface="Arial" panose="020B0604020202020204" pitchFamily="34" charset="0"/>
+                  <a:cs typeface="Arial" panose="020B0604020202020204" pitchFamily="34" charset="0"/>
+                </a:rPr>
+                <a:t>Random Forest Model</a:t>
+              </a:r>
+            </a:p>
+          </p:txBody>
+        </p:sp>
+      </p:grpSp>
+      <p:grpSp>
+        <p:nvGrpSpPr>
+          <p:cNvPr id="17" name="Group 16">
+            <a:extLst>
+              <a:ext uri="{FF2B5EF4-FFF2-40B4-BE49-F238E27FC236}">
+                <a16:creationId xmlns:a16="http://schemas.microsoft.com/office/drawing/2014/main" id="{A3A9049A-29E6-497C-9471-5FA64C1D1789}"/>
+              </a:ext>
+            </a:extLst>
+          </p:cNvPr>
+          <p:cNvGrpSpPr/>
+          <p:nvPr/>
+        </p:nvGrpSpPr>
+        <p:grpSpPr>
+          <a:xfrm>
+            <a:off x="147717" y="2400299"/>
+            <a:ext cx="4537299" cy="1176923"/>
+            <a:chOff x="190935" y="2490951"/>
+            <a:chExt cx="6103252" cy="931249"/>
+          </a:xfrm>
+        </p:grpSpPr>
+        <p:sp>
+          <p:nvSpPr>
+            <p:cNvPr id="18" name="Rectangle: Rounded Corners 17">
+              <a:extLst>
+                <a:ext uri="{FF2B5EF4-FFF2-40B4-BE49-F238E27FC236}">
+                  <a16:creationId xmlns:a16="http://schemas.microsoft.com/office/drawing/2014/main" id="{C62B7517-08DE-4098-8B7B-15A1D0C3AE3F}"/>
+                </a:ext>
+              </a:extLst>
+            </p:cNvPr>
+            <p:cNvSpPr/>
+            <p:nvPr/>
+          </p:nvSpPr>
+          <p:spPr>
+            <a:xfrm>
+              <a:off x="190935" y="2490951"/>
+              <a:ext cx="6103252" cy="931249"/>
+            </a:xfrm>
+            <a:prstGeom prst="roundRect">
+              <a:avLst>
+                <a:gd name="adj" fmla="val 10000"/>
+              </a:avLst>
+            </a:prstGeom>
+          </p:spPr>
+          <p:style>
+            <a:lnRef idx="0">
+              <a:schemeClr val="dk1">
+                <a:hueOff val="0"/>
+                <a:satOff val="0"/>
+                <a:lumOff val="0"/>
+                <a:alphaOff val="0"/>
+              </a:schemeClr>
+            </a:lnRef>
+            <a:fillRef idx="1">
+              <a:schemeClr val="bg1">
+                <a:lumMod val="95000"/>
+                <a:hueOff val="0"/>
+                <a:satOff val="0"/>
+                <a:lumOff val="0"/>
+                <a:alphaOff val="0"/>
+              </a:schemeClr>
+            </a:fillRef>
+            <a:effectRef idx="0">
+              <a:schemeClr val="bg1">
+                <a:lumMod val="95000"/>
+                <a:hueOff val="0"/>
+                <a:satOff val="0"/>
+                <a:lumOff val="0"/>
+                <a:alphaOff val="0"/>
+              </a:schemeClr>
+            </a:effectRef>
+            <a:fontRef idx="minor">
+              <a:schemeClr val="dk1">
+                <a:hueOff val="0"/>
+                <a:satOff val="0"/>
+                <a:lumOff val="0"/>
+                <a:alphaOff val="0"/>
+              </a:schemeClr>
+            </a:fontRef>
+          </p:style>
+        </p:sp>
+        <p:sp>
+          <p:nvSpPr>
+            <p:cNvPr id="19" name="TextBox 2">
+              <a:extLst>
+                <a:ext uri="{FF2B5EF4-FFF2-40B4-BE49-F238E27FC236}">
+                  <a16:creationId xmlns:a16="http://schemas.microsoft.com/office/drawing/2014/main" id="{F9A27536-D67A-49EE-8A3B-001B214DA9FC}"/>
+                </a:ext>
+              </a:extLst>
+            </p:cNvPr>
+            <p:cNvSpPr txBox="1"/>
+            <p:nvPr/>
+          </p:nvSpPr>
+          <p:spPr>
+            <a:xfrm>
+              <a:off x="202356" y="2664055"/>
+              <a:ext cx="6064089" cy="742151"/>
+            </a:xfrm>
+            <a:prstGeom prst="rect">
+              <a:avLst/>
+            </a:prstGeom>
+          </p:spPr>
+          <p:txBody>
+            <a:bodyPr vert="horz" lIns="91440" tIns="45720" rIns="91440" bIns="45720" rtlCol="0">
+              <a:noAutofit/>
+            </a:bodyPr>
+            <a:lstStyle/>
+            <a:p>
+              <a:pPr marL="57150" algn="just">
+                <a:spcAft>
+                  <a:spcPts val="600"/>
+                </a:spcAft>
+              </a:pPr>
+              <a:r>
+                <a:rPr lang="en-US" sz="2000" dirty="0">
+                  <a:solidFill>
+                    <a:srgbClr val="000000"/>
+                  </a:solidFill>
+                  <a:latin typeface="Arial" panose="020B0604020202020204" pitchFamily="34" charset="0"/>
+                  <a:cs typeface="Arial" panose="020B0604020202020204" pitchFamily="34" charset="0"/>
+                </a:rPr>
+                <a:t>Micro average AUC: 0.82</a:t>
+              </a:r>
+            </a:p>
+            <a:p>
+              <a:pPr marL="57150" algn="just">
+                <a:spcAft>
+                  <a:spcPts val="600"/>
+                </a:spcAft>
+              </a:pPr>
+              <a:r>
+                <a:rPr lang="en-US" sz="2000" dirty="0">
+                  <a:solidFill>
+                    <a:srgbClr val="000000"/>
+                  </a:solidFill>
+                  <a:latin typeface="Arial" panose="020B0604020202020204" pitchFamily="34" charset="0"/>
+                  <a:cs typeface="Arial" panose="020B0604020202020204" pitchFamily="34" charset="0"/>
+                </a:rPr>
+                <a:t>Macro average AUC: 0.73</a:t>
+              </a:r>
+            </a:p>
+          </p:txBody>
+        </p:sp>
+      </p:grpSp>
+      <p:pic>
+        <p:nvPicPr>
+          <p:cNvPr id="3" name="Picture 2">
+            <a:extLst>
+              <a:ext uri="{FF2B5EF4-FFF2-40B4-BE49-F238E27FC236}">
+                <a16:creationId xmlns:a16="http://schemas.microsoft.com/office/drawing/2014/main" id="{A571E974-60C6-4F20-9705-B19D5250F2EC}"/>
+              </a:ext>
+            </a:extLst>
+          </p:cNvPr>
+          <p:cNvPicPr>
+            <a:picLocks noChangeAspect="1"/>
+          </p:cNvPicPr>
+          <p:nvPr/>
+        </p:nvPicPr>
+        <p:blipFill>
+          <a:blip r:embed="rId2"/>
+          <a:stretch>
+            <a:fillRect/>
+          </a:stretch>
+        </p:blipFill>
+        <p:spPr>
+          <a:xfrm>
+            <a:off x="4829923" y="1347787"/>
+            <a:ext cx="7094509" cy="4755062"/>
+          </a:xfrm>
+          <a:prstGeom prst="rect">
+            <a:avLst/>
+          </a:prstGeom>
+        </p:spPr>
+      </p:pic>
+    </p:spTree>
+    <p:extLst>
+      <p:ext uri="{BB962C8B-B14F-4D97-AF65-F5344CB8AC3E}">
+        <p14:creationId xmlns:p14="http://schemas.microsoft.com/office/powerpoint/2010/main" val="2839349663"/>
+      </p:ext>
+    </p:extLst>
+  </p:cSld>
+  <p:clrMapOvr>
+    <a:masterClrMapping/>
+  </p:clrMapOvr>
+</p:sld>
+</file>
+
+<file path=ppt/slides/slide2.xml><?xml version="1.0" encoding="utf-8"?>
+<p:sld xmlns:a="http://schemas.openxmlformats.org/drawingml/2006/main" xmlns:r="http://schemas.openxmlformats.org/officeDocument/2006/relationships" xmlns:p="http://schemas.openxmlformats.org/presentationml/2006/main">
+  <p:cSld>
+    <p:spTree>
+      <p:nvGrpSpPr>
+        <p:cNvPr id="1" name=""/>
+        <p:cNvGrpSpPr/>
+        <p:nvPr/>
+      </p:nvGrpSpPr>
+      <p:grpSpPr>
+        <a:xfrm>
+          <a:off x="0" y="0"/>
+          <a:ext cx="0" cy="0"/>
+          <a:chOff x="0" y="0"/>
+          <a:chExt cx="0" cy="0"/>
+        </a:xfrm>
+      </p:grpSpPr>
+      <p:sp>
+        <p:nvSpPr>
+          <p:cNvPr id="2" name="Title 1">
+            <a:extLst>
+              <a:ext uri="{FF2B5EF4-FFF2-40B4-BE49-F238E27FC236}">
+                <a16:creationId xmlns:a16="http://schemas.microsoft.com/office/drawing/2014/main" id="{EF7C3218-2D68-40C7-8110-E2DA541F854D}"/>
+              </a:ext>
+            </a:extLst>
+          </p:cNvPr>
+          <p:cNvSpPr>
+            <a:spLocks noGrp="1"/>
+          </p:cNvSpPr>
+          <p:nvPr>
+            <p:ph type="title"/>
+          </p:nvPr>
+        </p:nvSpPr>
+        <p:spPr>
+          <a:xfrm>
+            <a:off x="838200" y="365125"/>
+            <a:ext cx="10515600" cy="915035"/>
+          </a:xfrm>
+        </p:spPr>
+        <p:txBody>
+          <a:bodyPr vert="horz" lIns="91440" tIns="45720" rIns="91440" bIns="45720" rtlCol="0" anchor="ctr">
+            <a:normAutofit/>
+          </a:bodyPr>
+          <a:lstStyle/>
+          <a:p>
+            <a:r>
+              <a:rPr lang="en-US" sz="3600" kern="1200" dirty="0">
+                <a:solidFill>
+                  <a:schemeClr val="tx1"/>
+                </a:solidFill>
+                <a:latin typeface="Arial" panose="020B0604020202020204" pitchFamily="34" charset="0"/>
+                <a:cs typeface="Arial" panose="020B0604020202020204" pitchFamily="34" charset="0"/>
+              </a:rPr>
+              <a:t>Outline</a:t>
+            </a:r>
+          </a:p>
+        </p:txBody>
+      </p:sp>
+      <p:graphicFrame>
+        <p:nvGraphicFramePr>
+          <p:cNvPr id="13" name="TextBox 10">
+            <a:extLst>
+              <a:ext uri="{FF2B5EF4-FFF2-40B4-BE49-F238E27FC236}">
+                <a16:creationId xmlns:a16="http://schemas.microsoft.com/office/drawing/2014/main" id="{263088D1-ADBE-4EF5-956A-ADCED6B0BF8F}"/>
+              </a:ext>
+            </a:extLst>
+          </p:cNvPr>
+          <p:cNvGraphicFramePr/>
+          <p:nvPr/>
+        </p:nvGraphicFramePr>
+        <p:xfrm>
+          <a:off x="838200" y="1500505"/>
+          <a:ext cx="10515600" cy="4351338"/>
+        </p:xfrm>
+        <a:graphic>
+          <a:graphicData uri="http://schemas.openxmlformats.org/drawingml/2006/diagram">
+            <dgm:relIds xmlns:dgm="http://schemas.openxmlformats.org/drawingml/2006/diagram" xmlns:r="http://schemas.openxmlformats.org/officeDocument/2006/relationships" r:dm="rId2" r:lo="rId3" r:qs="rId4" r:cs="rId5"/>
+          </a:graphicData>
+        </a:graphic>
+      </p:graphicFrame>
+      <p:sp>
+        <p:nvSpPr>
+          <p:cNvPr id="3" name="Slide Number Placeholder 2">
+            <a:extLst>
+              <a:ext uri="{FF2B5EF4-FFF2-40B4-BE49-F238E27FC236}">
+                <a16:creationId xmlns:a16="http://schemas.microsoft.com/office/drawing/2014/main" id="{372BA148-364A-463D-8D96-30CB16C22B26}"/>
+              </a:ext>
+            </a:extLst>
+          </p:cNvPr>
+          <p:cNvSpPr>
+            <a:spLocks noGrp="1"/>
+          </p:cNvSpPr>
+          <p:nvPr>
+            <p:ph type="sldNum" sz="quarter" idx="12"/>
+          </p:nvPr>
+        </p:nvSpPr>
+        <p:spPr/>
+        <p:txBody>
+          <a:bodyPr/>
+          <a:lstStyle/>
+          <a:p>
+            <a:fld id="{04DEA881-13CA-4008-9A1E-5E7B05E15075}" type="slidenum">
+              <a:rPr lang="en-US" smtClean="0"/>
+              <a:t>2</a:t>
+            </a:fld>
+            <a:endParaRPr lang="en-US"/>
+          </a:p>
+        </p:txBody>
+      </p:sp>
+    </p:spTree>
+    <p:extLst>
+      <p:ext uri="{BB962C8B-B14F-4D97-AF65-F5344CB8AC3E}">
+        <p14:creationId xmlns:p14="http://schemas.microsoft.com/office/powerpoint/2010/main" val="3108110570"/>
+      </p:ext>
+    </p:extLst>
+  </p:cSld>
+  <p:clrMapOvr>
+    <a:masterClrMapping/>
+  </p:clrMapOvr>
+</p:sld>
+</file>
+
+<file path=ppt/slides/slide20.xml><?xml version="1.0" encoding="utf-8"?>
+<p:sld xmlns:a="http://schemas.openxmlformats.org/drawingml/2006/main" xmlns:r="http://schemas.openxmlformats.org/officeDocument/2006/relationships" xmlns:p="http://schemas.openxmlformats.org/presentationml/2006/main">
+  <p:cSld>
+    <p:spTree>
+      <p:nvGrpSpPr>
+        <p:cNvPr id="1" name=""/>
+        <p:cNvGrpSpPr/>
+        <p:nvPr/>
+      </p:nvGrpSpPr>
+      <p:grpSpPr>
+        <a:xfrm>
+          <a:off x="0" y="0"/>
+          <a:ext cx="0" cy="0"/>
+          <a:chOff x="0" y="0"/>
+          <a:chExt cx="0" cy="0"/>
+        </a:xfrm>
+      </p:grpSpPr>
+      <p:sp>
+        <p:nvSpPr>
+          <p:cNvPr id="2" name="Title 1">
+            <a:extLst>
+              <a:ext uri="{FF2B5EF4-FFF2-40B4-BE49-F238E27FC236}">
+                <a16:creationId xmlns:a16="http://schemas.microsoft.com/office/drawing/2014/main" id="{EF7C3218-2D68-40C7-8110-E2DA541F854D}"/>
+              </a:ext>
+            </a:extLst>
+          </p:cNvPr>
+          <p:cNvSpPr>
+            <a:spLocks noGrp="1"/>
+          </p:cNvSpPr>
+          <p:nvPr>
+            <p:ph type="title"/>
+          </p:nvPr>
+        </p:nvSpPr>
+        <p:spPr>
+          <a:xfrm>
+            <a:off x="838200" y="365125"/>
+            <a:ext cx="10515600" cy="915035"/>
+          </a:xfrm>
+        </p:spPr>
+        <p:txBody>
+          <a:bodyPr vert="horz" lIns="91440" tIns="45720" rIns="91440" bIns="45720" rtlCol="0" anchor="ctr">
+            <a:normAutofit/>
+          </a:bodyPr>
+          <a:lstStyle/>
+          <a:p>
+            <a:r>
+              <a:rPr lang="en-US" sz="3600" kern="1200" dirty="0">
+                <a:solidFill>
+                  <a:schemeClr val="tx1"/>
+                </a:solidFill>
+                <a:latin typeface="Arial" panose="020B0604020202020204" pitchFamily="34" charset="0"/>
+                <a:cs typeface="Arial" panose="020B0604020202020204" pitchFamily="34" charset="0"/>
+              </a:rPr>
+              <a:t>Predictive Model – ROC Curves (Bronx) </a:t>
+            </a:r>
+          </a:p>
+        </p:txBody>
+      </p:sp>
+      <p:sp>
+        <p:nvSpPr>
+          <p:cNvPr id="7" name="Rectangle 6">
+            <a:extLst>
+              <a:ext uri="{FF2B5EF4-FFF2-40B4-BE49-F238E27FC236}">
+                <a16:creationId xmlns:a16="http://schemas.microsoft.com/office/drawing/2014/main" id="{82CDA091-6CDA-43BE-AE75-D14271FB5D22}"/>
+              </a:ext>
+            </a:extLst>
+          </p:cNvPr>
+          <p:cNvSpPr/>
+          <p:nvPr/>
+        </p:nvSpPr>
+        <p:spPr>
+          <a:xfrm>
+            <a:off x="139557" y="1280160"/>
+            <a:ext cx="5027658" cy="931249"/>
+          </a:xfrm>
+          <a:prstGeom prst="rect">
+            <a:avLst/>
+          </a:prstGeom>
+        </p:spPr>
+        <p:style>
+          <a:lnRef idx="0">
+            <a:schemeClr val="dk1">
+              <a:alpha val="0"/>
+              <a:hueOff val="0"/>
+              <a:satOff val="0"/>
+              <a:lumOff val="0"/>
+              <a:alphaOff val="0"/>
+            </a:schemeClr>
+          </a:lnRef>
+          <a:fillRef idx="0">
+            <a:schemeClr val="lt1">
+              <a:alpha val="0"/>
+              <a:hueOff val="0"/>
+              <a:satOff val="0"/>
+              <a:lumOff val="0"/>
+              <a:alphaOff val="0"/>
+            </a:schemeClr>
+          </a:fillRef>
+          <a:effectRef idx="0">
+            <a:schemeClr val="lt1">
+              <a:alpha val="0"/>
+              <a:hueOff val="0"/>
+              <a:satOff val="0"/>
+              <a:lumOff val="0"/>
+              <a:alphaOff val="0"/>
+            </a:schemeClr>
+          </a:effectRef>
+          <a:fontRef idx="minor">
+            <a:schemeClr val="tx1">
+              <a:hueOff val="0"/>
+              <a:satOff val="0"/>
+              <a:lumOff val="0"/>
+              <a:alphaOff val="0"/>
+            </a:schemeClr>
+          </a:fontRef>
+        </p:style>
+      </p:sp>
+      <p:sp>
+        <p:nvSpPr>
+          <p:cNvPr id="5" name="Slide Number Placeholder 4">
+            <a:extLst>
+              <a:ext uri="{FF2B5EF4-FFF2-40B4-BE49-F238E27FC236}">
+                <a16:creationId xmlns:a16="http://schemas.microsoft.com/office/drawing/2014/main" id="{E71DCEF4-A448-40AA-96FC-2B196D39A0F3}"/>
+              </a:ext>
+            </a:extLst>
+          </p:cNvPr>
+          <p:cNvSpPr>
+            <a:spLocks noGrp="1"/>
+          </p:cNvSpPr>
+          <p:nvPr>
+            <p:ph type="sldNum" sz="quarter" idx="12"/>
+          </p:nvPr>
+        </p:nvSpPr>
+        <p:spPr/>
+        <p:txBody>
+          <a:bodyPr/>
+          <a:lstStyle/>
+          <a:p>
+            <a:fld id="{04DEA881-13CA-4008-9A1E-5E7B05E15075}" type="slidenum">
+              <a:rPr lang="en-US" smtClean="0"/>
+              <a:t>20</a:t>
+            </a:fld>
+            <a:endParaRPr lang="en-US"/>
+          </a:p>
+        </p:txBody>
+      </p:sp>
+      <p:grpSp>
+        <p:nvGrpSpPr>
+          <p:cNvPr id="14" name="Group 13">
+            <a:extLst>
+              <a:ext uri="{FF2B5EF4-FFF2-40B4-BE49-F238E27FC236}">
+                <a16:creationId xmlns:a16="http://schemas.microsoft.com/office/drawing/2014/main" id="{66F6FEDF-B0BF-4AE2-AC9D-194E00DFD3A9}"/>
+              </a:ext>
+            </a:extLst>
+          </p:cNvPr>
+          <p:cNvGrpSpPr/>
+          <p:nvPr/>
+        </p:nvGrpSpPr>
+        <p:grpSpPr>
+          <a:xfrm>
+            <a:off x="146977" y="1354702"/>
+            <a:ext cx="4538039" cy="996746"/>
+            <a:chOff x="138413" y="1263946"/>
+            <a:chExt cx="6104396" cy="996746"/>
+          </a:xfrm>
+        </p:grpSpPr>
+        <p:sp>
+          <p:nvSpPr>
+            <p:cNvPr id="15" name="Rectangle: Rounded Corners 14">
+              <a:extLst>
+                <a:ext uri="{FF2B5EF4-FFF2-40B4-BE49-F238E27FC236}">
+                  <a16:creationId xmlns:a16="http://schemas.microsoft.com/office/drawing/2014/main" id="{293F5BCC-12E2-41C7-8EC2-6A2EF9D62275}"/>
+                </a:ext>
+              </a:extLst>
+            </p:cNvPr>
+            <p:cNvSpPr/>
+            <p:nvPr/>
+          </p:nvSpPr>
+          <p:spPr>
+            <a:xfrm>
+              <a:off x="139557" y="1263946"/>
+              <a:ext cx="6103252" cy="931249"/>
+            </a:xfrm>
+            <a:prstGeom prst="roundRect">
+              <a:avLst>
+                <a:gd name="adj" fmla="val 10000"/>
+              </a:avLst>
+            </a:prstGeom>
+          </p:spPr>
+          <p:style>
+            <a:lnRef idx="0">
+              <a:schemeClr val="dk1">
+                <a:hueOff val="0"/>
+                <a:satOff val="0"/>
+                <a:lumOff val="0"/>
+                <a:alphaOff val="0"/>
+              </a:schemeClr>
+            </a:lnRef>
+            <a:fillRef idx="1">
+              <a:schemeClr val="bg1">
+                <a:lumMod val="95000"/>
+                <a:hueOff val="0"/>
+                <a:satOff val="0"/>
+                <a:lumOff val="0"/>
+                <a:alphaOff val="0"/>
+              </a:schemeClr>
+            </a:fillRef>
+            <a:effectRef idx="0">
+              <a:schemeClr val="bg1">
+                <a:lumMod val="95000"/>
+                <a:hueOff val="0"/>
+                <a:satOff val="0"/>
+                <a:lumOff val="0"/>
+                <a:alphaOff val="0"/>
+              </a:schemeClr>
+            </a:effectRef>
+            <a:fontRef idx="minor">
+              <a:schemeClr val="dk1">
+                <a:hueOff val="0"/>
+                <a:satOff val="0"/>
+                <a:lumOff val="0"/>
+                <a:alphaOff val="0"/>
+              </a:schemeClr>
+            </a:fontRef>
+          </p:style>
+        </p:sp>
+        <p:sp>
+          <p:nvSpPr>
+            <p:cNvPr id="16" name="TextBox 2">
+              <a:extLst>
+                <a:ext uri="{FF2B5EF4-FFF2-40B4-BE49-F238E27FC236}">
+                  <a16:creationId xmlns:a16="http://schemas.microsoft.com/office/drawing/2014/main" id="{2124C73A-B39B-47BF-A6BC-B4AC375CF0CE}"/>
+                </a:ext>
+              </a:extLst>
+            </p:cNvPr>
+            <p:cNvSpPr txBox="1"/>
+            <p:nvPr/>
+          </p:nvSpPr>
+          <p:spPr>
+            <a:xfrm>
+              <a:off x="138413" y="1535546"/>
+              <a:ext cx="5922195" cy="725146"/>
+            </a:xfrm>
+            <a:prstGeom prst="rect">
+              <a:avLst/>
+            </a:prstGeom>
+          </p:spPr>
+          <p:txBody>
+            <a:bodyPr vert="horz" lIns="91440" tIns="45720" rIns="91440" bIns="45720" rtlCol="0">
+              <a:noAutofit/>
+            </a:bodyPr>
+            <a:lstStyle/>
+            <a:p>
+              <a:pPr marL="57150" algn="just">
+                <a:spcAft>
+                  <a:spcPts val="600"/>
+                </a:spcAft>
+              </a:pPr>
+              <a:r>
+                <a:rPr lang="en-US" sz="2000" dirty="0">
+                  <a:solidFill>
+                    <a:srgbClr val="000000"/>
+                  </a:solidFill>
+                  <a:latin typeface="Arial" panose="020B0604020202020204" pitchFamily="34" charset="0"/>
+                  <a:cs typeface="Arial" panose="020B0604020202020204" pitchFamily="34" charset="0"/>
+                </a:rPr>
+                <a:t>Random Forest Model</a:t>
+              </a:r>
+            </a:p>
+          </p:txBody>
+        </p:sp>
+      </p:grpSp>
+      <p:grpSp>
+        <p:nvGrpSpPr>
+          <p:cNvPr id="17" name="Group 16">
+            <a:extLst>
+              <a:ext uri="{FF2B5EF4-FFF2-40B4-BE49-F238E27FC236}">
+                <a16:creationId xmlns:a16="http://schemas.microsoft.com/office/drawing/2014/main" id="{A3A9049A-29E6-497C-9471-5FA64C1D1789}"/>
+              </a:ext>
+            </a:extLst>
+          </p:cNvPr>
+          <p:cNvGrpSpPr/>
+          <p:nvPr/>
+        </p:nvGrpSpPr>
+        <p:grpSpPr>
+          <a:xfrm>
+            <a:off x="147717" y="2400299"/>
+            <a:ext cx="4537299" cy="1176923"/>
+            <a:chOff x="190935" y="2490951"/>
+            <a:chExt cx="6103252" cy="931249"/>
+          </a:xfrm>
+        </p:grpSpPr>
+        <p:sp>
+          <p:nvSpPr>
+            <p:cNvPr id="18" name="Rectangle: Rounded Corners 17">
+              <a:extLst>
+                <a:ext uri="{FF2B5EF4-FFF2-40B4-BE49-F238E27FC236}">
+                  <a16:creationId xmlns:a16="http://schemas.microsoft.com/office/drawing/2014/main" id="{C62B7517-08DE-4098-8B7B-15A1D0C3AE3F}"/>
+                </a:ext>
+              </a:extLst>
+            </p:cNvPr>
+            <p:cNvSpPr/>
+            <p:nvPr/>
+          </p:nvSpPr>
+          <p:spPr>
+            <a:xfrm>
+              <a:off x="190935" y="2490951"/>
+              <a:ext cx="6103252" cy="931249"/>
+            </a:xfrm>
+            <a:prstGeom prst="roundRect">
+              <a:avLst>
+                <a:gd name="adj" fmla="val 10000"/>
+              </a:avLst>
+            </a:prstGeom>
+          </p:spPr>
+          <p:style>
+            <a:lnRef idx="0">
+              <a:schemeClr val="dk1">
+                <a:hueOff val="0"/>
+                <a:satOff val="0"/>
+                <a:lumOff val="0"/>
+                <a:alphaOff val="0"/>
+              </a:schemeClr>
+            </a:lnRef>
+            <a:fillRef idx="1">
+              <a:schemeClr val="bg1">
+                <a:lumMod val="95000"/>
+                <a:hueOff val="0"/>
+                <a:satOff val="0"/>
+                <a:lumOff val="0"/>
+                <a:alphaOff val="0"/>
+              </a:schemeClr>
+            </a:fillRef>
+            <a:effectRef idx="0">
+              <a:schemeClr val="bg1">
+                <a:lumMod val="95000"/>
+                <a:hueOff val="0"/>
+                <a:satOff val="0"/>
+                <a:lumOff val="0"/>
+                <a:alphaOff val="0"/>
+              </a:schemeClr>
+            </a:effectRef>
+            <a:fontRef idx="minor">
+              <a:schemeClr val="dk1">
+                <a:hueOff val="0"/>
+                <a:satOff val="0"/>
+                <a:lumOff val="0"/>
+                <a:alphaOff val="0"/>
+              </a:schemeClr>
+            </a:fontRef>
+          </p:style>
+        </p:sp>
+        <p:sp>
+          <p:nvSpPr>
+            <p:cNvPr id="19" name="TextBox 2">
+              <a:extLst>
+                <a:ext uri="{FF2B5EF4-FFF2-40B4-BE49-F238E27FC236}">
+                  <a16:creationId xmlns:a16="http://schemas.microsoft.com/office/drawing/2014/main" id="{F9A27536-D67A-49EE-8A3B-001B214DA9FC}"/>
+                </a:ext>
+              </a:extLst>
+            </p:cNvPr>
+            <p:cNvSpPr txBox="1"/>
+            <p:nvPr/>
+          </p:nvSpPr>
+          <p:spPr>
+            <a:xfrm>
+              <a:off x="202356" y="2664055"/>
+              <a:ext cx="6064089" cy="742151"/>
+            </a:xfrm>
+            <a:prstGeom prst="rect">
+              <a:avLst/>
+            </a:prstGeom>
+          </p:spPr>
+          <p:txBody>
+            <a:bodyPr vert="horz" lIns="91440" tIns="45720" rIns="91440" bIns="45720" rtlCol="0">
+              <a:noAutofit/>
+            </a:bodyPr>
+            <a:lstStyle/>
+            <a:p>
+              <a:pPr marL="57150" algn="just">
+                <a:spcAft>
+                  <a:spcPts val="600"/>
+                </a:spcAft>
+              </a:pPr>
+              <a:r>
+                <a:rPr lang="en-US" sz="2000" dirty="0">
+                  <a:solidFill>
+                    <a:srgbClr val="000000"/>
+                  </a:solidFill>
+                  <a:latin typeface="Arial" panose="020B0604020202020204" pitchFamily="34" charset="0"/>
+                  <a:cs typeface="Arial" panose="020B0604020202020204" pitchFamily="34" charset="0"/>
+                </a:rPr>
+                <a:t>Micro average AUC: 0.86</a:t>
+              </a:r>
+            </a:p>
+            <a:p>
+              <a:pPr marL="57150" algn="just">
+                <a:spcAft>
+                  <a:spcPts val="600"/>
+                </a:spcAft>
+              </a:pPr>
+              <a:r>
+                <a:rPr lang="en-US" sz="2000" dirty="0">
+                  <a:solidFill>
+                    <a:srgbClr val="000000"/>
+                  </a:solidFill>
+                  <a:latin typeface="Arial" panose="020B0604020202020204" pitchFamily="34" charset="0"/>
+                  <a:cs typeface="Arial" panose="020B0604020202020204" pitchFamily="34" charset="0"/>
+                </a:rPr>
+                <a:t>Macro average AUC: 0.70</a:t>
+              </a:r>
+            </a:p>
+          </p:txBody>
+        </p:sp>
+      </p:grpSp>
+      <p:pic>
+        <p:nvPicPr>
+          <p:cNvPr id="4" name="Picture 3">
+            <a:extLst>
+              <a:ext uri="{FF2B5EF4-FFF2-40B4-BE49-F238E27FC236}">
+                <a16:creationId xmlns:a16="http://schemas.microsoft.com/office/drawing/2014/main" id="{E7FF0EEE-41A5-4E5D-AEBC-F6481A532C4F}"/>
+              </a:ext>
+            </a:extLst>
+          </p:cNvPr>
+          <p:cNvPicPr>
+            <a:picLocks noChangeAspect="1"/>
+          </p:cNvPicPr>
+          <p:nvPr/>
+        </p:nvPicPr>
+        <p:blipFill>
+          <a:blip r:embed="rId2"/>
+          <a:stretch>
+            <a:fillRect/>
+          </a:stretch>
+        </p:blipFill>
+        <p:spPr>
+          <a:xfrm>
+            <a:off x="5050443" y="1354702"/>
+            <a:ext cx="6941364" cy="4552938"/>
+          </a:xfrm>
+          <a:prstGeom prst="rect">
+            <a:avLst/>
+          </a:prstGeom>
+        </p:spPr>
+      </p:pic>
+    </p:spTree>
+    <p:extLst>
+      <p:ext uri="{BB962C8B-B14F-4D97-AF65-F5344CB8AC3E}">
+        <p14:creationId xmlns:p14="http://schemas.microsoft.com/office/powerpoint/2010/main" val="1890007356"/>
+      </p:ext>
+    </p:extLst>
+  </p:cSld>
+  <p:clrMapOvr>
+    <a:masterClrMapping/>
+  </p:clrMapOvr>
+</p:sld>
+</file>
+
+<file path=ppt/slides/slide21.xml><?xml version="1.0" encoding="utf-8"?>
+<p:sld xmlns:a="http://schemas.openxmlformats.org/drawingml/2006/main" xmlns:r="http://schemas.openxmlformats.org/officeDocument/2006/relationships" xmlns:p="http://schemas.openxmlformats.org/presentationml/2006/main">
+  <p:cSld>
+    <p:spTree>
+      <p:nvGrpSpPr>
+        <p:cNvPr id="1" name=""/>
+        <p:cNvGrpSpPr/>
+        <p:nvPr/>
+      </p:nvGrpSpPr>
+      <p:grpSpPr>
+        <a:xfrm>
+          <a:off x="0" y="0"/>
+          <a:ext cx="0" cy="0"/>
+          <a:chOff x="0" y="0"/>
+          <a:chExt cx="0" cy="0"/>
+        </a:xfrm>
+      </p:grpSpPr>
+      <p:sp>
+        <p:nvSpPr>
+          <p:cNvPr id="2" name="Title 1">
+            <a:extLst>
+              <a:ext uri="{FF2B5EF4-FFF2-40B4-BE49-F238E27FC236}">
+                <a16:creationId xmlns:a16="http://schemas.microsoft.com/office/drawing/2014/main" id="{EF7C3218-2D68-40C7-8110-E2DA541F854D}"/>
+              </a:ext>
+            </a:extLst>
+          </p:cNvPr>
+          <p:cNvSpPr>
+            <a:spLocks noGrp="1"/>
+          </p:cNvSpPr>
+          <p:nvPr>
+            <p:ph type="title"/>
+          </p:nvPr>
+        </p:nvSpPr>
+        <p:spPr>
+          <a:xfrm>
+            <a:off x="838200" y="365125"/>
+            <a:ext cx="10515600" cy="915035"/>
+          </a:xfrm>
+        </p:spPr>
+        <p:txBody>
+          <a:bodyPr vert="horz" lIns="91440" tIns="45720" rIns="91440" bIns="45720" rtlCol="0" anchor="ctr">
+            <a:normAutofit/>
+          </a:bodyPr>
+          <a:lstStyle/>
+          <a:p>
+            <a:r>
+              <a:rPr lang="en-US" sz="3600" kern="1200" dirty="0">
+                <a:solidFill>
+                  <a:schemeClr val="tx1"/>
+                </a:solidFill>
+                <a:latin typeface="Arial" panose="020B0604020202020204" pitchFamily="34" charset="0"/>
+                <a:cs typeface="Arial" panose="020B0604020202020204" pitchFamily="34" charset="0"/>
+              </a:rPr>
+              <a:t>Predictive Model – ROC Curves (all boroughs) </a:t>
+            </a:r>
+          </a:p>
+        </p:txBody>
+      </p:sp>
+      <p:sp>
+        <p:nvSpPr>
+          <p:cNvPr id="7" name="Rectangle 6">
+            <a:extLst>
+              <a:ext uri="{FF2B5EF4-FFF2-40B4-BE49-F238E27FC236}">
+                <a16:creationId xmlns:a16="http://schemas.microsoft.com/office/drawing/2014/main" id="{82CDA091-6CDA-43BE-AE75-D14271FB5D22}"/>
+              </a:ext>
+            </a:extLst>
+          </p:cNvPr>
+          <p:cNvSpPr/>
+          <p:nvPr/>
+        </p:nvSpPr>
+        <p:spPr>
+          <a:xfrm>
+            <a:off x="139557" y="1280160"/>
+            <a:ext cx="5027658" cy="931249"/>
+          </a:xfrm>
+          <a:prstGeom prst="rect">
+            <a:avLst/>
+          </a:prstGeom>
+        </p:spPr>
+        <p:style>
+          <a:lnRef idx="0">
+            <a:schemeClr val="dk1">
+              <a:alpha val="0"/>
+              <a:hueOff val="0"/>
+              <a:satOff val="0"/>
+              <a:lumOff val="0"/>
+              <a:alphaOff val="0"/>
+            </a:schemeClr>
+          </a:lnRef>
+          <a:fillRef idx="0">
+            <a:schemeClr val="lt1">
+              <a:alpha val="0"/>
+              <a:hueOff val="0"/>
+              <a:satOff val="0"/>
+              <a:lumOff val="0"/>
+              <a:alphaOff val="0"/>
+            </a:schemeClr>
+          </a:fillRef>
+          <a:effectRef idx="0">
+            <a:schemeClr val="lt1">
+              <a:alpha val="0"/>
+              <a:hueOff val="0"/>
+              <a:satOff val="0"/>
+              <a:lumOff val="0"/>
+              <a:alphaOff val="0"/>
+            </a:schemeClr>
+          </a:effectRef>
+          <a:fontRef idx="minor">
+            <a:schemeClr val="tx1">
+              <a:hueOff val="0"/>
+              <a:satOff val="0"/>
+              <a:lumOff val="0"/>
+              <a:alphaOff val="0"/>
+            </a:schemeClr>
+          </a:fontRef>
+        </p:style>
+      </p:sp>
+      <p:sp>
+        <p:nvSpPr>
+          <p:cNvPr id="5" name="Slide Number Placeholder 4">
+            <a:extLst>
+              <a:ext uri="{FF2B5EF4-FFF2-40B4-BE49-F238E27FC236}">
+                <a16:creationId xmlns:a16="http://schemas.microsoft.com/office/drawing/2014/main" id="{E71DCEF4-A448-40AA-96FC-2B196D39A0F3}"/>
+              </a:ext>
+            </a:extLst>
+          </p:cNvPr>
+          <p:cNvSpPr>
+            <a:spLocks noGrp="1"/>
+          </p:cNvSpPr>
+          <p:nvPr>
+            <p:ph type="sldNum" sz="quarter" idx="12"/>
+          </p:nvPr>
+        </p:nvSpPr>
+        <p:spPr/>
+        <p:txBody>
+          <a:bodyPr/>
+          <a:lstStyle/>
+          <a:p>
+            <a:fld id="{04DEA881-13CA-4008-9A1E-5E7B05E15075}" type="slidenum">
+              <a:rPr lang="en-US" smtClean="0"/>
+              <a:t>21</a:t>
+            </a:fld>
+            <a:endParaRPr lang="en-US"/>
+          </a:p>
+        </p:txBody>
+      </p:sp>
+      <p:grpSp>
+        <p:nvGrpSpPr>
+          <p:cNvPr id="17" name="Group 16">
+            <a:extLst>
+              <a:ext uri="{FF2B5EF4-FFF2-40B4-BE49-F238E27FC236}">
+                <a16:creationId xmlns:a16="http://schemas.microsoft.com/office/drawing/2014/main" id="{A3A9049A-29E6-497C-9471-5FA64C1D1789}"/>
+              </a:ext>
+            </a:extLst>
+          </p:cNvPr>
+          <p:cNvGrpSpPr/>
+          <p:nvPr/>
+        </p:nvGrpSpPr>
+        <p:grpSpPr>
+          <a:xfrm>
+            <a:off x="146977" y="2421365"/>
+            <a:ext cx="4537189" cy="1176923"/>
+            <a:chOff x="190195" y="2490951"/>
+            <a:chExt cx="6103992" cy="931249"/>
+          </a:xfrm>
+        </p:grpSpPr>
+        <p:sp>
+          <p:nvSpPr>
+            <p:cNvPr id="18" name="Rectangle: Rounded Corners 17">
+              <a:extLst>
+                <a:ext uri="{FF2B5EF4-FFF2-40B4-BE49-F238E27FC236}">
+                  <a16:creationId xmlns:a16="http://schemas.microsoft.com/office/drawing/2014/main" id="{C62B7517-08DE-4098-8B7B-15A1D0C3AE3F}"/>
+                </a:ext>
+              </a:extLst>
+            </p:cNvPr>
+            <p:cNvSpPr/>
+            <p:nvPr/>
+          </p:nvSpPr>
+          <p:spPr>
+            <a:xfrm>
+              <a:off x="190935" y="2490951"/>
+              <a:ext cx="6103252" cy="931249"/>
+            </a:xfrm>
+            <a:prstGeom prst="roundRect">
+              <a:avLst>
+                <a:gd name="adj" fmla="val 10000"/>
+              </a:avLst>
+            </a:prstGeom>
+          </p:spPr>
+          <p:style>
+            <a:lnRef idx="0">
+              <a:schemeClr val="dk1">
+                <a:hueOff val="0"/>
+                <a:satOff val="0"/>
+                <a:lumOff val="0"/>
+                <a:alphaOff val="0"/>
+              </a:schemeClr>
+            </a:lnRef>
+            <a:fillRef idx="1">
+              <a:schemeClr val="bg1">
+                <a:lumMod val="95000"/>
+                <a:hueOff val="0"/>
+                <a:satOff val="0"/>
+                <a:lumOff val="0"/>
+                <a:alphaOff val="0"/>
+              </a:schemeClr>
+            </a:fillRef>
+            <a:effectRef idx="0">
+              <a:schemeClr val="bg1">
+                <a:lumMod val="95000"/>
+                <a:hueOff val="0"/>
+                <a:satOff val="0"/>
+                <a:lumOff val="0"/>
+                <a:alphaOff val="0"/>
+              </a:schemeClr>
+            </a:effectRef>
+            <a:fontRef idx="minor">
+              <a:schemeClr val="dk1">
+                <a:hueOff val="0"/>
+                <a:satOff val="0"/>
+                <a:lumOff val="0"/>
+                <a:alphaOff val="0"/>
+              </a:schemeClr>
+            </a:fontRef>
+          </p:style>
+        </p:sp>
+        <p:sp>
+          <p:nvSpPr>
+            <p:cNvPr id="19" name="TextBox 2">
+              <a:extLst>
+                <a:ext uri="{FF2B5EF4-FFF2-40B4-BE49-F238E27FC236}">
+                  <a16:creationId xmlns:a16="http://schemas.microsoft.com/office/drawing/2014/main" id="{F9A27536-D67A-49EE-8A3B-001B214DA9FC}"/>
+                </a:ext>
+              </a:extLst>
+            </p:cNvPr>
+            <p:cNvSpPr txBox="1"/>
+            <p:nvPr/>
+          </p:nvSpPr>
+          <p:spPr>
+            <a:xfrm>
+              <a:off x="190195" y="2662481"/>
+              <a:ext cx="6064090" cy="742151"/>
+            </a:xfrm>
+            <a:prstGeom prst="rect">
+              <a:avLst/>
+            </a:prstGeom>
+          </p:spPr>
+          <p:txBody>
+            <a:bodyPr vert="horz" lIns="91440" tIns="45720" rIns="91440" bIns="45720" rtlCol="0">
+              <a:noAutofit/>
+            </a:bodyPr>
+            <a:lstStyle/>
+            <a:p>
+              <a:pPr marL="57150" algn="just">
+                <a:spcAft>
+                  <a:spcPts val="600"/>
+                </a:spcAft>
+              </a:pPr>
+              <a:r>
+                <a:rPr lang="en-US" sz="2000" dirty="0">
+                  <a:solidFill>
+                    <a:srgbClr val="000000"/>
+                  </a:solidFill>
+                  <a:latin typeface="Arial" panose="020B0604020202020204" pitchFamily="34" charset="0"/>
+                  <a:cs typeface="Arial" panose="020B0604020202020204" pitchFamily="34" charset="0"/>
+                </a:rPr>
+                <a:t>Micro average AUC: 0.77</a:t>
+              </a:r>
+            </a:p>
+            <a:p>
+              <a:pPr marL="57150" algn="just">
+                <a:spcAft>
+                  <a:spcPts val="600"/>
+                </a:spcAft>
+              </a:pPr>
+              <a:r>
+                <a:rPr lang="en-US" sz="2000" dirty="0">
+                  <a:solidFill>
+                    <a:srgbClr val="000000"/>
+                  </a:solidFill>
+                  <a:latin typeface="Arial" panose="020B0604020202020204" pitchFamily="34" charset="0"/>
+                  <a:cs typeface="Arial" panose="020B0604020202020204" pitchFamily="34" charset="0"/>
+                </a:rPr>
+                <a:t>Macro average AUC: 0.70</a:t>
+              </a:r>
+            </a:p>
+          </p:txBody>
+        </p:sp>
+      </p:grpSp>
+      <p:grpSp>
+        <p:nvGrpSpPr>
+          <p:cNvPr id="20" name="Group 19">
+            <a:extLst>
+              <a:ext uri="{FF2B5EF4-FFF2-40B4-BE49-F238E27FC236}">
+                <a16:creationId xmlns:a16="http://schemas.microsoft.com/office/drawing/2014/main" id="{CFAA794E-D17B-4B4B-B684-FAA9266D5D91}"/>
+              </a:ext>
+            </a:extLst>
+          </p:cNvPr>
+          <p:cNvGrpSpPr/>
+          <p:nvPr/>
+        </p:nvGrpSpPr>
+        <p:grpSpPr>
+          <a:xfrm>
+            <a:off x="146977" y="1354702"/>
+            <a:ext cx="4538039" cy="996746"/>
+            <a:chOff x="138413" y="1263946"/>
+            <a:chExt cx="6104396" cy="996746"/>
+          </a:xfrm>
+        </p:grpSpPr>
+        <p:sp>
+          <p:nvSpPr>
+            <p:cNvPr id="21" name="Rectangle: Rounded Corners 20">
+              <a:extLst>
+                <a:ext uri="{FF2B5EF4-FFF2-40B4-BE49-F238E27FC236}">
+                  <a16:creationId xmlns:a16="http://schemas.microsoft.com/office/drawing/2014/main" id="{C58DCD85-C0F3-40AA-A257-E00712BF15E9}"/>
+                </a:ext>
+              </a:extLst>
+            </p:cNvPr>
+            <p:cNvSpPr/>
+            <p:nvPr/>
+          </p:nvSpPr>
+          <p:spPr>
+            <a:xfrm>
+              <a:off x="139557" y="1263946"/>
+              <a:ext cx="6103252" cy="931249"/>
+            </a:xfrm>
+            <a:prstGeom prst="roundRect">
+              <a:avLst>
+                <a:gd name="adj" fmla="val 10000"/>
+              </a:avLst>
+            </a:prstGeom>
+          </p:spPr>
+          <p:style>
+            <a:lnRef idx="0">
+              <a:schemeClr val="dk1">
+                <a:hueOff val="0"/>
+                <a:satOff val="0"/>
+                <a:lumOff val="0"/>
+                <a:alphaOff val="0"/>
+              </a:schemeClr>
+            </a:lnRef>
+            <a:fillRef idx="1">
+              <a:schemeClr val="bg1">
+                <a:lumMod val="95000"/>
+                <a:hueOff val="0"/>
+                <a:satOff val="0"/>
+                <a:lumOff val="0"/>
+                <a:alphaOff val="0"/>
+              </a:schemeClr>
+            </a:fillRef>
+            <a:effectRef idx="0">
+              <a:schemeClr val="bg1">
+                <a:lumMod val="95000"/>
+                <a:hueOff val="0"/>
+                <a:satOff val="0"/>
+                <a:lumOff val="0"/>
+                <a:alphaOff val="0"/>
+              </a:schemeClr>
+            </a:effectRef>
+            <a:fontRef idx="minor">
+              <a:schemeClr val="dk1">
+                <a:hueOff val="0"/>
+                <a:satOff val="0"/>
+                <a:lumOff val="0"/>
+                <a:alphaOff val="0"/>
+              </a:schemeClr>
+            </a:fontRef>
+          </p:style>
+        </p:sp>
+        <p:sp>
+          <p:nvSpPr>
+            <p:cNvPr id="22" name="TextBox 2">
+              <a:extLst>
+                <a:ext uri="{FF2B5EF4-FFF2-40B4-BE49-F238E27FC236}">
+                  <a16:creationId xmlns:a16="http://schemas.microsoft.com/office/drawing/2014/main" id="{C1383C43-7CD4-4690-9C50-7029564D2D72}"/>
+                </a:ext>
+              </a:extLst>
+            </p:cNvPr>
+            <p:cNvSpPr txBox="1"/>
+            <p:nvPr/>
+          </p:nvSpPr>
+          <p:spPr>
+            <a:xfrm>
+              <a:off x="138413" y="1535546"/>
+              <a:ext cx="5922195" cy="725146"/>
+            </a:xfrm>
+            <a:prstGeom prst="rect">
+              <a:avLst/>
+            </a:prstGeom>
+          </p:spPr>
+          <p:txBody>
+            <a:bodyPr vert="horz" lIns="91440" tIns="45720" rIns="91440" bIns="45720" rtlCol="0">
+              <a:noAutofit/>
+            </a:bodyPr>
+            <a:lstStyle/>
+            <a:p>
+              <a:pPr marL="57150" algn="just">
+                <a:spcAft>
+                  <a:spcPts val="600"/>
+                </a:spcAft>
+              </a:pPr>
+              <a:r>
+                <a:rPr lang="en-US" sz="2000" dirty="0">
+                  <a:solidFill>
+                    <a:srgbClr val="000000"/>
+                  </a:solidFill>
+                  <a:latin typeface="Arial" panose="020B0604020202020204" pitchFamily="34" charset="0"/>
+                  <a:cs typeface="Arial" panose="020B0604020202020204" pitchFamily="34" charset="0"/>
+                </a:rPr>
+                <a:t>Random Forest Model</a:t>
+              </a:r>
+            </a:p>
+          </p:txBody>
+        </p:sp>
+      </p:grpSp>
+      <p:pic>
+        <p:nvPicPr>
+          <p:cNvPr id="3" name="Picture 2">
+            <a:extLst>
+              <a:ext uri="{FF2B5EF4-FFF2-40B4-BE49-F238E27FC236}">
+                <a16:creationId xmlns:a16="http://schemas.microsoft.com/office/drawing/2014/main" id="{C8696135-AED8-4447-8A3E-7315B758BB6F}"/>
+              </a:ext>
+            </a:extLst>
+          </p:cNvPr>
+          <p:cNvPicPr>
+            <a:picLocks noChangeAspect="1"/>
+          </p:cNvPicPr>
+          <p:nvPr/>
+        </p:nvPicPr>
+        <p:blipFill>
+          <a:blip r:embed="rId2"/>
+          <a:stretch>
+            <a:fillRect/>
+          </a:stretch>
+        </p:blipFill>
+        <p:spPr>
+          <a:xfrm>
+            <a:off x="4843676" y="1354702"/>
+            <a:ext cx="7146563" cy="4563213"/>
+          </a:xfrm>
+          <a:prstGeom prst="rect">
+            <a:avLst/>
+          </a:prstGeom>
+        </p:spPr>
+      </p:pic>
+    </p:spTree>
+    <p:extLst>
+      <p:ext uri="{BB962C8B-B14F-4D97-AF65-F5344CB8AC3E}">
+        <p14:creationId xmlns:p14="http://schemas.microsoft.com/office/powerpoint/2010/main" val="103641365"/>
+      </p:ext>
+    </p:extLst>
+  </p:cSld>
+  <p:clrMapOvr>
+    <a:masterClrMapping/>
+  </p:clrMapOvr>
+</p:sld>
+</file>
+
+<file path=ppt/slides/slide22.xml><?xml version="1.0" encoding="utf-8"?>
+<p:sld xmlns:a="http://schemas.openxmlformats.org/drawingml/2006/main" xmlns:r="http://schemas.openxmlformats.org/officeDocument/2006/relationships" xmlns:p="http://schemas.openxmlformats.org/presentationml/2006/main">
+  <p:cSld>
+    <p:spTree>
+      <p:nvGrpSpPr>
+        <p:cNvPr id="1" name=""/>
+        <p:cNvGrpSpPr/>
+        <p:nvPr/>
+      </p:nvGrpSpPr>
+      <p:grpSpPr>
+        <a:xfrm>
+          <a:off x="0" y="0"/>
+          <a:ext cx="0" cy="0"/>
+          <a:chOff x="0" y="0"/>
+          <a:chExt cx="0" cy="0"/>
+        </a:xfrm>
+      </p:grpSpPr>
+      <p:sp>
+        <p:nvSpPr>
+          <p:cNvPr id="2" name="Title 1">
+            <a:extLst>
+              <a:ext uri="{FF2B5EF4-FFF2-40B4-BE49-F238E27FC236}">
+                <a16:creationId xmlns:a16="http://schemas.microsoft.com/office/drawing/2014/main" id="{EF7C3218-2D68-40C7-8110-E2DA541F854D}"/>
+              </a:ext>
+            </a:extLst>
+          </p:cNvPr>
+          <p:cNvSpPr>
+            <a:spLocks noGrp="1"/>
+          </p:cNvSpPr>
+          <p:nvPr>
+            <p:ph type="title"/>
+          </p:nvPr>
+        </p:nvSpPr>
+        <p:spPr>
+          <a:xfrm>
+            <a:off x="838200" y="365125"/>
+            <a:ext cx="10515600" cy="915035"/>
+          </a:xfrm>
+        </p:spPr>
+        <p:txBody>
+          <a:bodyPr vert="horz" lIns="91440" tIns="45720" rIns="91440" bIns="45720" rtlCol="0" anchor="ctr">
+            <a:normAutofit/>
+          </a:bodyPr>
+          <a:lstStyle/>
+          <a:p>
+            <a:r>
+              <a:rPr lang="en-US" sz="3600" dirty="0">
+                <a:latin typeface="Arial" panose="020B0604020202020204" pitchFamily="34" charset="0"/>
+                <a:cs typeface="Arial" panose="020B0604020202020204" pitchFamily="34" charset="0"/>
+              </a:rPr>
+              <a:t>M</a:t>
+            </a:r>
+            <a:r>
+              <a:rPr lang="en-US" sz="3600" kern="1200" dirty="0">
+                <a:solidFill>
+                  <a:schemeClr val="tx1"/>
+                </a:solidFill>
+                <a:latin typeface="Arial" panose="020B0604020202020204" pitchFamily="34" charset="0"/>
+                <a:cs typeface="Arial" panose="020B0604020202020204" pitchFamily="34" charset="0"/>
+              </a:rPr>
+              <a:t>odel Results – Summary</a:t>
+            </a:r>
+          </a:p>
+        </p:txBody>
+      </p:sp>
+      <p:sp>
+        <p:nvSpPr>
+          <p:cNvPr id="7" name="Rectangle 6">
+            <a:extLst>
+              <a:ext uri="{FF2B5EF4-FFF2-40B4-BE49-F238E27FC236}">
+                <a16:creationId xmlns:a16="http://schemas.microsoft.com/office/drawing/2014/main" id="{82CDA091-6CDA-43BE-AE75-D14271FB5D22}"/>
+              </a:ext>
+            </a:extLst>
+          </p:cNvPr>
+          <p:cNvSpPr/>
+          <p:nvPr/>
+        </p:nvSpPr>
+        <p:spPr>
+          <a:xfrm>
+            <a:off x="161469" y="1296374"/>
+            <a:ext cx="9735291" cy="931249"/>
+          </a:xfrm>
+          <a:prstGeom prst="rect">
+            <a:avLst/>
+          </a:prstGeom>
+        </p:spPr>
+        <p:style>
+          <a:lnRef idx="0">
+            <a:schemeClr val="dk1">
+              <a:alpha val="0"/>
+              <a:hueOff val="0"/>
+              <a:satOff val="0"/>
+              <a:lumOff val="0"/>
+              <a:alphaOff val="0"/>
+            </a:schemeClr>
+          </a:lnRef>
+          <a:fillRef idx="0">
+            <a:schemeClr val="lt1">
+              <a:alpha val="0"/>
+              <a:hueOff val="0"/>
+              <a:satOff val="0"/>
+              <a:lumOff val="0"/>
+              <a:alphaOff val="0"/>
+            </a:schemeClr>
+          </a:fillRef>
+          <a:effectRef idx="0">
+            <a:schemeClr val="lt1">
+              <a:alpha val="0"/>
+              <a:hueOff val="0"/>
+              <a:satOff val="0"/>
+              <a:lumOff val="0"/>
+              <a:alphaOff val="0"/>
+            </a:schemeClr>
+          </a:effectRef>
+          <a:fontRef idx="minor">
+            <a:schemeClr val="tx1">
+              <a:hueOff val="0"/>
+              <a:satOff val="0"/>
+              <a:lumOff val="0"/>
+              <a:alphaOff val="0"/>
+            </a:schemeClr>
+          </a:fontRef>
+        </p:style>
+      </p:sp>
+      <p:grpSp>
+        <p:nvGrpSpPr>
+          <p:cNvPr id="3" name="Group 2">
+            <a:extLst>
+              <a:ext uri="{FF2B5EF4-FFF2-40B4-BE49-F238E27FC236}">
+                <a16:creationId xmlns:a16="http://schemas.microsoft.com/office/drawing/2014/main" id="{09012F28-0475-47DA-8E97-0DC960FBB1EF}"/>
+              </a:ext>
+            </a:extLst>
+          </p:cNvPr>
+          <p:cNvGrpSpPr/>
+          <p:nvPr/>
+        </p:nvGrpSpPr>
+        <p:grpSpPr>
+          <a:xfrm>
+            <a:off x="161469" y="1280160"/>
+            <a:ext cx="11835403" cy="4274512"/>
+            <a:chOff x="161469" y="1280160"/>
+            <a:chExt cx="11835403" cy="4274512"/>
+          </a:xfrm>
+        </p:grpSpPr>
+        <p:sp>
+          <p:nvSpPr>
+            <p:cNvPr id="10" name="Rectangle: Rounded Corners 9">
+              <a:extLst>
+                <a:ext uri="{FF2B5EF4-FFF2-40B4-BE49-F238E27FC236}">
+                  <a16:creationId xmlns:a16="http://schemas.microsoft.com/office/drawing/2014/main" id="{E9CF898C-5B3D-4252-976F-1941757580D0}"/>
+                </a:ext>
+              </a:extLst>
+            </p:cNvPr>
+            <p:cNvSpPr/>
+            <p:nvPr/>
+          </p:nvSpPr>
+          <p:spPr>
+            <a:xfrm>
+              <a:off x="161469" y="1280160"/>
+              <a:ext cx="11818015" cy="931249"/>
+            </a:xfrm>
+            <a:prstGeom prst="roundRect">
+              <a:avLst>
+                <a:gd name="adj" fmla="val 10000"/>
+              </a:avLst>
+            </a:prstGeom>
+          </p:spPr>
+          <p:style>
+            <a:lnRef idx="0">
+              <a:schemeClr val="dk1">
+                <a:hueOff val="0"/>
+                <a:satOff val="0"/>
+                <a:lumOff val="0"/>
+                <a:alphaOff val="0"/>
+              </a:schemeClr>
+            </a:lnRef>
+            <a:fillRef idx="1">
+              <a:schemeClr val="bg1">
+                <a:lumMod val="95000"/>
+                <a:hueOff val="0"/>
+                <a:satOff val="0"/>
+                <a:lumOff val="0"/>
+                <a:alphaOff val="0"/>
+              </a:schemeClr>
+            </a:fillRef>
+            <a:effectRef idx="0">
+              <a:schemeClr val="bg1">
+                <a:lumMod val="95000"/>
+                <a:hueOff val="0"/>
+                <a:satOff val="0"/>
+                <a:lumOff val="0"/>
+                <a:alphaOff val="0"/>
+              </a:schemeClr>
+            </a:effectRef>
+            <a:fontRef idx="minor">
+              <a:schemeClr val="dk1">
+                <a:hueOff val="0"/>
+                <a:satOff val="0"/>
+                <a:lumOff val="0"/>
+                <a:alphaOff val="0"/>
+              </a:schemeClr>
+            </a:fontRef>
+          </p:style>
+        </p:sp>
+        <p:sp>
+          <p:nvSpPr>
+            <p:cNvPr id="11" name="TextBox 2">
+              <a:extLst>
+                <a:ext uri="{FF2B5EF4-FFF2-40B4-BE49-F238E27FC236}">
+                  <a16:creationId xmlns:a16="http://schemas.microsoft.com/office/drawing/2014/main" id="{33D2F10D-52C4-4A45-9DC9-2989BF3FB243}"/>
+                </a:ext>
+              </a:extLst>
+            </p:cNvPr>
+            <p:cNvSpPr txBox="1"/>
+            <p:nvPr/>
+          </p:nvSpPr>
+          <p:spPr>
+            <a:xfrm>
+              <a:off x="171104" y="1502801"/>
+              <a:ext cx="11708625" cy="725146"/>
+            </a:xfrm>
+            <a:prstGeom prst="rect">
+              <a:avLst/>
+            </a:prstGeom>
+          </p:spPr>
+          <p:txBody>
+            <a:bodyPr vert="horz" lIns="91440" tIns="45720" rIns="91440" bIns="45720" rtlCol="0">
+              <a:noAutofit/>
+            </a:bodyPr>
+            <a:lstStyle/>
+            <a:p>
+              <a:pPr marL="57150" algn="just">
+                <a:spcAft>
+                  <a:spcPts val="600"/>
+                </a:spcAft>
+              </a:pPr>
+              <a:r>
+                <a:rPr lang="en-US" sz="2000" dirty="0">
+                  <a:latin typeface="Arial" panose="020B0604020202020204" pitchFamily="34" charset="0"/>
+                  <a:cs typeface="Arial" panose="020B0604020202020204" pitchFamily="34" charset="0"/>
+                </a:rPr>
+                <a:t>With the chosen sampler and features, Random Forest performs better then K-Nearest Neighbors</a:t>
+              </a:r>
+            </a:p>
+          </p:txBody>
+        </p:sp>
+        <p:sp>
+          <p:nvSpPr>
+            <p:cNvPr id="12" name="Rectangle: Rounded Corners 11">
+              <a:extLst>
+                <a:ext uri="{FF2B5EF4-FFF2-40B4-BE49-F238E27FC236}">
+                  <a16:creationId xmlns:a16="http://schemas.microsoft.com/office/drawing/2014/main" id="{8B5F2B2A-D60A-4D71-97A7-76364B5F7777}"/>
+                </a:ext>
+              </a:extLst>
+            </p:cNvPr>
+            <p:cNvSpPr/>
+            <p:nvPr/>
+          </p:nvSpPr>
+          <p:spPr>
+            <a:xfrm>
+              <a:off x="161469" y="2382732"/>
+              <a:ext cx="11818015" cy="931249"/>
+            </a:xfrm>
+            <a:prstGeom prst="roundRect">
+              <a:avLst>
+                <a:gd name="adj" fmla="val 10000"/>
+              </a:avLst>
+            </a:prstGeom>
+          </p:spPr>
+          <p:style>
+            <a:lnRef idx="0">
+              <a:schemeClr val="dk1">
+                <a:hueOff val="0"/>
+                <a:satOff val="0"/>
+                <a:lumOff val="0"/>
+                <a:alphaOff val="0"/>
+              </a:schemeClr>
+            </a:lnRef>
+            <a:fillRef idx="1">
+              <a:schemeClr val="bg1">
+                <a:lumMod val="95000"/>
+                <a:hueOff val="0"/>
+                <a:satOff val="0"/>
+                <a:lumOff val="0"/>
+                <a:alphaOff val="0"/>
+              </a:schemeClr>
+            </a:fillRef>
+            <a:effectRef idx="0">
+              <a:schemeClr val="bg1">
+                <a:lumMod val="95000"/>
+                <a:hueOff val="0"/>
+                <a:satOff val="0"/>
+                <a:lumOff val="0"/>
+                <a:alphaOff val="0"/>
+              </a:schemeClr>
+            </a:effectRef>
+            <a:fontRef idx="minor">
+              <a:schemeClr val="dk1">
+                <a:hueOff val="0"/>
+                <a:satOff val="0"/>
+                <a:lumOff val="0"/>
+                <a:alphaOff val="0"/>
+              </a:schemeClr>
+            </a:fontRef>
+          </p:style>
+        </p:sp>
+        <p:sp>
+          <p:nvSpPr>
+            <p:cNvPr id="13" name="TextBox 2">
+              <a:extLst>
+                <a:ext uri="{FF2B5EF4-FFF2-40B4-BE49-F238E27FC236}">
+                  <a16:creationId xmlns:a16="http://schemas.microsoft.com/office/drawing/2014/main" id="{469FE03D-F203-4433-98E8-9B70E036FD92}"/>
+                </a:ext>
+              </a:extLst>
+            </p:cNvPr>
+            <p:cNvSpPr txBox="1"/>
+            <p:nvPr/>
+          </p:nvSpPr>
+          <p:spPr>
+            <a:xfrm>
+              <a:off x="177413" y="2631021"/>
+              <a:ext cx="11749689" cy="670121"/>
+            </a:xfrm>
+            <a:prstGeom prst="rect">
+              <a:avLst/>
+            </a:prstGeom>
+          </p:spPr>
+          <p:txBody>
+            <a:bodyPr vert="horz" lIns="91440" tIns="45720" rIns="91440" bIns="45720" rtlCol="0">
+              <a:noAutofit/>
+            </a:bodyPr>
+            <a:lstStyle/>
+            <a:p>
+              <a:pPr marL="57150" algn="just">
+                <a:spcAft>
+                  <a:spcPts val="600"/>
+                </a:spcAft>
+              </a:pPr>
+              <a:r>
+                <a:rPr lang="en-US" sz="2000" dirty="0">
+                  <a:latin typeface="Arial" panose="020B0604020202020204" pitchFamily="34" charset="0"/>
+                  <a:cs typeface="Arial" panose="020B0604020202020204" pitchFamily="34" charset="0"/>
+                </a:rPr>
+                <a:t>The model can’t predict the minority classes with high precision, recall is also low</a:t>
+              </a:r>
+            </a:p>
+          </p:txBody>
+        </p:sp>
+        <p:sp>
+          <p:nvSpPr>
+            <p:cNvPr id="14" name="Rectangle: Rounded Corners 13">
+              <a:extLst>
+                <a:ext uri="{FF2B5EF4-FFF2-40B4-BE49-F238E27FC236}">
+                  <a16:creationId xmlns:a16="http://schemas.microsoft.com/office/drawing/2014/main" id="{38C296CB-F8F3-4A41-BDF6-1EA738AA151F}"/>
+                </a:ext>
+              </a:extLst>
+            </p:cNvPr>
+            <p:cNvSpPr/>
+            <p:nvPr/>
+          </p:nvSpPr>
+          <p:spPr>
+            <a:xfrm>
+              <a:off x="179210" y="3515558"/>
+              <a:ext cx="11817662" cy="931249"/>
+            </a:xfrm>
+            <a:prstGeom prst="roundRect">
+              <a:avLst>
+                <a:gd name="adj" fmla="val 10000"/>
+              </a:avLst>
+            </a:prstGeom>
+          </p:spPr>
+          <p:style>
+            <a:lnRef idx="0">
+              <a:schemeClr val="dk1">
+                <a:hueOff val="0"/>
+                <a:satOff val="0"/>
+                <a:lumOff val="0"/>
+                <a:alphaOff val="0"/>
+              </a:schemeClr>
+            </a:lnRef>
+            <a:fillRef idx="1">
+              <a:schemeClr val="bg1">
+                <a:lumMod val="95000"/>
+                <a:hueOff val="0"/>
+                <a:satOff val="0"/>
+                <a:lumOff val="0"/>
+                <a:alphaOff val="0"/>
+              </a:schemeClr>
+            </a:fillRef>
+            <a:effectRef idx="0">
+              <a:schemeClr val="bg1">
+                <a:lumMod val="95000"/>
+                <a:hueOff val="0"/>
+                <a:satOff val="0"/>
+                <a:lumOff val="0"/>
+                <a:alphaOff val="0"/>
+              </a:schemeClr>
+            </a:effectRef>
+            <a:fontRef idx="minor">
+              <a:schemeClr val="dk1">
+                <a:hueOff val="0"/>
+                <a:satOff val="0"/>
+                <a:lumOff val="0"/>
+                <a:alphaOff val="0"/>
+              </a:schemeClr>
+            </a:fontRef>
+          </p:style>
+        </p:sp>
+        <p:sp>
+          <p:nvSpPr>
+            <p:cNvPr id="15" name="TextBox 2">
+              <a:extLst>
+                <a:ext uri="{FF2B5EF4-FFF2-40B4-BE49-F238E27FC236}">
+                  <a16:creationId xmlns:a16="http://schemas.microsoft.com/office/drawing/2014/main" id="{C1EA40F9-3014-466B-B371-C5CA9D0B1028}"/>
+                </a:ext>
+              </a:extLst>
+            </p:cNvPr>
+            <p:cNvSpPr txBox="1"/>
+            <p:nvPr/>
+          </p:nvSpPr>
+          <p:spPr>
+            <a:xfrm>
+              <a:off x="174579" y="3646251"/>
+              <a:ext cx="11749689" cy="670121"/>
+            </a:xfrm>
+            <a:prstGeom prst="rect">
+              <a:avLst/>
+            </a:prstGeom>
+          </p:spPr>
+          <p:txBody>
+            <a:bodyPr vert="horz" lIns="91440" tIns="45720" rIns="91440" bIns="45720" rtlCol="0">
+              <a:noAutofit/>
+            </a:bodyPr>
+            <a:lstStyle/>
+            <a:p>
+              <a:pPr marL="57150" algn="just">
+                <a:spcAft>
+                  <a:spcPts val="600"/>
+                </a:spcAft>
+              </a:pPr>
+              <a:r>
+                <a:rPr lang="en-US" sz="2000" dirty="0">
+                  <a:latin typeface="Arial" panose="020B0604020202020204" pitchFamily="34" charset="0"/>
+                  <a:cs typeface="Arial" panose="020B0604020202020204" pitchFamily="34" charset="0"/>
+                </a:rPr>
+                <a:t>The best recall case for the “fair” health class is 0.53 in Staten Island and 0.44 in Brooklyn for the “poor” health class</a:t>
+              </a:r>
+            </a:p>
+          </p:txBody>
+        </p:sp>
+        <p:sp>
+          <p:nvSpPr>
+            <p:cNvPr id="20" name="Rectangle: Rounded Corners 19">
+              <a:extLst>
+                <a:ext uri="{FF2B5EF4-FFF2-40B4-BE49-F238E27FC236}">
+                  <a16:creationId xmlns:a16="http://schemas.microsoft.com/office/drawing/2014/main" id="{B43D0ACE-0E24-49AB-9DF8-67479527D078}"/>
+                </a:ext>
+              </a:extLst>
+            </p:cNvPr>
+            <p:cNvSpPr/>
+            <p:nvPr/>
+          </p:nvSpPr>
+          <p:spPr>
+            <a:xfrm>
+              <a:off x="171104" y="4623423"/>
+              <a:ext cx="11825768" cy="931249"/>
+            </a:xfrm>
+            <a:prstGeom prst="roundRect">
+              <a:avLst>
+                <a:gd name="adj" fmla="val 10000"/>
+              </a:avLst>
+            </a:prstGeom>
+          </p:spPr>
+          <p:style>
+            <a:lnRef idx="0">
+              <a:schemeClr val="dk1">
+                <a:hueOff val="0"/>
+                <a:satOff val="0"/>
+                <a:lumOff val="0"/>
+                <a:alphaOff val="0"/>
+              </a:schemeClr>
+            </a:lnRef>
+            <a:fillRef idx="1">
+              <a:schemeClr val="bg1">
+                <a:lumMod val="95000"/>
+                <a:hueOff val="0"/>
+                <a:satOff val="0"/>
+                <a:lumOff val="0"/>
+                <a:alphaOff val="0"/>
+              </a:schemeClr>
+            </a:fillRef>
+            <a:effectRef idx="0">
+              <a:schemeClr val="bg1">
+                <a:lumMod val="95000"/>
+                <a:hueOff val="0"/>
+                <a:satOff val="0"/>
+                <a:lumOff val="0"/>
+                <a:alphaOff val="0"/>
+              </a:schemeClr>
+            </a:effectRef>
+            <a:fontRef idx="minor">
+              <a:schemeClr val="dk1">
+                <a:hueOff val="0"/>
+                <a:satOff val="0"/>
+                <a:lumOff val="0"/>
+                <a:alphaOff val="0"/>
+              </a:schemeClr>
+            </a:fontRef>
+          </p:style>
+        </p:sp>
+        <p:sp>
+          <p:nvSpPr>
+            <p:cNvPr id="21" name="TextBox 2">
+              <a:extLst>
+                <a:ext uri="{FF2B5EF4-FFF2-40B4-BE49-F238E27FC236}">
+                  <a16:creationId xmlns:a16="http://schemas.microsoft.com/office/drawing/2014/main" id="{5737C041-6F10-40D2-A8F2-F36F24B3692C}"/>
+                </a:ext>
+              </a:extLst>
+            </p:cNvPr>
+            <p:cNvSpPr txBox="1"/>
+            <p:nvPr/>
+          </p:nvSpPr>
+          <p:spPr>
+            <a:xfrm>
+              <a:off x="180929" y="4846613"/>
+              <a:ext cx="11565236" cy="670121"/>
+            </a:xfrm>
+            <a:prstGeom prst="rect">
+              <a:avLst/>
+            </a:prstGeom>
+          </p:spPr>
+          <p:txBody>
+            <a:bodyPr vert="horz" lIns="91440" tIns="45720" rIns="91440" bIns="45720" rtlCol="0">
+              <a:noAutofit/>
+            </a:bodyPr>
+            <a:lstStyle/>
+            <a:p>
+              <a:pPr marL="57150" algn="just">
+                <a:spcAft>
+                  <a:spcPts val="600"/>
+                </a:spcAft>
+              </a:pPr>
+              <a:r>
+                <a:rPr lang="en-US" sz="2000" dirty="0">
+                  <a:latin typeface="Arial" panose="020B0604020202020204" pitchFamily="34" charset="0"/>
+                  <a:cs typeface="Arial" panose="020B0604020202020204" pitchFamily="34" charset="0"/>
+                </a:rPr>
+                <a:t>Precision is below 0.3 for the minority classes, above 0.8 for the majority class</a:t>
+              </a:r>
+            </a:p>
+          </p:txBody>
+        </p:sp>
+      </p:grpSp>
+      <p:sp>
+        <p:nvSpPr>
+          <p:cNvPr id="4" name="Slide Number Placeholder 3">
+            <a:extLst>
+              <a:ext uri="{FF2B5EF4-FFF2-40B4-BE49-F238E27FC236}">
+                <a16:creationId xmlns:a16="http://schemas.microsoft.com/office/drawing/2014/main" id="{14CE28B2-DD5D-4EB4-A2B8-30DBAA394A00}"/>
+              </a:ext>
+            </a:extLst>
+          </p:cNvPr>
+          <p:cNvSpPr>
+            <a:spLocks noGrp="1"/>
+          </p:cNvSpPr>
+          <p:nvPr>
+            <p:ph type="sldNum" sz="quarter" idx="12"/>
+          </p:nvPr>
+        </p:nvSpPr>
+        <p:spPr/>
+        <p:txBody>
+          <a:bodyPr/>
+          <a:lstStyle/>
+          <a:p>
+            <a:fld id="{04DEA881-13CA-4008-9A1E-5E7B05E15075}" type="slidenum">
+              <a:rPr lang="en-US" smtClean="0"/>
+              <a:t>22</a:t>
+            </a:fld>
+            <a:endParaRPr lang="en-US"/>
+          </a:p>
+        </p:txBody>
+      </p:sp>
+    </p:spTree>
+    <p:extLst>
+      <p:ext uri="{BB962C8B-B14F-4D97-AF65-F5344CB8AC3E}">
+        <p14:creationId xmlns:p14="http://schemas.microsoft.com/office/powerpoint/2010/main" val="2252276512"/>
+      </p:ext>
+    </p:extLst>
+  </p:cSld>
+  <p:clrMapOvr>
+    <a:masterClrMapping/>
+  </p:clrMapOvr>
+</p:sld>
+</file>
+
+<file path=ppt/slides/slide23.xml><?xml version="1.0" encoding="utf-8"?>
+<p:sld xmlns:a="http://schemas.openxmlformats.org/drawingml/2006/main" xmlns:r="http://schemas.openxmlformats.org/officeDocument/2006/relationships" xmlns:p="http://schemas.openxmlformats.org/presentationml/2006/main">
+  <p:cSld>
+    <p:spTree>
+      <p:nvGrpSpPr>
+        <p:cNvPr id="1" name=""/>
+        <p:cNvGrpSpPr/>
+        <p:nvPr/>
+      </p:nvGrpSpPr>
+      <p:grpSpPr>
+        <a:xfrm>
+          <a:off x="0" y="0"/>
+          <a:ext cx="0" cy="0"/>
+          <a:chOff x="0" y="0"/>
+          <a:chExt cx="0" cy="0"/>
+        </a:xfrm>
+      </p:grpSpPr>
+      <p:sp>
+        <p:nvSpPr>
+          <p:cNvPr id="2" name="Title 1">
+            <a:extLst>
+              <a:ext uri="{FF2B5EF4-FFF2-40B4-BE49-F238E27FC236}">
+                <a16:creationId xmlns:a16="http://schemas.microsoft.com/office/drawing/2014/main" id="{EF7C3218-2D68-40C7-8110-E2DA541F854D}"/>
+              </a:ext>
+            </a:extLst>
+          </p:cNvPr>
+          <p:cNvSpPr>
+            <a:spLocks noGrp="1"/>
+          </p:cNvSpPr>
+          <p:nvPr>
+            <p:ph type="title"/>
+          </p:nvPr>
+        </p:nvSpPr>
+        <p:spPr>
+          <a:xfrm>
+            <a:off x="838200" y="365125"/>
+            <a:ext cx="10515600" cy="915035"/>
+          </a:xfrm>
+        </p:spPr>
+        <p:txBody>
+          <a:bodyPr vert="horz" lIns="91440" tIns="45720" rIns="91440" bIns="45720" rtlCol="0" anchor="ctr">
+            <a:normAutofit/>
+          </a:bodyPr>
+          <a:lstStyle/>
+          <a:p>
+            <a:r>
+              <a:rPr lang="en-US" sz="3600" dirty="0">
+                <a:latin typeface="Arial" panose="020B0604020202020204" pitchFamily="34" charset="0"/>
+                <a:cs typeface="Arial" panose="020B0604020202020204" pitchFamily="34" charset="0"/>
+              </a:rPr>
+              <a:t>Open Questions</a:t>
+            </a:r>
+            <a:endParaRPr lang="en-US" sz="3600" kern="1200" dirty="0">
+              <a:solidFill>
+                <a:schemeClr val="tx1"/>
+              </a:solidFill>
+              <a:latin typeface="Arial" panose="020B0604020202020204" pitchFamily="34" charset="0"/>
+              <a:cs typeface="Arial" panose="020B0604020202020204" pitchFamily="34" charset="0"/>
+            </a:endParaRPr>
+          </a:p>
+        </p:txBody>
+      </p:sp>
+      <p:grpSp>
+        <p:nvGrpSpPr>
+          <p:cNvPr id="3" name="Group 2">
+            <a:extLst>
+              <a:ext uri="{FF2B5EF4-FFF2-40B4-BE49-F238E27FC236}">
+                <a16:creationId xmlns:a16="http://schemas.microsoft.com/office/drawing/2014/main" id="{A5FD636C-B228-4B35-B9D7-5E3EAA0825C8}"/>
+              </a:ext>
+            </a:extLst>
+          </p:cNvPr>
+          <p:cNvGrpSpPr/>
+          <p:nvPr/>
+        </p:nvGrpSpPr>
+        <p:grpSpPr>
+          <a:xfrm>
+            <a:off x="160848" y="1280160"/>
+            <a:ext cx="11829584" cy="4281466"/>
+            <a:chOff x="3036551" y="1263946"/>
+            <a:chExt cx="6103572" cy="4281466"/>
           </a:xfrm>
         </p:grpSpPr>
         <p:sp>
@@ -16033,716 +21078,7 @@
           </p:nvSpPr>
           <p:spPr>
             <a:xfrm>
-              <a:off x="3129338" y="1381917"/>
-              <a:ext cx="6046759" cy="725146"/>
-            </a:xfrm>
-            <a:prstGeom prst="rect">
-              <a:avLst/>
-            </a:prstGeom>
-          </p:spPr>
-          <p:txBody>
-            <a:bodyPr vert="horz" lIns="91440" tIns="45720" rIns="91440" bIns="45720" rtlCol="0">
-              <a:noAutofit/>
-            </a:bodyPr>
-            <a:lstStyle/>
-            <a:p>
-              <a:pPr marL="57150">
-                <a:spcAft>
-                  <a:spcPts val="600"/>
-                </a:spcAft>
-              </a:pPr>
-              <a:r>
-                <a:rPr lang="en-US" dirty="0">
-                  <a:latin typeface="Arial" panose="020B0604020202020204" pitchFamily="34" charset="0"/>
-                  <a:cs typeface="Arial" panose="020B0604020202020204" pitchFamily="34" charset="0"/>
-                </a:rPr>
-                <a:t>Random Forest and K-Nearest Neighbors are considered</a:t>
-              </a:r>
-            </a:p>
-          </p:txBody>
-        </p:sp>
-        <p:sp>
-          <p:nvSpPr>
-            <p:cNvPr id="12" name="Rectangle: Rounded Corners 11">
-              <a:extLst>
-                <a:ext uri="{FF2B5EF4-FFF2-40B4-BE49-F238E27FC236}">
-                  <a16:creationId xmlns:a16="http://schemas.microsoft.com/office/drawing/2014/main" id="{8B5F2B2A-D60A-4D71-97A7-76364B5F7777}"/>
-                </a:ext>
-              </a:extLst>
-            </p:cNvPr>
-            <p:cNvSpPr/>
-            <p:nvPr/>
-          </p:nvSpPr>
-          <p:spPr>
-            <a:xfrm>
-              <a:off x="3047153" y="2367663"/>
-              <a:ext cx="6103252" cy="931249"/>
-            </a:xfrm>
-            <a:prstGeom prst="roundRect">
-              <a:avLst>
-                <a:gd name="adj" fmla="val 10000"/>
-              </a:avLst>
-            </a:prstGeom>
-          </p:spPr>
-          <p:style>
-            <a:lnRef idx="0">
-              <a:schemeClr val="dk1">
-                <a:hueOff val="0"/>
-                <a:satOff val="0"/>
-                <a:lumOff val="0"/>
-                <a:alphaOff val="0"/>
-              </a:schemeClr>
-            </a:lnRef>
-            <a:fillRef idx="1">
-              <a:schemeClr val="bg1">
-                <a:lumMod val="95000"/>
-                <a:hueOff val="0"/>
-                <a:satOff val="0"/>
-                <a:lumOff val="0"/>
-                <a:alphaOff val="0"/>
-              </a:schemeClr>
-            </a:fillRef>
-            <a:effectRef idx="0">
-              <a:schemeClr val="bg1">
-                <a:lumMod val="95000"/>
-                <a:hueOff val="0"/>
-                <a:satOff val="0"/>
-                <a:lumOff val="0"/>
-                <a:alphaOff val="0"/>
-              </a:schemeClr>
-            </a:effectRef>
-            <a:fontRef idx="minor">
-              <a:schemeClr val="dk1">
-                <a:hueOff val="0"/>
-                <a:satOff val="0"/>
-                <a:lumOff val="0"/>
-                <a:alphaOff val="0"/>
-              </a:schemeClr>
-            </a:fontRef>
-          </p:style>
-        </p:sp>
-        <p:sp>
-          <p:nvSpPr>
-            <p:cNvPr id="13" name="TextBox 2">
-              <a:extLst>
-                <a:ext uri="{FF2B5EF4-FFF2-40B4-BE49-F238E27FC236}">
-                  <a16:creationId xmlns:a16="http://schemas.microsoft.com/office/drawing/2014/main" id="{469FE03D-F203-4433-98E8-9B70E036FD92}"/>
-                </a:ext>
-              </a:extLst>
-            </p:cNvPr>
-            <p:cNvSpPr txBox="1"/>
-            <p:nvPr/>
-          </p:nvSpPr>
-          <p:spPr>
-            <a:xfrm>
-              <a:off x="3088242" y="2532418"/>
-              <a:ext cx="6067966" cy="670121"/>
-            </a:xfrm>
-            <a:prstGeom prst="rect">
-              <a:avLst/>
-            </a:prstGeom>
-          </p:spPr>
-          <p:txBody>
-            <a:bodyPr vert="horz" lIns="91440" tIns="45720" rIns="91440" bIns="45720" rtlCol="0">
-              <a:noAutofit/>
-            </a:bodyPr>
-            <a:lstStyle/>
-            <a:p>
-              <a:pPr marL="57150">
-                <a:lnSpc>
-                  <a:spcPct val="150000"/>
-                </a:lnSpc>
-                <a:spcAft>
-                  <a:spcPts val="600"/>
-                </a:spcAft>
-              </a:pPr>
-              <a:r>
-                <a:rPr lang="en-US" dirty="0">
-                  <a:latin typeface="Arial" panose="020B0604020202020204" pitchFamily="34" charset="0"/>
-                  <a:cs typeface="Arial" panose="020B0604020202020204" pitchFamily="34" charset="0"/>
-                </a:rPr>
-                <a:t>The variable to predict is the tree health (fair, good, poor)</a:t>
-              </a:r>
-            </a:p>
-          </p:txBody>
-        </p:sp>
-        <p:sp>
-          <p:nvSpPr>
-            <p:cNvPr id="14" name="Rectangle: Rounded Corners 13">
-              <a:extLst>
-                <a:ext uri="{FF2B5EF4-FFF2-40B4-BE49-F238E27FC236}">
-                  <a16:creationId xmlns:a16="http://schemas.microsoft.com/office/drawing/2014/main" id="{38C296CB-F8F3-4A41-BDF6-1EA738AA151F}"/>
-                </a:ext>
-              </a:extLst>
-            </p:cNvPr>
-            <p:cNvSpPr/>
-            <p:nvPr/>
-          </p:nvSpPr>
-          <p:spPr>
-            <a:xfrm>
-              <a:off x="3055717" y="3496104"/>
-              <a:ext cx="6103252" cy="931249"/>
-            </a:xfrm>
-            <a:prstGeom prst="roundRect">
-              <a:avLst>
-                <a:gd name="adj" fmla="val 10000"/>
-              </a:avLst>
-            </a:prstGeom>
-          </p:spPr>
-          <p:style>
-            <a:lnRef idx="0">
-              <a:schemeClr val="dk1">
-                <a:hueOff val="0"/>
-                <a:satOff val="0"/>
-                <a:lumOff val="0"/>
-                <a:alphaOff val="0"/>
-              </a:schemeClr>
-            </a:lnRef>
-            <a:fillRef idx="1">
-              <a:schemeClr val="bg1">
-                <a:lumMod val="95000"/>
-                <a:hueOff val="0"/>
-                <a:satOff val="0"/>
-                <a:lumOff val="0"/>
-                <a:alphaOff val="0"/>
-              </a:schemeClr>
-            </a:fillRef>
-            <a:effectRef idx="0">
-              <a:schemeClr val="bg1">
-                <a:lumMod val="95000"/>
-                <a:hueOff val="0"/>
-                <a:satOff val="0"/>
-                <a:lumOff val="0"/>
-                <a:alphaOff val="0"/>
-              </a:schemeClr>
-            </a:effectRef>
-            <a:fontRef idx="minor">
-              <a:schemeClr val="dk1">
-                <a:hueOff val="0"/>
-                <a:satOff val="0"/>
-                <a:lumOff val="0"/>
-                <a:alphaOff val="0"/>
-              </a:schemeClr>
-            </a:fontRef>
-          </p:style>
-        </p:sp>
-        <p:sp>
-          <p:nvSpPr>
-            <p:cNvPr id="15" name="TextBox 2">
-              <a:extLst>
-                <a:ext uri="{FF2B5EF4-FFF2-40B4-BE49-F238E27FC236}">
-                  <a16:creationId xmlns:a16="http://schemas.microsoft.com/office/drawing/2014/main" id="{C1EA40F9-3014-466B-B371-C5CA9D0B1028}"/>
-                </a:ext>
-              </a:extLst>
-            </p:cNvPr>
-            <p:cNvSpPr txBox="1"/>
-            <p:nvPr/>
-          </p:nvSpPr>
-          <p:spPr>
-            <a:xfrm>
-              <a:off x="3096806" y="3660859"/>
-              <a:ext cx="6067966" cy="670121"/>
-            </a:xfrm>
-            <a:prstGeom prst="rect">
-              <a:avLst/>
-            </a:prstGeom>
-          </p:spPr>
-          <p:txBody>
-            <a:bodyPr vert="horz" lIns="91440" tIns="45720" rIns="91440" bIns="45720" rtlCol="0">
-              <a:noAutofit/>
-            </a:bodyPr>
-            <a:lstStyle/>
-            <a:p>
-              <a:pPr marL="57150">
-                <a:lnSpc>
-                  <a:spcPct val="150000"/>
-                </a:lnSpc>
-                <a:spcAft>
-                  <a:spcPts val="600"/>
-                </a:spcAft>
-              </a:pPr>
-              <a:r>
-                <a:rPr lang="en-US" dirty="0">
-                  <a:latin typeface="Arial" panose="020B0604020202020204" pitchFamily="34" charset="0"/>
-                  <a:cs typeface="Arial" panose="020B0604020202020204" pitchFamily="34" charset="0"/>
-                </a:rPr>
-                <a:t>The predictors are the diameter and the “problems”</a:t>
-              </a:r>
-            </a:p>
-          </p:txBody>
-        </p:sp>
-        <p:sp>
-          <p:nvSpPr>
-            <p:cNvPr id="20" name="Rectangle: Rounded Corners 19">
-              <a:extLst>
-                <a:ext uri="{FF2B5EF4-FFF2-40B4-BE49-F238E27FC236}">
-                  <a16:creationId xmlns:a16="http://schemas.microsoft.com/office/drawing/2014/main" id="{B43D0ACE-0E24-49AB-9DF8-67479527D078}"/>
-                </a:ext>
-              </a:extLst>
-            </p:cNvPr>
-            <p:cNvSpPr/>
-            <p:nvPr/>
-          </p:nvSpPr>
-          <p:spPr>
-            <a:xfrm>
-              <a:off x="3074555" y="4593726"/>
-              <a:ext cx="6103252" cy="931249"/>
-            </a:xfrm>
-            <a:prstGeom prst="roundRect">
-              <a:avLst>
-                <a:gd name="adj" fmla="val 10000"/>
-              </a:avLst>
-            </a:prstGeom>
-          </p:spPr>
-          <p:style>
-            <a:lnRef idx="0">
-              <a:schemeClr val="dk1">
-                <a:hueOff val="0"/>
-                <a:satOff val="0"/>
-                <a:lumOff val="0"/>
-                <a:alphaOff val="0"/>
-              </a:schemeClr>
-            </a:lnRef>
-            <a:fillRef idx="1">
-              <a:schemeClr val="bg1">
-                <a:lumMod val="95000"/>
-                <a:hueOff val="0"/>
-                <a:satOff val="0"/>
-                <a:lumOff val="0"/>
-                <a:alphaOff val="0"/>
-              </a:schemeClr>
-            </a:fillRef>
-            <a:effectRef idx="0">
-              <a:schemeClr val="bg1">
-                <a:lumMod val="95000"/>
-                <a:hueOff val="0"/>
-                <a:satOff val="0"/>
-                <a:lumOff val="0"/>
-                <a:alphaOff val="0"/>
-              </a:schemeClr>
-            </a:effectRef>
-            <a:fontRef idx="minor">
-              <a:schemeClr val="dk1">
-                <a:hueOff val="0"/>
-                <a:satOff val="0"/>
-                <a:lumOff val="0"/>
-                <a:alphaOff val="0"/>
-              </a:schemeClr>
-            </a:fontRef>
-          </p:style>
-        </p:sp>
-        <p:sp>
-          <p:nvSpPr>
-            <p:cNvPr id="21" name="TextBox 2">
-              <a:extLst>
-                <a:ext uri="{FF2B5EF4-FFF2-40B4-BE49-F238E27FC236}">
-                  <a16:creationId xmlns:a16="http://schemas.microsoft.com/office/drawing/2014/main" id="{5737C041-6F10-40D2-A8F2-F36F24B3692C}"/>
-                </a:ext>
-              </a:extLst>
-            </p:cNvPr>
-            <p:cNvSpPr txBox="1"/>
-            <p:nvPr/>
-          </p:nvSpPr>
-          <p:spPr>
-            <a:xfrm>
-              <a:off x="3115644" y="4758481"/>
-              <a:ext cx="6067966" cy="670121"/>
-            </a:xfrm>
-            <a:prstGeom prst="rect">
-              <a:avLst/>
-            </a:prstGeom>
-          </p:spPr>
-          <p:txBody>
-            <a:bodyPr vert="horz" lIns="91440" tIns="45720" rIns="91440" bIns="45720" rtlCol="0">
-              <a:noAutofit/>
-            </a:bodyPr>
-            <a:lstStyle/>
-            <a:p>
-              <a:pPr marL="57150">
-                <a:lnSpc>
-                  <a:spcPct val="150000"/>
-                </a:lnSpc>
-                <a:spcAft>
-                  <a:spcPts val="600"/>
-                </a:spcAft>
-              </a:pPr>
-              <a:r>
-                <a:rPr lang="en-US" dirty="0">
-                  <a:latin typeface="Arial" panose="020B0604020202020204" pitchFamily="34" charset="0"/>
-                  <a:cs typeface="Arial" panose="020B0604020202020204" pitchFamily="34" charset="0"/>
-                </a:rPr>
-                <a:t>The used metrics are precision, recall and f1 score</a:t>
-              </a:r>
-            </a:p>
-          </p:txBody>
-        </p:sp>
-        <p:sp>
-          <p:nvSpPr>
-            <p:cNvPr id="22" name="Rectangle: Rounded Corners 21">
-              <a:extLst>
-                <a:ext uri="{FF2B5EF4-FFF2-40B4-BE49-F238E27FC236}">
-                  <a16:creationId xmlns:a16="http://schemas.microsoft.com/office/drawing/2014/main" id="{9F937C63-86BB-44AB-9B4C-8D5F9E335A49}"/>
-                </a:ext>
-              </a:extLst>
-            </p:cNvPr>
-            <p:cNvSpPr/>
-            <p:nvPr/>
-          </p:nvSpPr>
-          <p:spPr>
-            <a:xfrm>
-              <a:off x="3072845" y="5681072"/>
-              <a:ext cx="6103252" cy="931249"/>
-            </a:xfrm>
-            <a:prstGeom prst="roundRect">
-              <a:avLst>
-                <a:gd name="adj" fmla="val 10000"/>
-              </a:avLst>
-            </a:prstGeom>
-          </p:spPr>
-          <p:style>
-            <a:lnRef idx="0">
-              <a:schemeClr val="dk1">
-                <a:hueOff val="0"/>
-                <a:satOff val="0"/>
-                <a:lumOff val="0"/>
-                <a:alphaOff val="0"/>
-              </a:schemeClr>
-            </a:lnRef>
-            <a:fillRef idx="1">
-              <a:schemeClr val="bg1">
-                <a:lumMod val="95000"/>
-                <a:hueOff val="0"/>
-                <a:satOff val="0"/>
-                <a:lumOff val="0"/>
-                <a:alphaOff val="0"/>
-              </a:schemeClr>
-            </a:fillRef>
-            <a:effectRef idx="0">
-              <a:schemeClr val="bg1">
-                <a:lumMod val="95000"/>
-                <a:hueOff val="0"/>
-                <a:satOff val="0"/>
-                <a:lumOff val="0"/>
-                <a:alphaOff val="0"/>
-              </a:schemeClr>
-            </a:effectRef>
-            <a:fontRef idx="minor">
-              <a:schemeClr val="dk1">
-                <a:hueOff val="0"/>
-                <a:satOff val="0"/>
-                <a:lumOff val="0"/>
-                <a:alphaOff val="0"/>
-              </a:schemeClr>
-            </a:fontRef>
-          </p:style>
-        </p:sp>
-        <p:sp>
-          <p:nvSpPr>
-            <p:cNvPr id="23" name="TextBox 2">
-              <a:extLst>
-                <a:ext uri="{FF2B5EF4-FFF2-40B4-BE49-F238E27FC236}">
-                  <a16:creationId xmlns:a16="http://schemas.microsoft.com/office/drawing/2014/main" id="{AC47C5FD-A156-4F18-91C6-203787282E34}"/>
-                </a:ext>
-              </a:extLst>
-            </p:cNvPr>
-            <p:cNvSpPr txBox="1"/>
-            <p:nvPr/>
-          </p:nvSpPr>
-          <p:spPr>
-            <a:xfrm>
-              <a:off x="3113934" y="5845827"/>
-              <a:ext cx="6067966" cy="670121"/>
-            </a:xfrm>
-            <a:prstGeom prst="rect">
-              <a:avLst/>
-            </a:prstGeom>
-          </p:spPr>
-          <p:txBody>
-            <a:bodyPr vert="horz" lIns="91440" tIns="45720" rIns="91440" bIns="45720" rtlCol="0">
-              <a:noAutofit/>
-            </a:bodyPr>
-            <a:lstStyle/>
-            <a:p>
-              <a:pPr marL="57150">
-                <a:lnSpc>
-                  <a:spcPct val="150000"/>
-                </a:lnSpc>
-                <a:spcAft>
-                  <a:spcPts val="600"/>
-                </a:spcAft>
-              </a:pPr>
-              <a:r>
-                <a:rPr lang="en-US" dirty="0">
-                  <a:latin typeface="Arial" panose="020B0604020202020204" pitchFamily="34" charset="0"/>
-                  <a:cs typeface="Arial" panose="020B0604020202020204" pitchFamily="34" charset="0"/>
-                </a:rPr>
-                <a:t>Different classifiers for the different boroughs</a:t>
-              </a:r>
-            </a:p>
-          </p:txBody>
-        </p:sp>
-      </p:grpSp>
-      <p:sp>
-        <p:nvSpPr>
-          <p:cNvPr id="4" name="Slide Number Placeholder 3">
-            <a:extLst>
-              <a:ext uri="{FF2B5EF4-FFF2-40B4-BE49-F238E27FC236}">
-                <a16:creationId xmlns:a16="http://schemas.microsoft.com/office/drawing/2014/main" id="{F2CEA79D-B437-458E-823E-6D937DA3CBDD}"/>
-              </a:ext>
-            </a:extLst>
-          </p:cNvPr>
-          <p:cNvSpPr>
-            <a:spLocks noGrp="1"/>
-          </p:cNvSpPr>
-          <p:nvPr>
-            <p:ph type="sldNum" sz="quarter" idx="12"/>
-          </p:nvPr>
-        </p:nvSpPr>
-        <p:spPr/>
-        <p:txBody>
-          <a:bodyPr/>
-          <a:lstStyle/>
-          <a:p>
-            <a:fld id="{04DEA881-13CA-4008-9A1E-5E7B05E15075}" type="slidenum">
-              <a:rPr lang="en-US" smtClean="0"/>
-              <a:t>14</a:t>
-            </a:fld>
-            <a:endParaRPr lang="en-US"/>
-          </a:p>
-        </p:txBody>
-      </p:sp>
-    </p:spTree>
-    <p:extLst>
-      <p:ext uri="{BB962C8B-B14F-4D97-AF65-F5344CB8AC3E}">
-        <p14:creationId xmlns:p14="http://schemas.microsoft.com/office/powerpoint/2010/main" val="2097379639"/>
-      </p:ext>
-    </p:extLst>
-  </p:cSld>
-  <p:clrMapOvr>
-    <a:masterClrMapping/>
-  </p:clrMapOvr>
-</p:sld>
-</file>
-
-<file path=ppt/slides/slide15.xml><?xml version="1.0" encoding="utf-8"?>
-<p:sld xmlns:a="http://schemas.openxmlformats.org/drawingml/2006/main" xmlns:r="http://schemas.openxmlformats.org/officeDocument/2006/relationships" xmlns:p="http://schemas.openxmlformats.org/presentationml/2006/main">
-  <p:cSld>
-    <p:spTree>
-      <p:nvGrpSpPr>
-        <p:cNvPr id="1" name=""/>
-        <p:cNvGrpSpPr/>
-        <p:nvPr/>
-      </p:nvGrpSpPr>
-      <p:grpSpPr>
-        <a:xfrm>
-          <a:off x="0" y="0"/>
-          <a:ext cx="0" cy="0"/>
-          <a:chOff x="0" y="0"/>
-          <a:chExt cx="0" cy="0"/>
-        </a:xfrm>
-      </p:grpSpPr>
-      <p:sp>
-        <p:nvSpPr>
-          <p:cNvPr id="2" name="Title 1">
-            <a:extLst>
-              <a:ext uri="{FF2B5EF4-FFF2-40B4-BE49-F238E27FC236}">
-                <a16:creationId xmlns:a16="http://schemas.microsoft.com/office/drawing/2014/main" id="{EF7C3218-2D68-40C7-8110-E2DA541F854D}"/>
-              </a:ext>
-            </a:extLst>
-          </p:cNvPr>
-          <p:cNvSpPr>
-            <a:spLocks noGrp="1"/>
-          </p:cNvSpPr>
-          <p:nvPr>
-            <p:ph type="title"/>
-          </p:nvPr>
-        </p:nvSpPr>
-        <p:spPr>
-          <a:xfrm>
-            <a:off x="838200" y="365125"/>
-            <a:ext cx="10515600" cy="915035"/>
-          </a:xfrm>
-        </p:spPr>
-        <p:txBody>
-          <a:bodyPr vert="horz" lIns="91440" tIns="45720" rIns="91440" bIns="45720" rtlCol="0" anchor="ctr">
-            <a:normAutofit/>
-          </a:bodyPr>
-          <a:lstStyle/>
-          <a:p>
-            <a:r>
-              <a:rPr lang="en-US" sz="4000" dirty="0">
-                <a:latin typeface="Arial" panose="020B0604020202020204" pitchFamily="34" charset="0"/>
-                <a:cs typeface="Arial" panose="020B0604020202020204" pitchFamily="34" charset="0"/>
-              </a:rPr>
-              <a:t>M</a:t>
-            </a:r>
-            <a:r>
-              <a:rPr lang="en-US" sz="4000" kern="1200" dirty="0">
-                <a:solidFill>
-                  <a:schemeClr val="tx1"/>
-                </a:solidFill>
-                <a:latin typeface="Arial" panose="020B0604020202020204" pitchFamily="34" charset="0"/>
-                <a:cs typeface="Arial" panose="020B0604020202020204" pitchFamily="34" charset="0"/>
-              </a:rPr>
-              <a:t>odel Results</a:t>
-            </a:r>
-          </a:p>
-        </p:txBody>
-      </p:sp>
-      <p:grpSp>
-        <p:nvGrpSpPr>
-          <p:cNvPr id="3" name="Group 2">
-            <a:extLst>
-              <a:ext uri="{FF2B5EF4-FFF2-40B4-BE49-F238E27FC236}">
-                <a16:creationId xmlns:a16="http://schemas.microsoft.com/office/drawing/2014/main" id="{8A08B485-A223-4BB8-9902-7A9091823369}"/>
-              </a:ext>
-            </a:extLst>
-          </p:cNvPr>
-          <p:cNvGrpSpPr/>
-          <p:nvPr/>
-        </p:nvGrpSpPr>
-        <p:grpSpPr>
-          <a:xfrm>
-            <a:off x="3036871" y="1263946"/>
-            <a:ext cx="6140936" cy="4261029"/>
-            <a:chOff x="3036871" y="1263946"/>
-            <a:chExt cx="6140936" cy="4261029"/>
-          </a:xfrm>
-        </p:grpSpPr>
-        <p:sp>
-          <p:nvSpPr>
-            <p:cNvPr id="7" name="Rectangle 6">
-              <a:extLst>
-                <a:ext uri="{FF2B5EF4-FFF2-40B4-BE49-F238E27FC236}">
-                  <a16:creationId xmlns:a16="http://schemas.microsoft.com/office/drawing/2014/main" id="{82CDA091-6CDA-43BE-AE75-D14271FB5D22}"/>
-                </a:ext>
-              </a:extLst>
-            </p:cNvPr>
-            <p:cNvSpPr/>
-            <p:nvPr/>
-          </p:nvSpPr>
-          <p:spPr>
-            <a:xfrm>
-              <a:off x="3036871" y="1280160"/>
-              <a:ext cx="5027658" cy="931249"/>
-            </a:xfrm>
-            <a:prstGeom prst="rect">
-              <a:avLst/>
-            </a:prstGeom>
-          </p:spPr>
-          <p:style>
-            <a:lnRef idx="0">
-              <a:schemeClr val="dk1">
-                <a:alpha val="0"/>
-                <a:hueOff val="0"/>
-                <a:satOff val="0"/>
-                <a:lumOff val="0"/>
-                <a:alphaOff val="0"/>
-              </a:schemeClr>
-            </a:lnRef>
-            <a:fillRef idx="0">
-              <a:schemeClr val="lt1">
-                <a:alpha val="0"/>
-                <a:hueOff val="0"/>
-                <a:satOff val="0"/>
-                <a:lumOff val="0"/>
-                <a:alphaOff val="0"/>
-              </a:schemeClr>
-            </a:fillRef>
-            <a:effectRef idx="0">
-              <a:schemeClr val="lt1">
-                <a:alpha val="0"/>
-                <a:hueOff val="0"/>
-                <a:satOff val="0"/>
-                <a:lumOff val="0"/>
-                <a:alphaOff val="0"/>
-              </a:schemeClr>
-            </a:effectRef>
-            <a:fontRef idx="minor">
-              <a:schemeClr val="tx1">
-                <a:hueOff val="0"/>
-                <a:satOff val="0"/>
-                <a:lumOff val="0"/>
-                <a:alphaOff val="0"/>
-              </a:schemeClr>
-            </a:fontRef>
-          </p:style>
-        </p:sp>
-        <p:sp>
-          <p:nvSpPr>
-            <p:cNvPr id="10" name="Rectangle: Rounded Corners 9">
-              <a:extLst>
-                <a:ext uri="{FF2B5EF4-FFF2-40B4-BE49-F238E27FC236}">
-                  <a16:creationId xmlns:a16="http://schemas.microsoft.com/office/drawing/2014/main" id="{E9CF898C-5B3D-4252-976F-1941757580D0}"/>
-                </a:ext>
-              </a:extLst>
-            </p:cNvPr>
-            <p:cNvSpPr/>
-            <p:nvPr/>
-          </p:nvSpPr>
-          <p:spPr>
-            <a:xfrm>
-              <a:off x="3036871" y="1263946"/>
-              <a:ext cx="6103252" cy="931249"/>
-            </a:xfrm>
-            <a:prstGeom prst="roundRect">
-              <a:avLst>
-                <a:gd name="adj" fmla="val 10000"/>
-              </a:avLst>
-            </a:prstGeom>
-          </p:spPr>
-          <p:style>
-            <a:lnRef idx="0">
-              <a:schemeClr val="dk1">
-                <a:hueOff val="0"/>
-                <a:satOff val="0"/>
-                <a:lumOff val="0"/>
-                <a:alphaOff val="0"/>
-              </a:schemeClr>
-            </a:lnRef>
-            <a:fillRef idx="1">
-              <a:schemeClr val="bg1">
-                <a:lumMod val="95000"/>
-                <a:hueOff val="0"/>
-                <a:satOff val="0"/>
-                <a:lumOff val="0"/>
-                <a:alphaOff val="0"/>
-              </a:schemeClr>
-            </a:fillRef>
-            <a:effectRef idx="0">
-              <a:schemeClr val="bg1">
-                <a:lumMod val="95000"/>
-                <a:hueOff val="0"/>
-                <a:satOff val="0"/>
-                <a:lumOff val="0"/>
-                <a:alphaOff val="0"/>
-              </a:schemeClr>
-            </a:effectRef>
-            <a:fontRef idx="minor">
-              <a:schemeClr val="dk1">
-                <a:hueOff val="0"/>
-                <a:satOff val="0"/>
-                <a:lumOff val="0"/>
-                <a:alphaOff val="0"/>
-              </a:schemeClr>
-            </a:fontRef>
-          </p:style>
-        </p:sp>
-        <p:sp>
-          <p:nvSpPr>
-            <p:cNvPr id="11" name="TextBox 2">
-              <a:extLst>
-                <a:ext uri="{FF2B5EF4-FFF2-40B4-BE49-F238E27FC236}">
-                  <a16:creationId xmlns:a16="http://schemas.microsoft.com/office/drawing/2014/main" id="{33D2F10D-52C4-4A45-9DC9-2989BF3FB243}"/>
-                </a:ext>
-              </a:extLst>
-            </p:cNvPr>
-            <p:cNvSpPr txBox="1"/>
-            <p:nvPr/>
-          </p:nvSpPr>
-          <p:spPr>
-            <a:xfrm>
-              <a:off x="3047153" y="1373573"/>
+              <a:off x="3036551" y="1507135"/>
               <a:ext cx="6046759" cy="725146"/>
             </a:xfrm>
             <a:prstGeom prst="rect">
@@ -16761,599 +21097,7 @@
                 </a:spcAft>
               </a:pPr>
               <a:r>
-                <a:rPr lang="en-US" dirty="0">
-                  <a:latin typeface="Arial" panose="020B0604020202020204" pitchFamily="34" charset="0"/>
-                  <a:cs typeface="Arial" panose="020B0604020202020204" pitchFamily="34" charset="0"/>
-                </a:rPr>
-                <a:t>Random Forest and K-Nearest Neighbors give similar results</a:t>
-              </a:r>
-            </a:p>
-          </p:txBody>
-        </p:sp>
-        <p:sp>
-          <p:nvSpPr>
-            <p:cNvPr id="12" name="Rectangle: Rounded Corners 11">
-              <a:extLst>
-                <a:ext uri="{FF2B5EF4-FFF2-40B4-BE49-F238E27FC236}">
-                  <a16:creationId xmlns:a16="http://schemas.microsoft.com/office/drawing/2014/main" id="{8B5F2B2A-D60A-4D71-97A7-76364B5F7777}"/>
-                </a:ext>
-              </a:extLst>
-            </p:cNvPr>
-            <p:cNvSpPr/>
-            <p:nvPr/>
-          </p:nvSpPr>
-          <p:spPr>
-            <a:xfrm>
-              <a:off x="3047153" y="2367663"/>
-              <a:ext cx="6103252" cy="931249"/>
-            </a:xfrm>
-            <a:prstGeom prst="roundRect">
-              <a:avLst>
-                <a:gd name="adj" fmla="val 10000"/>
-              </a:avLst>
-            </a:prstGeom>
-          </p:spPr>
-          <p:style>
-            <a:lnRef idx="0">
-              <a:schemeClr val="dk1">
-                <a:hueOff val="0"/>
-                <a:satOff val="0"/>
-                <a:lumOff val="0"/>
-                <a:alphaOff val="0"/>
-              </a:schemeClr>
-            </a:lnRef>
-            <a:fillRef idx="1">
-              <a:schemeClr val="bg1">
-                <a:lumMod val="95000"/>
-                <a:hueOff val="0"/>
-                <a:satOff val="0"/>
-                <a:lumOff val="0"/>
-                <a:alphaOff val="0"/>
-              </a:schemeClr>
-            </a:fillRef>
-            <a:effectRef idx="0">
-              <a:schemeClr val="bg1">
-                <a:lumMod val="95000"/>
-                <a:hueOff val="0"/>
-                <a:satOff val="0"/>
-                <a:lumOff val="0"/>
-                <a:alphaOff val="0"/>
-              </a:schemeClr>
-            </a:effectRef>
-            <a:fontRef idx="minor">
-              <a:schemeClr val="dk1">
-                <a:hueOff val="0"/>
-                <a:satOff val="0"/>
-                <a:lumOff val="0"/>
-                <a:alphaOff val="0"/>
-              </a:schemeClr>
-            </a:fontRef>
-          </p:style>
-        </p:sp>
-        <p:sp>
-          <p:nvSpPr>
-            <p:cNvPr id="13" name="TextBox 2">
-              <a:extLst>
-                <a:ext uri="{FF2B5EF4-FFF2-40B4-BE49-F238E27FC236}">
-                  <a16:creationId xmlns:a16="http://schemas.microsoft.com/office/drawing/2014/main" id="{469FE03D-F203-4433-98E8-9B70E036FD92}"/>
-                </a:ext>
-              </a:extLst>
-            </p:cNvPr>
-            <p:cNvSpPr txBox="1"/>
-            <p:nvPr/>
-          </p:nvSpPr>
-          <p:spPr>
-            <a:xfrm>
-              <a:off x="3055717" y="2470971"/>
-              <a:ext cx="6067966" cy="670121"/>
-            </a:xfrm>
-            <a:prstGeom prst="rect">
-              <a:avLst/>
-            </a:prstGeom>
-          </p:spPr>
-          <p:txBody>
-            <a:bodyPr vert="horz" lIns="91440" tIns="45720" rIns="91440" bIns="45720" rtlCol="0">
-              <a:noAutofit/>
-            </a:bodyPr>
-            <a:lstStyle/>
-            <a:p>
-              <a:pPr marL="57150" algn="just">
-                <a:spcAft>
-                  <a:spcPts val="600"/>
-                </a:spcAft>
-              </a:pPr>
-              <a:r>
-                <a:rPr lang="en-US" dirty="0">
-                  <a:latin typeface="Arial" panose="020B0604020202020204" pitchFamily="34" charset="0"/>
-                  <a:cs typeface="Arial" panose="020B0604020202020204" pitchFamily="34" charset="0"/>
-                </a:rPr>
-                <a:t>None of the models can predict the minority classes with high precision, recall is also very low</a:t>
-              </a:r>
-            </a:p>
-          </p:txBody>
-        </p:sp>
-        <p:sp>
-          <p:nvSpPr>
-            <p:cNvPr id="14" name="Rectangle: Rounded Corners 13">
-              <a:extLst>
-                <a:ext uri="{FF2B5EF4-FFF2-40B4-BE49-F238E27FC236}">
-                  <a16:creationId xmlns:a16="http://schemas.microsoft.com/office/drawing/2014/main" id="{38C296CB-F8F3-4A41-BDF6-1EA738AA151F}"/>
-                </a:ext>
-              </a:extLst>
-            </p:cNvPr>
-            <p:cNvSpPr/>
-            <p:nvPr/>
-          </p:nvSpPr>
-          <p:spPr>
-            <a:xfrm>
-              <a:off x="3055717" y="3496104"/>
-              <a:ext cx="6103252" cy="931249"/>
-            </a:xfrm>
-            <a:prstGeom prst="roundRect">
-              <a:avLst>
-                <a:gd name="adj" fmla="val 10000"/>
-              </a:avLst>
-            </a:prstGeom>
-          </p:spPr>
-          <p:style>
-            <a:lnRef idx="0">
-              <a:schemeClr val="dk1">
-                <a:hueOff val="0"/>
-                <a:satOff val="0"/>
-                <a:lumOff val="0"/>
-                <a:alphaOff val="0"/>
-              </a:schemeClr>
-            </a:lnRef>
-            <a:fillRef idx="1">
-              <a:schemeClr val="bg1">
-                <a:lumMod val="95000"/>
-                <a:hueOff val="0"/>
-                <a:satOff val="0"/>
-                <a:lumOff val="0"/>
-                <a:alphaOff val="0"/>
-              </a:schemeClr>
-            </a:fillRef>
-            <a:effectRef idx="0">
-              <a:schemeClr val="bg1">
-                <a:lumMod val="95000"/>
-                <a:hueOff val="0"/>
-                <a:satOff val="0"/>
-                <a:lumOff val="0"/>
-                <a:alphaOff val="0"/>
-              </a:schemeClr>
-            </a:effectRef>
-            <a:fontRef idx="minor">
-              <a:schemeClr val="dk1">
-                <a:hueOff val="0"/>
-                <a:satOff val="0"/>
-                <a:lumOff val="0"/>
-                <a:alphaOff val="0"/>
-              </a:schemeClr>
-            </a:fontRef>
-          </p:style>
-        </p:sp>
-        <p:sp>
-          <p:nvSpPr>
-            <p:cNvPr id="15" name="TextBox 2">
-              <a:extLst>
-                <a:ext uri="{FF2B5EF4-FFF2-40B4-BE49-F238E27FC236}">
-                  <a16:creationId xmlns:a16="http://schemas.microsoft.com/office/drawing/2014/main" id="{C1EA40F9-3014-466B-B371-C5CA9D0B1028}"/>
-                </a:ext>
-              </a:extLst>
-            </p:cNvPr>
-            <p:cNvSpPr txBox="1"/>
-            <p:nvPr/>
-          </p:nvSpPr>
-          <p:spPr>
-            <a:xfrm>
-              <a:off x="3043641" y="3660859"/>
-              <a:ext cx="6067966" cy="670121"/>
-            </a:xfrm>
-            <a:prstGeom prst="rect">
-              <a:avLst/>
-            </a:prstGeom>
-          </p:spPr>
-          <p:txBody>
-            <a:bodyPr vert="horz" lIns="91440" tIns="45720" rIns="91440" bIns="45720" rtlCol="0">
-              <a:noAutofit/>
-            </a:bodyPr>
-            <a:lstStyle/>
-            <a:p>
-              <a:pPr marL="57150" algn="just">
-                <a:spcAft>
-                  <a:spcPts val="600"/>
-                </a:spcAft>
-              </a:pPr>
-              <a:r>
-                <a:rPr lang="en-US" dirty="0">
-                  <a:latin typeface="Arial" panose="020B0604020202020204" pitchFamily="34" charset="0"/>
-                  <a:cs typeface="Arial" panose="020B0604020202020204" pitchFamily="34" charset="0"/>
-                </a:rPr>
-                <a:t>The best recall case for the minority classes is about 0.5 in the Brooklyn and Queens boroughs</a:t>
-              </a:r>
-            </a:p>
-          </p:txBody>
-        </p:sp>
-        <p:sp>
-          <p:nvSpPr>
-            <p:cNvPr id="20" name="Rectangle: Rounded Corners 19">
-              <a:extLst>
-                <a:ext uri="{FF2B5EF4-FFF2-40B4-BE49-F238E27FC236}">
-                  <a16:creationId xmlns:a16="http://schemas.microsoft.com/office/drawing/2014/main" id="{B43D0ACE-0E24-49AB-9DF8-67479527D078}"/>
-                </a:ext>
-              </a:extLst>
-            </p:cNvPr>
-            <p:cNvSpPr/>
-            <p:nvPr/>
-          </p:nvSpPr>
-          <p:spPr>
-            <a:xfrm>
-              <a:off x="3074555" y="4593726"/>
-              <a:ext cx="6103252" cy="931249"/>
-            </a:xfrm>
-            <a:prstGeom prst="roundRect">
-              <a:avLst>
-                <a:gd name="adj" fmla="val 10000"/>
-              </a:avLst>
-            </a:prstGeom>
-          </p:spPr>
-          <p:style>
-            <a:lnRef idx="0">
-              <a:schemeClr val="dk1">
-                <a:hueOff val="0"/>
-                <a:satOff val="0"/>
-                <a:lumOff val="0"/>
-                <a:alphaOff val="0"/>
-              </a:schemeClr>
-            </a:lnRef>
-            <a:fillRef idx="1">
-              <a:schemeClr val="bg1">
-                <a:lumMod val="95000"/>
-                <a:hueOff val="0"/>
-                <a:satOff val="0"/>
-                <a:lumOff val="0"/>
-                <a:alphaOff val="0"/>
-              </a:schemeClr>
-            </a:fillRef>
-            <a:effectRef idx="0">
-              <a:schemeClr val="bg1">
-                <a:lumMod val="95000"/>
-                <a:hueOff val="0"/>
-                <a:satOff val="0"/>
-                <a:lumOff val="0"/>
-                <a:alphaOff val="0"/>
-              </a:schemeClr>
-            </a:effectRef>
-            <a:fontRef idx="minor">
-              <a:schemeClr val="dk1">
-                <a:hueOff val="0"/>
-                <a:satOff val="0"/>
-                <a:lumOff val="0"/>
-                <a:alphaOff val="0"/>
-              </a:schemeClr>
-            </a:fontRef>
-          </p:style>
-        </p:sp>
-        <p:sp>
-          <p:nvSpPr>
-            <p:cNvPr id="21" name="TextBox 2">
-              <a:extLst>
-                <a:ext uri="{FF2B5EF4-FFF2-40B4-BE49-F238E27FC236}">
-                  <a16:creationId xmlns:a16="http://schemas.microsoft.com/office/drawing/2014/main" id="{5737C041-6F10-40D2-A8F2-F36F24B3692C}"/>
-                </a:ext>
-              </a:extLst>
-            </p:cNvPr>
-            <p:cNvSpPr txBox="1"/>
-            <p:nvPr/>
-          </p:nvSpPr>
-          <p:spPr>
-            <a:xfrm>
-              <a:off x="3121204" y="4758481"/>
-              <a:ext cx="5972708" cy="670121"/>
-            </a:xfrm>
-            <a:prstGeom prst="rect">
-              <a:avLst/>
-            </a:prstGeom>
-          </p:spPr>
-          <p:txBody>
-            <a:bodyPr vert="horz" lIns="91440" tIns="45720" rIns="91440" bIns="45720" rtlCol="0">
-              <a:noAutofit/>
-            </a:bodyPr>
-            <a:lstStyle/>
-            <a:p>
-              <a:pPr marL="57150" algn="just">
-                <a:spcAft>
-                  <a:spcPts val="600"/>
-                </a:spcAft>
-              </a:pPr>
-              <a:r>
-                <a:rPr lang="en-US" dirty="0">
-                  <a:latin typeface="Arial" panose="020B0604020202020204" pitchFamily="34" charset="0"/>
-                  <a:cs typeface="Arial" panose="020B0604020202020204" pitchFamily="34" charset="0"/>
-                </a:rPr>
-                <a:t>Precision is below 0.2 for the minority classes, above 0.8 for the majority class</a:t>
-              </a:r>
-            </a:p>
-          </p:txBody>
-        </p:sp>
-      </p:grpSp>
-      <p:sp>
-        <p:nvSpPr>
-          <p:cNvPr id="4" name="Slide Number Placeholder 3">
-            <a:extLst>
-              <a:ext uri="{FF2B5EF4-FFF2-40B4-BE49-F238E27FC236}">
-                <a16:creationId xmlns:a16="http://schemas.microsoft.com/office/drawing/2014/main" id="{14CE28B2-DD5D-4EB4-A2B8-30DBAA394A00}"/>
-              </a:ext>
-            </a:extLst>
-          </p:cNvPr>
-          <p:cNvSpPr>
-            <a:spLocks noGrp="1"/>
-          </p:cNvSpPr>
-          <p:nvPr>
-            <p:ph type="sldNum" sz="quarter" idx="12"/>
-          </p:nvPr>
-        </p:nvSpPr>
-        <p:spPr/>
-        <p:txBody>
-          <a:bodyPr/>
-          <a:lstStyle/>
-          <a:p>
-            <a:fld id="{04DEA881-13CA-4008-9A1E-5E7B05E15075}" type="slidenum">
-              <a:rPr lang="en-US" smtClean="0"/>
-              <a:t>15</a:t>
-            </a:fld>
-            <a:endParaRPr lang="en-US"/>
-          </a:p>
-        </p:txBody>
-      </p:sp>
-    </p:spTree>
-    <p:extLst>
-      <p:ext uri="{BB962C8B-B14F-4D97-AF65-F5344CB8AC3E}">
-        <p14:creationId xmlns:p14="http://schemas.microsoft.com/office/powerpoint/2010/main" val="2252276512"/>
-      </p:ext>
-    </p:extLst>
-  </p:cSld>
-  <p:clrMapOvr>
-    <a:masterClrMapping/>
-  </p:clrMapOvr>
-</p:sld>
-</file>
-
-<file path=ppt/slides/slide16.xml><?xml version="1.0" encoding="utf-8"?>
-<p:sld xmlns:a="http://schemas.openxmlformats.org/drawingml/2006/main" xmlns:r="http://schemas.openxmlformats.org/officeDocument/2006/relationships" xmlns:p="http://schemas.openxmlformats.org/presentationml/2006/main">
-  <p:cSld>
-    <p:spTree>
-      <p:nvGrpSpPr>
-        <p:cNvPr id="1" name=""/>
-        <p:cNvGrpSpPr/>
-        <p:nvPr/>
-      </p:nvGrpSpPr>
-      <p:grpSpPr>
-        <a:xfrm>
-          <a:off x="0" y="0"/>
-          <a:ext cx="0" cy="0"/>
-          <a:chOff x="0" y="0"/>
-          <a:chExt cx="0" cy="0"/>
-        </a:xfrm>
-      </p:grpSpPr>
-      <p:sp>
-        <p:nvSpPr>
-          <p:cNvPr id="2" name="Title 1">
-            <a:extLst>
-              <a:ext uri="{FF2B5EF4-FFF2-40B4-BE49-F238E27FC236}">
-                <a16:creationId xmlns:a16="http://schemas.microsoft.com/office/drawing/2014/main" id="{EF7C3218-2D68-40C7-8110-E2DA541F854D}"/>
-              </a:ext>
-            </a:extLst>
-          </p:cNvPr>
-          <p:cNvSpPr>
-            <a:spLocks noGrp="1"/>
-          </p:cNvSpPr>
-          <p:nvPr>
-            <p:ph type="title"/>
-          </p:nvPr>
-        </p:nvSpPr>
-        <p:spPr>
-          <a:xfrm>
-            <a:off x="838200" y="365125"/>
-            <a:ext cx="10515600" cy="915035"/>
-          </a:xfrm>
-        </p:spPr>
-        <p:txBody>
-          <a:bodyPr vert="horz" lIns="91440" tIns="45720" rIns="91440" bIns="45720" rtlCol="0" anchor="ctr">
-            <a:normAutofit/>
-          </a:bodyPr>
-          <a:lstStyle/>
-          <a:p>
-            <a:r>
-              <a:rPr lang="en-US" sz="4000" dirty="0">
-                <a:latin typeface="Arial" panose="020B0604020202020204" pitchFamily="34" charset="0"/>
-                <a:cs typeface="Arial" panose="020B0604020202020204" pitchFamily="34" charset="0"/>
-              </a:rPr>
-              <a:t>Open Questions</a:t>
-            </a:r>
-            <a:endParaRPr lang="en-US" sz="4000" kern="1200" dirty="0">
-              <a:solidFill>
-                <a:schemeClr val="tx1"/>
-              </a:solidFill>
-              <a:latin typeface="Arial" panose="020B0604020202020204" pitchFamily="34" charset="0"/>
-              <a:cs typeface="Arial" panose="020B0604020202020204" pitchFamily="34" charset="0"/>
-            </a:endParaRPr>
-          </a:p>
-        </p:txBody>
-      </p:sp>
-      <p:grpSp>
-        <p:nvGrpSpPr>
-          <p:cNvPr id="3" name="Group 2">
-            <a:extLst>
-              <a:ext uri="{FF2B5EF4-FFF2-40B4-BE49-F238E27FC236}">
-                <a16:creationId xmlns:a16="http://schemas.microsoft.com/office/drawing/2014/main" id="{A5FD636C-B228-4B35-B9D7-5E3EAA0825C8}"/>
-              </a:ext>
-            </a:extLst>
-          </p:cNvPr>
-          <p:cNvGrpSpPr/>
-          <p:nvPr/>
-        </p:nvGrpSpPr>
-        <p:grpSpPr>
-          <a:xfrm>
-            <a:off x="3036871" y="1263946"/>
-            <a:ext cx="6140936" cy="4261029"/>
-            <a:chOff x="3036871" y="1263946"/>
-            <a:chExt cx="6140936" cy="4261029"/>
-          </a:xfrm>
-        </p:grpSpPr>
-        <p:sp>
-          <p:nvSpPr>
-            <p:cNvPr id="7" name="Rectangle 6">
-              <a:extLst>
-                <a:ext uri="{FF2B5EF4-FFF2-40B4-BE49-F238E27FC236}">
-                  <a16:creationId xmlns:a16="http://schemas.microsoft.com/office/drawing/2014/main" id="{82CDA091-6CDA-43BE-AE75-D14271FB5D22}"/>
-                </a:ext>
-              </a:extLst>
-            </p:cNvPr>
-            <p:cNvSpPr/>
-            <p:nvPr/>
-          </p:nvSpPr>
-          <p:spPr>
-            <a:xfrm>
-              <a:off x="3036871" y="1280160"/>
-              <a:ext cx="5027658" cy="931249"/>
-            </a:xfrm>
-            <a:prstGeom prst="rect">
-              <a:avLst/>
-            </a:prstGeom>
-          </p:spPr>
-          <p:style>
-            <a:lnRef idx="0">
-              <a:schemeClr val="dk1">
-                <a:alpha val="0"/>
-                <a:hueOff val="0"/>
-                <a:satOff val="0"/>
-                <a:lumOff val="0"/>
-                <a:alphaOff val="0"/>
-              </a:schemeClr>
-            </a:lnRef>
-            <a:fillRef idx="0">
-              <a:schemeClr val="lt1">
-                <a:alpha val="0"/>
-                <a:hueOff val="0"/>
-                <a:satOff val="0"/>
-                <a:lumOff val="0"/>
-                <a:alphaOff val="0"/>
-              </a:schemeClr>
-            </a:fillRef>
-            <a:effectRef idx="0">
-              <a:schemeClr val="lt1">
-                <a:alpha val="0"/>
-                <a:hueOff val="0"/>
-                <a:satOff val="0"/>
-                <a:lumOff val="0"/>
-                <a:alphaOff val="0"/>
-              </a:schemeClr>
-            </a:effectRef>
-            <a:fontRef idx="minor">
-              <a:schemeClr val="tx1">
-                <a:hueOff val="0"/>
-                <a:satOff val="0"/>
-                <a:lumOff val="0"/>
-                <a:alphaOff val="0"/>
-              </a:schemeClr>
-            </a:fontRef>
-          </p:style>
-        </p:sp>
-        <p:sp>
-          <p:nvSpPr>
-            <p:cNvPr id="10" name="Rectangle: Rounded Corners 9">
-              <a:extLst>
-                <a:ext uri="{FF2B5EF4-FFF2-40B4-BE49-F238E27FC236}">
-                  <a16:creationId xmlns:a16="http://schemas.microsoft.com/office/drawing/2014/main" id="{E9CF898C-5B3D-4252-976F-1941757580D0}"/>
-                </a:ext>
-              </a:extLst>
-            </p:cNvPr>
-            <p:cNvSpPr/>
-            <p:nvPr/>
-          </p:nvSpPr>
-          <p:spPr>
-            <a:xfrm>
-              <a:off x="3036871" y="1263946"/>
-              <a:ext cx="6103252" cy="931249"/>
-            </a:xfrm>
-            <a:prstGeom prst="roundRect">
-              <a:avLst>
-                <a:gd name="adj" fmla="val 10000"/>
-              </a:avLst>
-            </a:prstGeom>
-          </p:spPr>
-          <p:style>
-            <a:lnRef idx="0">
-              <a:schemeClr val="dk1">
-                <a:hueOff val="0"/>
-                <a:satOff val="0"/>
-                <a:lumOff val="0"/>
-                <a:alphaOff val="0"/>
-              </a:schemeClr>
-            </a:lnRef>
-            <a:fillRef idx="1">
-              <a:schemeClr val="bg1">
-                <a:lumMod val="95000"/>
-                <a:hueOff val="0"/>
-                <a:satOff val="0"/>
-                <a:lumOff val="0"/>
-                <a:alphaOff val="0"/>
-              </a:schemeClr>
-            </a:fillRef>
-            <a:effectRef idx="0">
-              <a:schemeClr val="bg1">
-                <a:lumMod val="95000"/>
-                <a:hueOff val="0"/>
-                <a:satOff val="0"/>
-                <a:lumOff val="0"/>
-                <a:alphaOff val="0"/>
-              </a:schemeClr>
-            </a:effectRef>
-            <a:fontRef idx="minor">
-              <a:schemeClr val="dk1">
-                <a:hueOff val="0"/>
-                <a:satOff val="0"/>
-                <a:lumOff val="0"/>
-                <a:alphaOff val="0"/>
-              </a:schemeClr>
-            </a:fontRef>
-          </p:style>
-        </p:sp>
-        <p:sp>
-          <p:nvSpPr>
-            <p:cNvPr id="11" name="TextBox 2">
-              <a:extLst>
-                <a:ext uri="{FF2B5EF4-FFF2-40B4-BE49-F238E27FC236}">
-                  <a16:creationId xmlns:a16="http://schemas.microsoft.com/office/drawing/2014/main" id="{33D2F10D-52C4-4A45-9DC9-2989BF3FB243}"/>
-                </a:ext>
-              </a:extLst>
-            </p:cNvPr>
-            <p:cNvSpPr txBox="1"/>
-            <p:nvPr/>
-          </p:nvSpPr>
-          <p:spPr>
-            <a:xfrm>
-              <a:off x="3047153" y="1373573"/>
-              <a:ext cx="6046759" cy="725146"/>
-            </a:xfrm>
-            <a:prstGeom prst="rect">
-              <a:avLst/>
-            </a:prstGeom>
-          </p:spPr>
-          <p:txBody>
-            <a:bodyPr vert="horz" lIns="91440" tIns="45720" rIns="91440" bIns="45720" rtlCol="0">
-              <a:noAutofit/>
-            </a:bodyPr>
-            <a:lstStyle/>
-            <a:p>
-              <a:pPr marL="57150" algn="just">
-                <a:spcAft>
-                  <a:spcPts val="600"/>
-                </a:spcAft>
-              </a:pPr>
-              <a:r>
-                <a:rPr lang="en-US" dirty="0">
+                <a:rPr lang="en-US" sz="2000" dirty="0">
                   <a:latin typeface="Arial" panose="020B0604020202020204" pitchFamily="34" charset="0"/>
                   <a:cs typeface="Arial" panose="020B0604020202020204" pitchFamily="34" charset="0"/>
                 </a:rPr>
@@ -17376,8 +21120,8 @@
           </p:nvSpPr>
           <p:spPr>
             <a:xfrm>
-              <a:off x="3047153" y="2367663"/>
-              <a:ext cx="6103252" cy="931249"/>
+              <a:off x="3043641" y="2390883"/>
+              <a:ext cx="6096482" cy="931249"/>
             </a:xfrm>
             <a:prstGeom prst="roundRect">
               <a:avLst>
@@ -17455,7 +21199,7 @@
                 </a:spcAft>
               </a:pPr>
               <a:r>
-                <a:rPr lang="en-US" dirty="0">
+                <a:rPr lang="en-US" sz="2000" dirty="0">
                   <a:latin typeface="Arial" panose="020B0604020202020204" pitchFamily="34" charset="0"/>
                   <a:cs typeface="Arial" panose="020B0604020202020204" pitchFamily="34" charset="0"/>
                 </a:rPr>
@@ -17479,7 +21223,7 @@
           <p:spPr>
             <a:xfrm>
               <a:off x="3055717" y="3496104"/>
-              <a:ext cx="6103252" cy="931249"/>
+              <a:ext cx="6084406" cy="931249"/>
             </a:xfrm>
             <a:prstGeom prst="roundRect">
               <a:avLst>
@@ -17538,7 +21282,7 @@
           </p:nvSpPr>
           <p:spPr>
             <a:xfrm>
-              <a:off x="3043641" y="3660859"/>
+              <a:off x="3043641" y="3732777"/>
               <a:ext cx="6067966" cy="670121"/>
             </a:xfrm>
             <a:prstGeom prst="rect">
@@ -17557,7 +21301,7 @@
                 </a:spcAft>
               </a:pPr>
               <a:r>
-                <a:rPr lang="en-US" dirty="0">
+                <a:rPr lang="en-US" sz="2000" dirty="0">
                   <a:latin typeface="Arial" panose="020B0604020202020204" pitchFamily="34" charset="0"/>
                   <a:cs typeface="Arial" panose="020B0604020202020204" pitchFamily="34" charset="0"/>
                 </a:rPr>
@@ -17580,8 +21324,8 @@
           </p:nvSpPr>
           <p:spPr>
             <a:xfrm>
-              <a:off x="3074555" y="4593726"/>
-              <a:ext cx="6103252" cy="931249"/>
+              <a:off x="3047153" y="4614163"/>
+              <a:ext cx="6092970" cy="931249"/>
             </a:xfrm>
             <a:prstGeom prst="roundRect">
               <a:avLst>
@@ -17640,7 +21384,7 @@
           </p:nvSpPr>
           <p:spPr>
             <a:xfrm>
-              <a:off x="3084697" y="4758481"/>
+              <a:off x="3047590" y="4809851"/>
               <a:ext cx="4936123" cy="670121"/>
             </a:xfrm>
             <a:prstGeom prst="rect">
@@ -17659,7 +21403,7 @@
                 </a:spcAft>
               </a:pPr>
               <a:r>
-                <a:rPr lang="en-US" dirty="0">
+                <a:rPr lang="en-US" sz="2000" dirty="0">
                   <a:latin typeface="Arial" panose="020B0604020202020204" pitchFamily="34" charset="0"/>
                   <a:cs typeface="Arial" panose="020B0604020202020204" pitchFamily="34" charset="0"/>
                 </a:rPr>
@@ -17692,7 +21436,7 @@
           <a:p>
             <a:fld id="{04DEA881-13CA-4008-9A1E-5E7B05E15075}" type="slidenum">
               <a:rPr lang="en-US" smtClean="0"/>
-              <a:t>16</a:t>
+              <a:t>23</a:t>
             </a:fld>
             <a:endParaRPr lang="en-US"/>
           </a:p>
@@ -17702,128 +21446,6 @@
     <p:extLst>
       <p:ext uri="{BB962C8B-B14F-4D97-AF65-F5344CB8AC3E}">
         <p14:creationId xmlns:p14="http://schemas.microsoft.com/office/powerpoint/2010/main" val="2324447184"/>
-      </p:ext>
-    </p:extLst>
-  </p:cSld>
-  <p:clrMapOvr>
-    <a:masterClrMapping/>
-  </p:clrMapOvr>
-</p:sld>
-</file>
-
-<file path=ppt/slides/slide2.xml><?xml version="1.0" encoding="utf-8"?>
-<p:sld xmlns:a="http://schemas.openxmlformats.org/drawingml/2006/main" xmlns:r="http://schemas.openxmlformats.org/officeDocument/2006/relationships" xmlns:p="http://schemas.openxmlformats.org/presentationml/2006/main">
-  <p:cSld>
-    <p:spTree>
-      <p:nvGrpSpPr>
-        <p:cNvPr id="1" name=""/>
-        <p:cNvGrpSpPr/>
-        <p:nvPr/>
-      </p:nvGrpSpPr>
-      <p:grpSpPr>
-        <a:xfrm>
-          <a:off x="0" y="0"/>
-          <a:ext cx="0" cy="0"/>
-          <a:chOff x="0" y="0"/>
-          <a:chExt cx="0" cy="0"/>
-        </a:xfrm>
-      </p:grpSpPr>
-      <p:sp>
-        <p:nvSpPr>
-          <p:cNvPr id="2" name="Title 1">
-            <a:extLst>
-              <a:ext uri="{FF2B5EF4-FFF2-40B4-BE49-F238E27FC236}">
-                <a16:creationId xmlns:a16="http://schemas.microsoft.com/office/drawing/2014/main" id="{EF7C3218-2D68-40C7-8110-E2DA541F854D}"/>
-              </a:ext>
-            </a:extLst>
-          </p:cNvPr>
-          <p:cNvSpPr>
-            <a:spLocks noGrp="1"/>
-          </p:cNvSpPr>
-          <p:nvPr>
-            <p:ph type="title"/>
-          </p:nvPr>
-        </p:nvSpPr>
-        <p:spPr>
-          <a:xfrm>
-            <a:off x="838200" y="365125"/>
-            <a:ext cx="10515600" cy="915035"/>
-          </a:xfrm>
-        </p:spPr>
-        <p:txBody>
-          <a:bodyPr vert="horz" lIns="91440" tIns="45720" rIns="91440" bIns="45720" rtlCol="0" anchor="ctr">
-            <a:normAutofit/>
-          </a:bodyPr>
-          <a:lstStyle/>
-          <a:p>
-            <a:r>
-              <a:rPr lang="en-US" sz="4000" kern="1200" dirty="0">
-                <a:solidFill>
-                  <a:schemeClr val="tx1"/>
-                </a:solidFill>
-                <a:latin typeface="Arial" panose="020B0604020202020204" pitchFamily="34" charset="0"/>
-                <a:cs typeface="Arial" panose="020B0604020202020204" pitchFamily="34" charset="0"/>
-              </a:rPr>
-              <a:t>Outline</a:t>
-            </a:r>
-          </a:p>
-        </p:txBody>
-      </p:sp>
-      <p:graphicFrame>
-        <p:nvGraphicFramePr>
-          <p:cNvPr id="13" name="TextBox 10">
-            <a:extLst>
-              <a:ext uri="{FF2B5EF4-FFF2-40B4-BE49-F238E27FC236}">
-                <a16:creationId xmlns:a16="http://schemas.microsoft.com/office/drawing/2014/main" id="{263088D1-ADBE-4EF5-956A-ADCED6B0BF8F}"/>
-              </a:ext>
-            </a:extLst>
-          </p:cNvPr>
-          <p:cNvGraphicFramePr/>
-          <p:nvPr/>
-        </p:nvGraphicFramePr>
-        <p:xfrm>
-          <a:off x="838200" y="1500505"/>
-          <a:ext cx="10515600" cy="4351338"/>
-        </p:xfrm>
-        <a:graphic>
-          <a:graphicData uri="http://schemas.openxmlformats.org/drawingml/2006/diagram">
-            <dgm:relIds xmlns:dgm="http://schemas.openxmlformats.org/drawingml/2006/diagram" xmlns:r="http://schemas.openxmlformats.org/officeDocument/2006/relationships" r:dm="rId2" r:lo="rId3" r:qs="rId4" r:cs="rId5"/>
-          </a:graphicData>
-        </a:graphic>
-      </p:graphicFrame>
-      <p:sp>
-        <p:nvSpPr>
-          <p:cNvPr id="3" name="Slide Number Placeholder 2">
-            <a:extLst>
-              <a:ext uri="{FF2B5EF4-FFF2-40B4-BE49-F238E27FC236}">
-                <a16:creationId xmlns:a16="http://schemas.microsoft.com/office/drawing/2014/main" id="{372BA148-364A-463D-8D96-30CB16C22B26}"/>
-              </a:ext>
-            </a:extLst>
-          </p:cNvPr>
-          <p:cNvSpPr>
-            <a:spLocks noGrp="1"/>
-          </p:cNvSpPr>
-          <p:nvPr>
-            <p:ph type="sldNum" sz="quarter" idx="12"/>
-          </p:nvPr>
-        </p:nvSpPr>
-        <p:spPr/>
-        <p:txBody>
-          <a:bodyPr/>
-          <a:lstStyle/>
-          <a:p>
-            <a:fld id="{04DEA881-13CA-4008-9A1E-5E7B05E15075}" type="slidenum">
-              <a:rPr lang="en-US" smtClean="0"/>
-              <a:t>2</a:t>
-            </a:fld>
-            <a:endParaRPr lang="en-US"/>
-          </a:p>
-        </p:txBody>
-      </p:sp>
-    </p:spTree>
-    <p:extLst>
-      <p:ext uri="{BB962C8B-B14F-4D97-AF65-F5344CB8AC3E}">
-        <p14:creationId xmlns:p14="http://schemas.microsoft.com/office/powerpoint/2010/main" val="3108110570"/>
       </p:ext>
     </p:extLst>
   </p:cSld>
@@ -17879,7 +21501,7 @@
           <a:lstStyle/>
           <a:p>
             <a:r>
-              <a:rPr lang="en-US" sz="4000" kern="1200" dirty="0">
+              <a:rPr lang="en-US" sz="3600" kern="1200" dirty="0">
                 <a:solidFill>
                   <a:schemeClr val="tx1"/>
                 </a:solidFill>
@@ -18065,7 +21687,7 @@
           <a:lstStyle/>
           <a:p>
             <a:r>
-              <a:rPr lang="en-US" sz="4000" kern="1200" dirty="0">
+              <a:rPr lang="en-US" sz="3600" kern="1200" dirty="0">
                 <a:solidFill>
                   <a:schemeClr val="tx1"/>
                 </a:solidFill>
@@ -18087,15 +21709,21 @@
             </a:extLst>
           </p:cNvPr>
           <p:cNvGraphicFramePr/>
-          <p:nvPr/>
+          <p:nvPr>
+            <p:extLst>
+              <p:ext uri="{D42A27DB-BD31-4B8C-83A1-F6EECF244321}">
+                <p14:modId xmlns:p14="http://schemas.microsoft.com/office/powerpoint/2010/main" val="637834648"/>
+              </p:ext>
+            </p:extLst>
+          </p:nvPr>
         </p:nvGraphicFramePr>
         <p:xfrm>
-          <a:off x="3447833" y="1280160"/>
-          <a:ext cx="5611904" cy="5411128"/>
+          <a:off x="252933" y="1280160"/>
+          <a:ext cx="11716459" cy="5411128"/>
         </p:xfrm>
         <a:graphic>
           <a:graphicData uri="http://schemas.openxmlformats.org/drawingml/2006/diagram">
-            <dgm:relIds xmlns:dgm="http://schemas.openxmlformats.org/drawingml/2006/diagram" xmlns:r="http://schemas.openxmlformats.org/officeDocument/2006/relationships" r:dm="rId2" r:lo="rId3" r:qs="rId4" r:cs="rId5"/>
+            <dgm:relIds xmlns:dgm="http://schemas.openxmlformats.org/drawingml/2006/diagram" xmlns:r="http://schemas.openxmlformats.org/officeDocument/2006/relationships" r:dm="rId3" r:lo="rId4" r:qs="rId5" r:cs="rId6"/>
           </a:graphicData>
         </a:graphic>
       </p:graphicFrame>
@@ -18187,7 +21815,7 @@
           <a:lstStyle/>
           <a:p>
             <a:r>
-              <a:rPr lang="en-US" sz="4000" kern="1200" dirty="0">
+              <a:rPr lang="en-US" sz="3600" kern="1200" dirty="0">
                 <a:solidFill>
                   <a:schemeClr val="tx1"/>
                 </a:solidFill>
@@ -18209,11 +21837,17 @@
             </a:extLst>
           </p:cNvPr>
           <p:cNvGraphicFramePr/>
-          <p:nvPr/>
+          <p:nvPr>
+            <p:extLst>
+              <p:ext uri="{D42A27DB-BD31-4B8C-83A1-F6EECF244321}">
+                <p14:modId xmlns:p14="http://schemas.microsoft.com/office/powerpoint/2010/main" val="25046575"/>
+              </p:ext>
+            </p:extLst>
+          </p:nvPr>
         </p:nvGraphicFramePr>
         <p:xfrm>
-          <a:off x="3095748" y="1066549"/>
-          <a:ext cx="6103252" cy="5596241"/>
+          <a:off x="275422" y="1210386"/>
+          <a:ext cx="11632326" cy="5596241"/>
         </p:xfrm>
         <a:graphic>
           <a:graphicData uri="http://schemas.openxmlformats.org/drawingml/2006/diagram">
@@ -18309,7 +21943,7 @@
           <a:lstStyle/>
           <a:p>
             <a:r>
-              <a:rPr lang="en-US" sz="4000" kern="1200" dirty="0">
+              <a:rPr lang="en-US" sz="3600" kern="1200" dirty="0">
                 <a:solidFill>
                   <a:schemeClr val="tx1"/>
                 </a:solidFill>
@@ -18474,7 +22108,7 @@
           </p:nvSpPr>
           <p:spPr>
             <a:xfrm>
-              <a:off x="293669" y="3797117"/>
+              <a:off x="201203" y="3797117"/>
               <a:ext cx="5706439" cy="625024"/>
             </a:xfrm>
             <a:prstGeom prst="rect">
@@ -18496,7 +22130,7 @@
                 </a:spcAft>
               </a:pPr>
               <a:r>
-                <a:rPr lang="en-US" dirty="0">
+                <a:rPr lang="en-US" sz="2000" dirty="0">
                   <a:solidFill>
                     <a:srgbClr val="000000"/>
                   </a:solidFill>
@@ -18603,8 +22237,8 @@
           </p:nvSpPr>
           <p:spPr>
             <a:xfrm>
-              <a:off x="293670" y="1453835"/>
-              <a:ext cx="4668748" cy="608790"/>
+              <a:off x="211478" y="1453835"/>
+              <a:ext cx="5881098" cy="608790"/>
             </a:xfrm>
             <a:prstGeom prst="rect">
               <a:avLst/>
@@ -18612,7 +22246,7 @@
           </p:spPr>
           <p:txBody>
             <a:bodyPr vert="horz" lIns="91440" tIns="45720" rIns="91440" bIns="45720" rtlCol="0">
-              <a:normAutofit/>
+              <a:noAutofit/>
             </a:bodyPr>
             <a:lstStyle/>
             <a:p>
@@ -18625,7 +22259,7 @@
                 </a:spcAft>
               </a:pPr>
               <a:r>
-                <a:rPr lang="en-US" dirty="0">
+                <a:rPr lang="en-US" sz="2000" dirty="0">
                   <a:solidFill>
                     <a:srgbClr val="000000"/>
                   </a:solidFill>
@@ -18653,9 +22287,9 @@
         <p:grpSpPr>
           <a:xfrm>
             <a:off x="201202" y="2490951"/>
-            <a:ext cx="6103252" cy="931249"/>
+            <a:ext cx="6235931" cy="931249"/>
             <a:chOff x="201202" y="2490951"/>
-            <a:chExt cx="6103252" cy="931249"/>
+            <a:chExt cx="6235931" cy="931249"/>
           </a:xfrm>
         </p:grpSpPr>
         <p:sp>
@@ -18732,8 +22366,8 @@
           </p:nvSpPr>
           <p:spPr>
             <a:xfrm>
-              <a:off x="293669" y="2693650"/>
-              <a:ext cx="5881099" cy="725915"/>
+              <a:off x="201203" y="2693650"/>
+              <a:ext cx="6235930" cy="725915"/>
             </a:xfrm>
             <a:prstGeom prst="rect">
               <a:avLst/>
@@ -18745,7 +22379,7 @@
             </a:bodyPr>
             <a:lstStyle/>
             <a:p>
-              <a:pPr marL="57150" lvl="0">
+              <a:pPr marL="57150" lvl="0" algn="just">
                 <a:lnSpc>
                   <a:spcPct val="150000"/>
                 </a:lnSpc>
@@ -18754,7 +22388,7 @@
                 </a:spcAft>
               </a:pPr>
               <a:r>
-                <a:rPr lang="en-US" dirty="0">
+                <a:rPr lang="en-US" sz="2000" dirty="0">
                   <a:solidFill>
                     <a:srgbClr val="000000"/>
                   </a:solidFill>
@@ -18767,36 +22401,6 @@
           </p:txBody>
         </p:sp>
       </p:grpSp>
-      <p:pic>
-        <p:nvPicPr>
-          <p:cNvPr id="15" name="Picture 14">
-            <a:extLst>
-              <a:ext uri="{FF2B5EF4-FFF2-40B4-BE49-F238E27FC236}">
-                <a16:creationId xmlns:a16="http://schemas.microsoft.com/office/drawing/2014/main" id="{B69C34E0-28B2-4C63-898A-0E5B5EB4E33D}"/>
-              </a:ext>
-            </a:extLst>
-          </p:cNvPr>
-          <p:cNvPicPr>
-            <a:picLocks noChangeAspect="1"/>
-          </p:cNvPicPr>
-          <p:nvPr/>
-        </p:nvPicPr>
-        <p:blipFill>
-          <a:blip r:embed="rId2"/>
-          <a:stretch>
-            <a:fillRect/>
-          </a:stretch>
-        </p:blipFill>
-        <p:spPr>
-          <a:xfrm>
-            <a:off x="6729574" y="1263946"/>
-            <a:ext cx="5162024" cy="5143848"/>
-          </a:xfrm>
-          <a:prstGeom prst="rect">
-            <a:avLst/>
-          </a:prstGeom>
-        </p:spPr>
-      </p:pic>
       <p:sp>
         <p:nvSpPr>
           <p:cNvPr id="4" name="Slide Number Placeholder 3">
@@ -18826,6 +22430,36 @@
           </a:p>
         </p:txBody>
       </p:sp>
+      <p:pic>
+        <p:nvPicPr>
+          <p:cNvPr id="5" name="Picture 4">
+            <a:extLst>
+              <a:ext uri="{FF2B5EF4-FFF2-40B4-BE49-F238E27FC236}">
+                <a16:creationId xmlns:a16="http://schemas.microsoft.com/office/drawing/2014/main" id="{F5ACC537-E693-4575-9638-872030151A7F}"/>
+              </a:ext>
+            </a:extLst>
+          </p:cNvPr>
+          <p:cNvPicPr>
+            <a:picLocks noChangeAspect="1"/>
+          </p:cNvPicPr>
+          <p:nvPr/>
+        </p:nvPicPr>
+        <p:blipFill>
+          <a:blip r:embed="rId2"/>
+          <a:stretch>
+            <a:fillRect/>
+          </a:stretch>
+        </p:blipFill>
+        <p:spPr>
+          <a:xfrm>
+            <a:off x="6437132" y="1263947"/>
+            <a:ext cx="5598124" cy="5004652"/>
+          </a:xfrm>
+          <a:prstGeom prst="rect">
+            <a:avLst/>
+          </a:prstGeom>
+        </p:spPr>
+      </p:pic>
     </p:spTree>
     <p:extLst>
       <p:ext uri="{BB962C8B-B14F-4D97-AF65-F5344CB8AC3E}">
@@ -18885,7 +22519,7 @@
           <a:lstStyle/>
           <a:p>
             <a:r>
-              <a:rPr lang="en-US" sz="4000" kern="1200" dirty="0">
+              <a:rPr lang="en-US" sz="3600" kern="1200" dirty="0">
                 <a:solidFill>
                   <a:schemeClr val="tx1"/>
                 </a:solidFill>
@@ -19050,8 +22684,8 @@
           </p:nvSpPr>
           <p:spPr>
             <a:xfrm>
-              <a:off x="283402" y="3797116"/>
-              <a:ext cx="5911922" cy="778137"/>
+              <a:off x="190935" y="3797117"/>
+              <a:ext cx="5936344" cy="778137"/>
             </a:xfrm>
             <a:prstGeom prst="rect">
               <a:avLst/>
@@ -19063,16 +22697,13 @@
             </a:bodyPr>
             <a:lstStyle/>
             <a:p>
-              <a:pPr marL="57150">
-                <a:lnSpc>
-                  <a:spcPct val="150000"/>
-                </a:lnSpc>
+              <a:pPr marL="57150" algn="just">
                 <a:spcAft>
                   <a:spcPts val="600"/>
                 </a:spcAft>
               </a:pPr>
               <a:r>
-                <a:rPr lang="en-US" dirty="0">
+                <a:rPr lang="en-US" sz="2000" dirty="0">
                   <a:solidFill>
                     <a:srgbClr val="000000"/>
                   </a:solidFill>
@@ -19081,7 +22712,7 @@
                 </a:rPr>
                 <a:t>The least common species is the Virginia pine (only 10!)</a:t>
               </a:r>
-              <a:endParaRPr lang="en-US" dirty="0">
+              <a:endParaRPr lang="en-US" sz="2000" dirty="0">
                 <a:latin typeface="Arial" panose="020B0604020202020204" pitchFamily="34" charset="0"/>
                 <a:cs typeface="Arial" panose="020B0604020202020204" pitchFamily="34" charset="0"/>
               </a:endParaRPr>
@@ -19183,8 +22814,8 @@
           </p:nvSpPr>
           <p:spPr>
             <a:xfrm>
-              <a:off x="283403" y="1453835"/>
-              <a:ext cx="5395476" cy="725146"/>
+              <a:off x="190935" y="1433271"/>
+              <a:ext cx="5812597" cy="725146"/>
             </a:xfrm>
             <a:prstGeom prst="rect">
               <a:avLst/>
@@ -19192,7 +22823,7 @@
           </p:spPr>
           <p:txBody>
             <a:bodyPr vert="horz" lIns="91440" tIns="45720" rIns="91440" bIns="45720" rtlCol="0">
-              <a:normAutofit/>
+              <a:noAutofit/>
             </a:bodyPr>
             <a:lstStyle/>
             <a:p>
@@ -19205,7 +22836,7 @@
                 </a:spcAft>
               </a:pPr>
               <a:r>
-                <a:rPr lang="en-US" dirty="0">
+                <a:rPr lang="en-US" sz="2000" dirty="0">
                   <a:solidFill>
                     <a:srgbClr val="000000"/>
                   </a:solidFill>
@@ -19233,9 +22864,9 @@
         <p:grpSpPr>
           <a:xfrm>
             <a:off x="190935" y="2490951"/>
-            <a:ext cx="6269576" cy="931249"/>
+            <a:ext cx="6189324" cy="931249"/>
             <a:chOff x="190935" y="2490951"/>
-            <a:chExt cx="6269576" cy="931249"/>
+            <a:chExt cx="6189324" cy="931249"/>
           </a:xfrm>
         </p:grpSpPr>
         <p:sp>
@@ -19312,7 +22943,7 @@
           </p:nvSpPr>
           <p:spPr>
             <a:xfrm>
-              <a:off x="271187" y="2607335"/>
+              <a:off x="190935" y="2585499"/>
               <a:ext cx="6189324" cy="742151"/>
             </a:xfrm>
             <a:prstGeom prst="rect">
@@ -19331,7 +22962,7 @@
                 </a:spcAft>
               </a:pPr>
               <a:r>
-                <a:rPr lang="en-US" dirty="0">
+                <a:rPr lang="en-US" sz="2000" dirty="0">
                   <a:solidFill>
                     <a:srgbClr val="000000"/>
                   </a:solidFill>
@@ -19348,14 +22979,14 @@
                 </a:spcAft>
               </a:pPr>
               <a:r>
-                <a:rPr lang="en-US" dirty="0">
+                <a:rPr lang="en-US" sz="2000" dirty="0">
                   <a:solidFill>
                     <a:srgbClr val="000000"/>
                   </a:solidFill>
                   <a:latin typeface="Arial" panose="020B0604020202020204" pitchFamily="34" charset="0"/>
                   <a:cs typeface="Arial" panose="020B0604020202020204" pitchFamily="34" charset="0"/>
                 </a:rPr>
-                <a:t>(over 87000 individuals)</a:t>
+                <a:t>(87000 individuals)</a:t>
               </a:r>
             </a:p>
           </p:txBody>
@@ -19485,7 +23116,7 @@
           <a:lstStyle/>
           <a:p>
             <a:r>
-              <a:rPr lang="en-US" sz="4000" kern="1200" dirty="0">
+              <a:rPr lang="en-US" sz="3600" kern="1200" dirty="0">
                 <a:solidFill>
                   <a:schemeClr val="tx1"/>
                 </a:solidFill>
@@ -19650,7 +23281,7 @@
           </p:nvSpPr>
           <p:spPr>
             <a:xfrm>
-              <a:off x="262848" y="1453835"/>
+              <a:off x="173805" y="1405270"/>
               <a:ext cx="5922195" cy="725146"/>
             </a:xfrm>
             <a:prstGeom prst="rect">
@@ -19669,14 +23300,14 @@
                 </a:spcAft>
               </a:pPr>
               <a:r>
-                <a:rPr lang="en-US" dirty="0">
+                <a:rPr lang="en-US" sz="2000" dirty="0">
                   <a:solidFill>
                     <a:srgbClr val="000000"/>
                   </a:solidFill>
                   <a:latin typeface="Arial" panose="020B0604020202020204" pitchFamily="34" charset="0"/>
                   <a:cs typeface="Arial" panose="020B0604020202020204" pitchFamily="34" charset="0"/>
                 </a:rPr>
-                <a:t>The dataset is skewed, most trees are classified as healthy</a:t>
+                <a:t>The dataset is skewed, most trees are classified as healthy (85%)</a:t>
               </a:r>
             </a:p>
           </p:txBody>
@@ -19770,9 +23401,9 @@
         </p:nvGrpSpPr>
         <p:grpSpPr>
           <a:xfrm>
-            <a:off x="164186" y="3066113"/>
+            <a:off x="170381" y="3094016"/>
             <a:ext cx="6103252" cy="931249"/>
-            <a:chOff x="164186" y="3066113"/>
+            <a:chOff x="170381" y="3094016"/>
             <a:chExt cx="6103252" cy="931249"/>
           </a:xfrm>
         </p:grpSpPr>
@@ -19790,7 +23421,7 @@
           </p:nvSpPr>
           <p:spPr>
             <a:xfrm>
-              <a:off x="164186" y="3066113"/>
+              <a:off x="170381" y="3094016"/>
               <a:ext cx="6103252" cy="931249"/>
             </a:xfrm>
             <a:prstGeom prst="roundRect">
@@ -19850,7 +23481,7 @@
           </p:nvSpPr>
           <p:spPr>
             <a:xfrm>
-              <a:off x="262848" y="3239788"/>
+              <a:off x="173805" y="3300119"/>
               <a:ext cx="5922195" cy="725146"/>
             </a:xfrm>
             <a:prstGeom prst="rect">
@@ -19869,7 +23500,7 @@
                 </a:spcAft>
               </a:pPr>
               <a:r>
-                <a:rPr lang="en-US" dirty="0">
+                <a:rPr lang="en-US" sz="2000" dirty="0">
                   <a:solidFill>
                     <a:srgbClr val="000000"/>
                   </a:solidFill>
@@ -19970,7 +23601,7 @@
           <a:lstStyle/>
           <a:p>
             <a:r>
-              <a:rPr lang="en-US" sz="4000" kern="1200" dirty="0">
+              <a:rPr lang="en-US" sz="3600" kern="1200" dirty="0">
                 <a:solidFill>
                   <a:schemeClr val="tx1"/>
                 </a:solidFill>
@@ -20055,10 +23686,10 @@
         </p:nvGrpSpPr>
         <p:grpSpPr>
           <a:xfrm>
-            <a:off x="160108" y="1263946"/>
-            <a:ext cx="6103252" cy="976679"/>
-            <a:chOff x="160108" y="1263946"/>
-            <a:chExt cx="6103252" cy="976679"/>
+            <a:off x="153913" y="1263946"/>
+            <a:ext cx="6109447" cy="973272"/>
+            <a:chOff x="153913" y="1263946"/>
+            <a:chExt cx="6109447" cy="973272"/>
           </a:xfrm>
         </p:grpSpPr>
         <p:sp>
@@ -20135,7 +23766,7 @@
           </p:nvSpPr>
           <p:spPr>
             <a:xfrm>
-              <a:off x="252575" y="1515479"/>
+              <a:off x="153913" y="1512072"/>
               <a:ext cx="5922195" cy="725146"/>
             </a:xfrm>
             <a:prstGeom prst="rect">
@@ -20154,7 +23785,7 @@
                 </a:spcAft>
               </a:pPr>
               <a:r>
-                <a:rPr lang="en-US" dirty="0">
+                <a:rPr lang="en-US" sz="2000" dirty="0">
                   <a:solidFill>
                     <a:srgbClr val="000000"/>
                   </a:solidFill>
@@ -20227,10 +23858,10 @@
         </p:nvGrpSpPr>
         <p:grpSpPr>
           <a:xfrm>
-            <a:off x="153913" y="3035289"/>
-            <a:ext cx="6103252" cy="931249"/>
-            <a:chOff x="153913" y="3035289"/>
-            <a:chExt cx="6103252" cy="931249"/>
+            <a:off x="153912" y="3035289"/>
+            <a:ext cx="6103253" cy="931249"/>
+            <a:chOff x="153912" y="3035289"/>
+            <a:chExt cx="6103253" cy="931249"/>
           </a:xfrm>
         </p:grpSpPr>
         <p:sp>
@@ -20307,7 +23938,7 @@
           </p:nvSpPr>
           <p:spPr>
             <a:xfrm>
-              <a:off x="252575" y="3239788"/>
+              <a:off x="153912" y="3201570"/>
               <a:ext cx="5922195" cy="725146"/>
             </a:xfrm>
             <a:prstGeom prst="rect">
@@ -20326,7 +23957,7 @@
                 </a:spcAft>
               </a:pPr>
               <a:r>
-                <a:rPr lang="en-US" dirty="0">
+                <a:rPr lang="en-US" sz="2000" dirty="0">
                   <a:solidFill>
                     <a:srgbClr val="000000"/>
                   </a:solidFill>
@@ -20339,36 +23970,6 @@
           </p:txBody>
         </p:sp>
       </p:grpSp>
-      <p:pic>
-        <p:nvPicPr>
-          <p:cNvPr id="12" name="Picture 11">
-            <a:extLst>
-              <a:ext uri="{FF2B5EF4-FFF2-40B4-BE49-F238E27FC236}">
-                <a16:creationId xmlns:a16="http://schemas.microsoft.com/office/drawing/2014/main" id="{1A9C41AB-D5DF-4934-B10D-415FB67006C5}"/>
-              </a:ext>
-            </a:extLst>
-          </p:cNvPr>
-          <p:cNvPicPr>
-            <a:picLocks noChangeAspect="1"/>
-          </p:cNvPicPr>
-          <p:nvPr/>
-        </p:nvPicPr>
-        <p:blipFill>
-          <a:blip r:embed="rId2"/>
-          <a:stretch>
-            <a:fillRect/>
-          </a:stretch>
-        </p:blipFill>
-        <p:spPr>
-          <a:xfrm>
-            <a:off x="6452171" y="1290434"/>
-            <a:ext cx="5612549" cy="4480800"/>
-          </a:xfrm>
-          <a:prstGeom prst="rect">
-            <a:avLst/>
-          </a:prstGeom>
-        </p:spPr>
-      </p:pic>
       <p:sp>
         <p:nvSpPr>
           <p:cNvPr id="6" name="Slide Number Placeholder 5">
@@ -20398,6 +23999,36 @@
           </a:p>
         </p:txBody>
       </p:sp>
+      <p:pic>
+        <p:nvPicPr>
+          <p:cNvPr id="8" name="Picture 7">
+            <a:extLst>
+              <a:ext uri="{FF2B5EF4-FFF2-40B4-BE49-F238E27FC236}">
+                <a16:creationId xmlns:a16="http://schemas.microsoft.com/office/drawing/2014/main" id="{C5E2CE34-8088-4995-ADC1-BB3EBBC521E5}"/>
+              </a:ext>
+            </a:extLst>
+          </p:cNvPr>
+          <p:cNvPicPr>
+            <a:picLocks noChangeAspect="1"/>
+          </p:cNvPicPr>
+          <p:nvPr/>
+        </p:nvPicPr>
+        <p:blipFill>
+          <a:blip r:embed="rId2"/>
+          <a:stretch>
+            <a:fillRect/>
+          </a:stretch>
+        </p:blipFill>
+        <p:spPr>
+          <a:xfrm>
+            <a:off x="6370033" y="1263946"/>
+            <a:ext cx="5713506" cy="4806348"/>
+          </a:xfrm>
+          <a:prstGeom prst="rect">
+            <a:avLst/>
+          </a:prstGeom>
+        </p:spPr>
+      </p:pic>
     </p:spTree>
     <p:extLst>
       <p:ext uri="{BB962C8B-B14F-4D97-AF65-F5344CB8AC3E}">
